--- a/Yuri/PJT-yuri.pptx
+++ b/Yuri/PJT-yuri.pptx
@@ -5,7 +5,7 @@
     <p:sldMasterId id="2147483673" r:id="rId1"/>
   </p:sldMasterIdLst>
   <p:notesMasterIdLst>
-    <p:notesMasterId r:id="rId14"/>
+    <p:notesMasterId r:id="rId19"/>
   </p:notesMasterIdLst>
   <p:sldIdLst>
     <p:sldId id="280" r:id="rId2"/>
@@ -16,25 +16,30 @@
     <p:sldId id="291" r:id="rId7"/>
     <p:sldId id="292" r:id="rId8"/>
     <p:sldId id="293" r:id="rId9"/>
-    <p:sldId id="294" r:id="rId10"/>
-    <p:sldId id="295" r:id="rId11"/>
-    <p:sldId id="297" r:id="rId12"/>
-    <p:sldId id="298" r:id="rId13"/>
+    <p:sldId id="299" r:id="rId10"/>
+    <p:sldId id="300" r:id="rId11"/>
+    <p:sldId id="301" r:id="rId12"/>
+    <p:sldId id="302" r:id="rId13"/>
+    <p:sldId id="303" r:id="rId14"/>
+    <p:sldId id="294" r:id="rId15"/>
+    <p:sldId id="295" r:id="rId16"/>
+    <p:sldId id="297" r:id="rId17"/>
+    <p:sldId id="298" r:id="rId18"/>
   </p:sldIdLst>
   <p:sldSz cx="9144000" cy="5143500" type="screen16x9"/>
   <p:notesSz cx="6858000" cy="9144000"/>
   <p:embeddedFontLst>
     <p:embeddedFont>
       <p:font typeface="맑은 고딕" panose="020B0503020000020004" pitchFamily="50" charset="-127"/>
-      <p:regular r:id="rId15"/>
-      <p:bold r:id="rId16"/>
+      <p:regular r:id="rId20"/>
+      <p:bold r:id="rId21"/>
     </p:embeddedFont>
     <p:embeddedFont>
       <p:font typeface="Poppins" panose="020B0600000101010101" charset="0"/>
-      <p:regular r:id="rId17"/>
-      <p:bold r:id="rId18"/>
-      <p:italic r:id="rId19"/>
-      <p:boldItalic r:id="rId20"/>
+      <p:regular r:id="rId22"/>
+      <p:bold r:id="rId23"/>
+      <p:italic r:id="rId24"/>
+      <p:boldItalic r:id="rId25"/>
     </p:embeddedFont>
   </p:embeddedFontLst>
   <p:defaultTextStyle>
@@ -934,7 +939,7 @@
     </p:spTree>
     <p:extLst>
       <p:ext uri="{BB962C8B-B14F-4D97-AF65-F5344CB8AC3E}">
-        <p14:creationId xmlns:p14="http://schemas.microsoft.com/office/powerpoint/2010/main" val="3250497879"/>
+        <p14:creationId xmlns:p14="http://schemas.microsoft.com/office/powerpoint/2010/main" val="454931205"/>
       </p:ext>
     </p:extLst>
   </p:cSld>
@@ -1043,6 +1048,551 @@
     </p:spTree>
     <p:extLst>
       <p:ext uri="{BB962C8B-B14F-4D97-AF65-F5344CB8AC3E}">
+        <p14:creationId xmlns:p14="http://schemas.microsoft.com/office/powerpoint/2010/main" val="3096687941"/>
+      </p:ext>
+    </p:extLst>
+  </p:cSld>
+  <p:clrMapOvr>
+    <a:masterClrMapping/>
+  </p:clrMapOvr>
+</p:notes>
+</file>
+
+<file path=ppt/notesSlides/notesSlide12.xml><?xml version="1.0" encoding="utf-8"?>
+<p:notes xmlns:a="http://schemas.openxmlformats.org/drawingml/2006/main" xmlns:r="http://schemas.openxmlformats.org/officeDocument/2006/relationships" xmlns:p="http://schemas.openxmlformats.org/presentationml/2006/main" showMasterSp="0" showMasterPhAnim="0">
+  <p:cSld>
+    <p:spTree>
+      <p:nvGrpSpPr>
+        <p:cNvPr id="1" name="Shape 346"/>
+        <p:cNvGrpSpPr/>
+        <p:nvPr/>
+      </p:nvGrpSpPr>
+      <p:grpSpPr>
+        <a:xfrm>
+          <a:off x="0" y="0"/>
+          <a:ext cx="0" cy="0"/>
+          <a:chOff x="0" y="0"/>
+          <a:chExt cx="0" cy="0"/>
+        </a:xfrm>
+      </p:grpSpPr>
+      <p:sp>
+        <p:nvSpPr>
+          <p:cNvPr id="347" name="Google Shape;347;g184d99d1a72_0_57:notes"/>
+          <p:cNvSpPr>
+            <a:spLocks noGrp="1" noRot="1" noChangeAspect="1"/>
+          </p:cNvSpPr>
+          <p:nvPr>
+            <p:ph type="sldImg" idx="2"/>
+          </p:nvPr>
+        </p:nvSpPr>
+        <p:spPr>
+          <a:xfrm>
+            <a:off x="381000" y="685800"/>
+            <a:ext cx="6096000" cy="3429000"/>
+          </a:xfrm>
+          <a:custGeom>
+            <a:avLst/>
+            <a:gdLst/>
+            <a:ahLst/>
+            <a:cxnLst/>
+            <a:rect l="l" t="t" r="r" b="b"/>
+            <a:pathLst>
+              <a:path w="120000" h="120000" extrusionOk="0">
+                <a:moveTo>
+                  <a:pt x="0" y="0"/>
+                </a:moveTo>
+                <a:lnTo>
+                  <a:pt x="120000" y="0"/>
+                </a:lnTo>
+                <a:lnTo>
+                  <a:pt x="120000" y="120000"/>
+                </a:lnTo>
+                <a:lnTo>
+                  <a:pt x="0" y="120000"/>
+                </a:lnTo>
+                <a:close/>
+              </a:path>
+            </a:pathLst>
+          </a:custGeom>
+        </p:spPr>
+      </p:sp>
+      <p:sp>
+        <p:nvSpPr>
+          <p:cNvPr id="348" name="Google Shape;348;g184d99d1a72_0_57:notes"/>
+          <p:cNvSpPr txBox="1">
+            <a:spLocks noGrp="1"/>
+          </p:cNvSpPr>
+          <p:nvPr>
+            <p:ph type="body" idx="1"/>
+          </p:nvPr>
+        </p:nvSpPr>
+        <p:spPr>
+          <a:xfrm>
+            <a:off x="685800" y="4343400"/>
+            <a:ext cx="5486400" cy="4114800"/>
+          </a:xfrm>
+          <a:prstGeom prst="rect">
+            <a:avLst/>
+          </a:prstGeom>
+        </p:spPr>
+        <p:txBody>
+          <a:bodyPr spcFirstLastPara="1" wrap="square" lIns="91425" tIns="91425" rIns="91425" bIns="91425" anchor="t" anchorCtr="0">
+            <a:noAutofit/>
+          </a:bodyPr>
+          <a:lstStyle/>
+          <a:p>
+            <a:pPr marL="0" lvl="0" indent="0" algn="l" rtl="0">
+              <a:spcBef>
+                <a:spcPts val="0"/>
+              </a:spcBef>
+              <a:spcAft>
+                <a:spcPts val="0"/>
+              </a:spcAft>
+              <a:buNone/>
+            </a:pPr>
+            <a:endParaRPr/>
+          </a:p>
+        </p:txBody>
+      </p:sp>
+    </p:spTree>
+    <p:extLst>
+      <p:ext uri="{BB962C8B-B14F-4D97-AF65-F5344CB8AC3E}">
+        <p14:creationId xmlns:p14="http://schemas.microsoft.com/office/powerpoint/2010/main" val="2607823720"/>
+      </p:ext>
+    </p:extLst>
+  </p:cSld>
+  <p:clrMapOvr>
+    <a:masterClrMapping/>
+  </p:clrMapOvr>
+</p:notes>
+</file>
+
+<file path=ppt/notesSlides/notesSlide13.xml><?xml version="1.0" encoding="utf-8"?>
+<p:notes xmlns:a="http://schemas.openxmlformats.org/drawingml/2006/main" xmlns:r="http://schemas.openxmlformats.org/officeDocument/2006/relationships" xmlns:p="http://schemas.openxmlformats.org/presentationml/2006/main" showMasterSp="0" showMasterPhAnim="0">
+  <p:cSld>
+    <p:spTree>
+      <p:nvGrpSpPr>
+        <p:cNvPr id="1" name="Shape 346"/>
+        <p:cNvGrpSpPr/>
+        <p:nvPr/>
+      </p:nvGrpSpPr>
+      <p:grpSpPr>
+        <a:xfrm>
+          <a:off x="0" y="0"/>
+          <a:ext cx="0" cy="0"/>
+          <a:chOff x="0" y="0"/>
+          <a:chExt cx="0" cy="0"/>
+        </a:xfrm>
+      </p:grpSpPr>
+      <p:sp>
+        <p:nvSpPr>
+          <p:cNvPr id="347" name="Google Shape;347;g184d99d1a72_0_57:notes"/>
+          <p:cNvSpPr>
+            <a:spLocks noGrp="1" noRot="1" noChangeAspect="1"/>
+          </p:cNvSpPr>
+          <p:nvPr>
+            <p:ph type="sldImg" idx="2"/>
+          </p:nvPr>
+        </p:nvSpPr>
+        <p:spPr>
+          <a:xfrm>
+            <a:off x="381000" y="685800"/>
+            <a:ext cx="6096000" cy="3429000"/>
+          </a:xfrm>
+          <a:custGeom>
+            <a:avLst/>
+            <a:gdLst/>
+            <a:ahLst/>
+            <a:cxnLst/>
+            <a:rect l="l" t="t" r="r" b="b"/>
+            <a:pathLst>
+              <a:path w="120000" h="120000" extrusionOk="0">
+                <a:moveTo>
+                  <a:pt x="0" y="0"/>
+                </a:moveTo>
+                <a:lnTo>
+                  <a:pt x="120000" y="0"/>
+                </a:lnTo>
+                <a:lnTo>
+                  <a:pt x="120000" y="120000"/>
+                </a:lnTo>
+                <a:lnTo>
+                  <a:pt x="0" y="120000"/>
+                </a:lnTo>
+                <a:close/>
+              </a:path>
+            </a:pathLst>
+          </a:custGeom>
+        </p:spPr>
+      </p:sp>
+      <p:sp>
+        <p:nvSpPr>
+          <p:cNvPr id="348" name="Google Shape;348;g184d99d1a72_0_57:notes"/>
+          <p:cNvSpPr txBox="1">
+            <a:spLocks noGrp="1"/>
+          </p:cNvSpPr>
+          <p:nvPr>
+            <p:ph type="body" idx="1"/>
+          </p:nvPr>
+        </p:nvSpPr>
+        <p:spPr>
+          <a:xfrm>
+            <a:off x="685800" y="4343400"/>
+            <a:ext cx="5486400" cy="4114800"/>
+          </a:xfrm>
+          <a:prstGeom prst="rect">
+            <a:avLst/>
+          </a:prstGeom>
+        </p:spPr>
+        <p:txBody>
+          <a:bodyPr spcFirstLastPara="1" wrap="square" lIns="91425" tIns="91425" rIns="91425" bIns="91425" anchor="t" anchorCtr="0">
+            <a:noAutofit/>
+          </a:bodyPr>
+          <a:lstStyle/>
+          <a:p>
+            <a:pPr marL="0" lvl="0" indent="0" algn="l" rtl="0">
+              <a:spcBef>
+                <a:spcPts val="0"/>
+              </a:spcBef>
+              <a:spcAft>
+                <a:spcPts val="0"/>
+              </a:spcAft>
+              <a:buNone/>
+            </a:pPr>
+            <a:endParaRPr/>
+          </a:p>
+        </p:txBody>
+      </p:sp>
+    </p:spTree>
+    <p:extLst>
+      <p:ext uri="{BB962C8B-B14F-4D97-AF65-F5344CB8AC3E}">
+        <p14:creationId xmlns:p14="http://schemas.microsoft.com/office/powerpoint/2010/main" val="1723658242"/>
+      </p:ext>
+    </p:extLst>
+  </p:cSld>
+  <p:clrMapOvr>
+    <a:masterClrMapping/>
+  </p:clrMapOvr>
+</p:notes>
+</file>
+
+<file path=ppt/notesSlides/notesSlide14.xml><?xml version="1.0" encoding="utf-8"?>
+<p:notes xmlns:a="http://schemas.openxmlformats.org/drawingml/2006/main" xmlns:r="http://schemas.openxmlformats.org/officeDocument/2006/relationships" xmlns:p="http://schemas.openxmlformats.org/presentationml/2006/main" showMasterSp="0" showMasterPhAnim="0">
+  <p:cSld>
+    <p:spTree>
+      <p:nvGrpSpPr>
+        <p:cNvPr id="1" name="Shape 346"/>
+        <p:cNvGrpSpPr/>
+        <p:nvPr/>
+      </p:nvGrpSpPr>
+      <p:grpSpPr>
+        <a:xfrm>
+          <a:off x="0" y="0"/>
+          <a:ext cx="0" cy="0"/>
+          <a:chOff x="0" y="0"/>
+          <a:chExt cx="0" cy="0"/>
+        </a:xfrm>
+      </p:grpSpPr>
+      <p:sp>
+        <p:nvSpPr>
+          <p:cNvPr id="347" name="Google Shape;347;g184d99d1a72_0_57:notes"/>
+          <p:cNvSpPr>
+            <a:spLocks noGrp="1" noRot="1" noChangeAspect="1"/>
+          </p:cNvSpPr>
+          <p:nvPr>
+            <p:ph type="sldImg" idx="2"/>
+          </p:nvPr>
+        </p:nvSpPr>
+        <p:spPr>
+          <a:xfrm>
+            <a:off x="381000" y="685800"/>
+            <a:ext cx="6096000" cy="3429000"/>
+          </a:xfrm>
+          <a:custGeom>
+            <a:avLst/>
+            <a:gdLst/>
+            <a:ahLst/>
+            <a:cxnLst/>
+            <a:rect l="l" t="t" r="r" b="b"/>
+            <a:pathLst>
+              <a:path w="120000" h="120000" extrusionOk="0">
+                <a:moveTo>
+                  <a:pt x="0" y="0"/>
+                </a:moveTo>
+                <a:lnTo>
+                  <a:pt x="120000" y="0"/>
+                </a:lnTo>
+                <a:lnTo>
+                  <a:pt x="120000" y="120000"/>
+                </a:lnTo>
+                <a:lnTo>
+                  <a:pt x="0" y="120000"/>
+                </a:lnTo>
+                <a:close/>
+              </a:path>
+            </a:pathLst>
+          </a:custGeom>
+        </p:spPr>
+      </p:sp>
+      <p:sp>
+        <p:nvSpPr>
+          <p:cNvPr id="348" name="Google Shape;348;g184d99d1a72_0_57:notes"/>
+          <p:cNvSpPr txBox="1">
+            <a:spLocks noGrp="1"/>
+          </p:cNvSpPr>
+          <p:nvPr>
+            <p:ph type="body" idx="1"/>
+          </p:nvPr>
+        </p:nvSpPr>
+        <p:spPr>
+          <a:xfrm>
+            <a:off x="685800" y="4343400"/>
+            <a:ext cx="5486400" cy="4114800"/>
+          </a:xfrm>
+          <a:prstGeom prst="rect">
+            <a:avLst/>
+          </a:prstGeom>
+        </p:spPr>
+        <p:txBody>
+          <a:bodyPr spcFirstLastPara="1" wrap="square" lIns="91425" tIns="91425" rIns="91425" bIns="91425" anchor="t" anchorCtr="0">
+            <a:noAutofit/>
+          </a:bodyPr>
+          <a:lstStyle/>
+          <a:p>
+            <a:pPr marL="0" lvl="0" indent="0" algn="l" rtl="0">
+              <a:spcBef>
+                <a:spcPts val="0"/>
+              </a:spcBef>
+              <a:spcAft>
+                <a:spcPts val="0"/>
+              </a:spcAft>
+              <a:buNone/>
+            </a:pPr>
+            <a:endParaRPr/>
+          </a:p>
+        </p:txBody>
+      </p:sp>
+    </p:spTree>
+    <p:extLst>
+      <p:ext uri="{BB962C8B-B14F-4D97-AF65-F5344CB8AC3E}">
+        <p14:creationId xmlns:p14="http://schemas.microsoft.com/office/powerpoint/2010/main" val="3609996341"/>
+      </p:ext>
+    </p:extLst>
+  </p:cSld>
+  <p:clrMapOvr>
+    <a:masterClrMapping/>
+  </p:clrMapOvr>
+</p:notes>
+</file>
+
+<file path=ppt/notesSlides/notesSlide15.xml><?xml version="1.0" encoding="utf-8"?>
+<p:notes xmlns:a="http://schemas.openxmlformats.org/drawingml/2006/main" xmlns:r="http://schemas.openxmlformats.org/officeDocument/2006/relationships" xmlns:p="http://schemas.openxmlformats.org/presentationml/2006/main" showMasterSp="0" showMasterPhAnim="0">
+  <p:cSld>
+    <p:spTree>
+      <p:nvGrpSpPr>
+        <p:cNvPr id="1" name="Shape 346"/>
+        <p:cNvGrpSpPr/>
+        <p:nvPr/>
+      </p:nvGrpSpPr>
+      <p:grpSpPr>
+        <a:xfrm>
+          <a:off x="0" y="0"/>
+          <a:ext cx="0" cy="0"/>
+          <a:chOff x="0" y="0"/>
+          <a:chExt cx="0" cy="0"/>
+        </a:xfrm>
+      </p:grpSpPr>
+      <p:sp>
+        <p:nvSpPr>
+          <p:cNvPr id="347" name="Google Shape;347;g184d99d1a72_0_57:notes"/>
+          <p:cNvSpPr>
+            <a:spLocks noGrp="1" noRot="1" noChangeAspect="1"/>
+          </p:cNvSpPr>
+          <p:nvPr>
+            <p:ph type="sldImg" idx="2"/>
+          </p:nvPr>
+        </p:nvSpPr>
+        <p:spPr>
+          <a:xfrm>
+            <a:off x="381000" y="685800"/>
+            <a:ext cx="6096000" cy="3429000"/>
+          </a:xfrm>
+          <a:custGeom>
+            <a:avLst/>
+            <a:gdLst/>
+            <a:ahLst/>
+            <a:cxnLst/>
+            <a:rect l="l" t="t" r="r" b="b"/>
+            <a:pathLst>
+              <a:path w="120000" h="120000" extrusionOk="0">
+                <a:moveTo>
+                  <a:pt x="0" y="0"/>
+                </a:moveTo>
+                <a:lnTo>
+                  <a:pt x="120000" y="0"/>
+                </a:lnTo>
+                <a:lnTo>
+                  <a:pt x="120000" y="120000"/>
+                </a:lnTo>
+                <a:lnTo>
+                  <a:pt x="0" y="120000"/>
+                </a:lnTo>
+                <a:close/>
+              </a:path>
+            </a:pathLst>
+          </a:custGeom>
+        </p:spPr>
+      </p:sp>
+      <p:sp>
+        <p:nvSpPr>
+          <p:cNvPr id="348" name="Google Shape;348;g184d99d1a72_0_57:notes"/>
+          <p:cNvSpPr txBox="1">
+            <a:spLocks noGrp="1"/>
+          </p:cNvSpPr>
+          <p:nvPr>
+            <p:ph type="body" idx="1"/>
+          </p:nvPr>
+        </p:nvSpPr>
+        <p:spPr>
+          <a:xfrm>
+            <a:off x="685800" y="4343400"/>
+            <a:ext cx="5486400" cy="4114800"/>
+          </a:xfrm>
+          <a:prstGeom prst="rect">
+            <a:avLst/>
+          </a:prstGeom>
+        </p:spPr>
+        <p:txBody>
+          <a:bodyPr spcFirstLastPara="1" wrap="square" lIns="91425" tIns="91425" rIns="91425" bIns="91425" anchor="t" anchorCtr="0">
+            <a:noAutofit/>
+          </a:bodyPr>
+          <a:lstStyle/>
+          <a:p>
+            <a:pPr marL="0" lvl="0" indent="0" algn="l" rtl="0">
+              <a:spcBef>
+                <a:spcPts val="0"/>
+              </a:spcBef>
+              <a:spcAft>
+                <a:spcPts val="0"/>
+              </a:spcAft>
+              <a:buNone/>
+            </a:pPr>
+            <a:endParaRPr/>
+          </a:p>
+        </p:txBody>
+      </p:sp>
+    </p:spTree>
+    <p:extLst>
+      <p:ext uri="{BB962C8B-B14F-4D97-AF65-F5344CB8AC3E}">
+        <p14:creationId xmlns:p14="http://schemas.microsoft.com/office/powerpoint/2010/main" val="3250497879"/>
+      </p:ext>
+    </p:extLst>
+  </p:cSld>
+  <p:clrMapOvr>
+    <a:masterClrMapping/>
+  </p:clrMapOvr>
+</p:notes>
+</file>
+
+<file path=ppt/notesSlides/notesSlide16.xml><?xml version="1.0" encoding="utf-8"?>
+<p:notes xmlns:a="http://schemas.openxmlformats.org/drawingml/2006/main" xmlns:r="http://schemas.openxmlformats.org/officeDocument/2006/relationships" xmlns:p="http://schemas.openxmlformats.org/presentationml/2006/main" showMasterSp="0" showMasterPhAnim="0">
+  <p:cSld>
+    <p:spTree>
+      <p:nvGrpSpPr>
+        <p:cNvPr id="1" name="Shape 346"/>
+        <p:cNvGrpSpPr/>
+        <p:nvPr/>
+      </p:nvGrpSpPr>
+      <p:grpSpPr>
+        <a:xfrm>
+          <a:off x="0" y="0"/>
+          <a:ext cx="0" cy="0"/>
+          <a:chOff x="0" y="0"/>
+          <a:chExt cx="0" cy="0"/>
+        </a:xfrm>
+      </p:grpSpPr>
+      <p:sp>
+        <p:nvSpPr>
+          <p:cNvPr id="347" name="Google Shape;347;g184d99d1a72_0_57:notes"/>
+          <p:cNvSpPr>
+            <a:spLocks noGrp="1" noRot="1" noChangeAspect="1"/>
+          </p:cNvSpPr>
+          <p:nvPr>
+            <p:ph type="sldImg" idx="2"/>
+          </p:nvPr>
+        </p:nvSpPr>
+        <p:spPr>
+          <a:xfrm>
+            <a:off x="381000" y="685800"/>
+            <a:ext cx="6096000" cy="3429000"/>
+          </a:xfrm>
+          <a:custGeom>
+            <a:avLst/>
+            <a:gdLst/>
+            <a:ahLst/>
+            <a:cxnLst/>
+            <a:rect l="l" t="t" r="r" b="b"/>
+            <a:pathLst>
+              <a:path w="120000" h="120000" extrusionOk="0">
+                <a:moveTo>
+                  <a:pt x="0" y="0"/>
+                </a:moveTo>
+                <a:lnTo>
+                  <a:pt x="120000" y="0"/>
+                </a:lnTo>
+                <a:lnTo>
+                  <a:pt x="120000" y="120000"/>
+                </a:lnTo>
+                <a:lnTo>
+                  <a:pt x="0" y="120000"/>
+                </a:lnTo>
+                <a:close/>
+              </a:path>
+            </a:pathLst>
+          </a:custGeom>
+        </p:spPr>
+      </p:sp>
+      <p:sp>
+        <p:nvSpPr>
+          <p:cNvPr id="348" name="Google Shape;348;g184d99d1a72_0_57:notes"/>
+          <p:cNvSpPr txBox="1">
+            <a:spLocks noGrp="1"/>
+          </p:cNvSpPr>
+          <p:nvPr>
+            <p:ph type="body" idx="1"/>
+          </p:nvPr>
+        </p:nvSpPr>
+        <p:spPr>
+          <a:xfrm>
+            <a:off x="685800" y="4343400"/>
+            <a:ext cx="5486400" cy="4114800"/>
+          </a:xfrm>
+          <a:prstGeom prst="rect">
+            <a:avLst/>
+          </a:prstGeom>
+        </p:spPr>
+        <p:txBody>
+          <a:bodyPr spcFirstLastPara="1" wrap="square" lIns="91425" tIns="91425" rIns="91425" bIns="91425" anchor="t" anchorCtr="0">
+            <a:noAutofit/>
+          </a:bodyPr>
+          <a:lstStyle/>
+          <a:p>
+            <a:pPr marL="0" lvl="0" indent="0" algn="l" rtl="0">
+              <a:spcBef>
+                <a:spcPts val="0"/>
+              </a:spcBef>
+              <a:spcAft>
+                <a:spcPts val="0"/>
+              </a:spcAft>
+              <a:buNone/>
+            </a:pPr>
+            <a:endParaRPr/>
+          </a:p>
+        </p:txBody>
+      </p:sp>
+    </p:spTree>
+    <p:extLst>
+      <p:ext uri="{BB962C8B-B14F-4D97-AF65-F5344CB8AC3E}">
         <p14:creationId xmlns:p14="http://schemas.microsoft.com/office/powerpoint/2010/main" val="3333118178"/>
       </p:ext>
     </p:extLst>
@@ -1053,7 +1603,7 @@
 </p:notes>
 </file>
 
-<file path=ppt/notesSlides/notesSlide12.xml><?xml version="1.0" encoding="utf-8"?>
+<file path=ppt/notesSlides/notesSlide17.xml><?xml version="1.0" encoding="utf-8"?>
 <p:notes xmlns:a="http://schemas.openxmlformats.org/drawingml/2006/main" xmlns:r="http://schemas.openxmlformats.org/officeDocument/2006/relationships" xmlns:p="http://schemas.openxmlformats.org/presentationml/2006/main" showMasterSp="0" showMasterPhAnim="0">
   <p:cSld>
     <p:spTree>
@@ -2024,7 +2574,7 @@
     </p:spTree>
     <p:extLst>
       <p:ext uri="{BB962C8B-B14F-4D97-AF65-F5344CB8AC3E}">
-        <p14:creationId xmlns:p14="http://schemas.microsoft.com/office/powerpoint/2010/main" val="3609996341"/>
+        <p14:creationId xmlns:p14="http://schemas.microsoft.com/office/powerpoint/2010/main" val="3612884525"/>
       </p:ext>
     </p:extLst>
   </p:cSld>
@@ -5896,7 +6446,7 @@
         </p:nvGrpSpPr>
         <p:grpSpPr>
           <a:xfrm>
-            <a:off x="2383326" y="1128944"/>
+            <a:off x="2383326" y="951972"/>
             <a:ext cx="4377348" cy="2499780"/>
             <a:chOff x="519952" y="1357032"/>
             <a:chExt cx="7092240" cy="3786470"/>
@@ -5953,200 +6503,6 @@
       </p:grpSp>
       <p:sp>
         <p:nvSpPr>
-          <p:cNvPr id="5" name="TextBox 4"/>
-          <p:cNvSpPr txBox="1"/>
-          <p:nvPr/>
-        </p:nvSpPr>
-        <p:spPr>
-          <a:xfrm>
-            <a:off x="2102195" y="761375"/>
-            <a:ext cx="3724096" cy="307777"/>
-          </a:xfrm>
-          <a:prstGeom prst="rect">
-            <a:avLst/>
-          </a:prstGeom>
-          <a:noFill/>
-        </p:spPr>
-        <p:txBody>
-          <a:bodyPr wrap="none" rtlCol="0">
-            <a:spAutoFit/>
-          </a:bodyPr>
-          <a:lstStyle/>
-          <a:p>
-            <a:r>
-              <a:rPr lang="en-US" altLang="ko-KR" dirty="0" smtClean="0"/>
-              <a:t>- </a:t>
-            </a:r>
-            <a:r>
-              <a:rPr lang="ko-KR" altLang="en-US" dirty="0" smtClean="0"/>
-              <a:t>미세먼지와 날씨 데이터 데이터베이스 저장</a:t>
-            </a:r>
-            <a:endParaRPr lang="ko-KR" altLang="en-US" dirty="0"/>
-          </a:p>
-        </p:txBody>
-      </p:sp>
-      <p:sp>
-        <p:nvSpPr>
-          <p:cNvPr id="6" name="TextBox 5"/>
-          <p:cNvSpPr txBox="1"/>
-          <p:nvPr/>
-        </p:nvSpPr>
-        <p:spPr>
-          <a:xfrm>
-            <a:off x="699247" y="701583"/>
-            <a:ext cx="1402948" cy="369332"/>
-          </a:xfrm>
-          <a:prstGeom prst="rect">
-            <a:avLst/>
-          </a:prstGeom>
-          <a:noFill/>
-        </p:spPr>
-        <p:txBody>
-          <a:bodyPr wrap="none" rtlCol="0">
-            <a:spAutoFit/>
-          </a:bodyPr>
-          <a:lstStyle/>
-          <a:p>
-            <a:r>
-              <a:rPr lang="ko-KR" altLang="en-US" sz="1800" dirty="0" smtClean="0"/>
-              <a:t>데이터 저장</a:t>
-            </a:r>
-            <a:endParaRPr lang="ko-KR" altLang="en-US" sz="1800" dirty="0"/>
-          </a:p>
-        </p:txBody>
-      </p:sp>
-      <p:sp>
-        <p:nvSpPr>
-          <p:cNvPr id="9" name="TextBox 8"/>
-          <p:cNvSpPr txBox="1"/>
-          <p:nvPr/>
-        </p:nvSpPr>
-        <p:spPr>
-          <a:xfrm>
-            <a:off x="933445" y="4007229"/>
-            <a:ext cx="2367956" cy="307777"/>
-          </a:xfrm>
-          <a:prstGeom prst="rect">
-            <a:avLst/>
-          </a:prstGeom>
-          <a:noFill/>
-        </p:spPr>
-        <p:txBody>
-          <a:bodyPr wrap="none" rtlCol="0">
-            <a:spAutoFit/>
-          </a:bodyPr>
-          <a:lstStyle/>
-          <a:p>
-            <a:r>
-              <a:rPr lang="ko-KR" altLang="en-US" dirty="0" smtClean="0"/>
-              <a:t>미세먼지</a:t>
-            </a:r>
-            <a:r>
-              <a:rPr lang="en-US" altLang="ko-KR" dirty="0" smtClean="0"/>
-              <a:t> - </a:t>
-            </a:r>
-            <a:r>
-              <a:rPr lang="ko-KR" altLang="en-US" dirty="0" smtClean="0"/>
-              <a:t>계절별 </a:t>
-            </a:r>
-            <a:r>
-              <a:rPr lang="ko-KR" altLang="en-US" dirty="0" err="1" smtClean="0"/>
-              <a:t>평균입력</a:t>
-            </a:r>
-            <a:endParaRPr lang="ko-KR" altLang="en-US" dirty="0"/>
-          </a:p>
-        </p:txBody>
-      </p:sp>
-      <p:sp>
-        <p:nvSpPr>
-          <p:cNvPr id="12" name="TextBox 11"/>
-          <p:cNvSpPr txBox="1"/>
-          <p:nvPr/>
-        </p:nvSpPr>
-        <p:spPr>
-          <a:xfrm>
-            <a:off x="933445" y="4285458"/>
-            <a:ext cx="4491935" cy="307777"/>
-          </a:xfrm>
-          <a:prstGeom prst="rect">
-            <a:avLst/>
-          </a:prstGeom>
-          <a:noFill/>
-        </p:spPr>
-        <p:txBody>
-          <a:bodyPr wrap="none" rtlCol="0">
-            <a:spAutoFit/>
-          </a:bodyPr>
-          <a:lstStyle/>
-          <a:p>
-            <a:r>
-              <a:rPr lang="ko-KR" altLang="en-US" dirty="0" smtClean="0"/>
-              <a:t>최저기온</a:t>
-            </a:r>
-            <a:r>
-              <a:rPr lang="en-US" altLang="ko-KR" dirty="0" smtClean="0"/>
-              <a:t> - </a:t>
-            </a:r>
-            <a:r>
-              <a:rPr lang="ko-KR" altLang="en-US" dirty="0" err="1" smtClean="0"/>
-              <a:t>최고기온과</a:t>
-            </a:r>
-            <a:r>
-              <a:rPr lang="ko-KR" altLang="en-US" dirty="0" smtClean="0"/>
-              <a:t> 평균기온으로 값을 구하여 입력</a:t>
-            </a:r>
-            <a:endParaRPr lang="ko-KR" altLang="en-US" dirty="0"/>
-          </a:p>
-        </p:txBody>
-      </p:sp>
-      <p:sp>
-        <p:nvSpPr>
-          <p:cNvPr id="13" name="TextBox 12"/>
-          <p:cNvSpPr txBox="1"/>
-          <p:nvPr/>
-        </p:nvSpPr>
-        <p:spPr>
-          <a:xfrm>
-            <a:off x="933445" y="4563687"/>
-            <a:ext cx="2337499" cy="307777"/>
-          </a:xfrm>
-          <a:prstGeom prst="rect">
-            <a:avLst/>
-          </a:prstGeom>
-          <a:noFill/>
-        </p:spPr>
-        <p:txBody>
-          <a:bodyPr wrap="none" rtlCol="0">
-            <a:spAutoFit/>
-          </a:bodyPr>
-          <a:lstStyle/>
-          <a:p>
-            <a:r>
-              <a:rPr lang="ko-KR" altLang="en-US" dirty="0" smtClean="0"/>
-              <a:t>강수량</a:t>
-            </a:r>
-            <a:r>
-              <a:rPr lang="en-US" altLang="ko-KR" dirty="0" smtClean="0"/>
-              <a:t>/</a:t>
-            </a:r>
-            <a:r>
-              <a:rPr lang="ko-KR" altLang="en-US" dirty="0" smtClean="0"/>
-              <a:t>적설량</a:t>
-            </a:r>
-            <a:r>
-              <a:rPr lang="en-US" altLang="ko-KR" dirty="0" smtClean="0"/>
-              <a:t> - 0</a:t>
-            </a:r>
-            <a:r>
-              <a:rPr lang="ko-KR" altLang="en-US" dirty="0" smtClean="0"/>
-              <a:t>으로 채움</a:t>
-            </a:r>
-            <a:endParaRPr lang="ko-KR" altLang="en-US" dirty="0"/>
-          </a:p>
-        </p:txBody>
-      </p:sp>
-      <p:sp>
-        <p:nvSpPr>
           <p:cNvPr id="18" name="TextBox 17"/>
           <p:cNvSpPr txBox="1"/>
           <p:nvPr/>
@@ -6471,6 +6827,124 @@
               </a:solidFill>
               <a:latin typeface="+mj-ea"/>
               <a:ea typeface="+mj-ea"/>
+            </a:endParaRPr>
+          </a:p>
+        </p:txBody>
+      </p:sp>
+      <p:sp>
+        <p:nvSpPr>
+          <p:cNvPr id="16" name="TextBox 15"/>
+          <p:cNvSpPr txBox="1"/>
+          <p:nvPr/>
+        </p:nvSpPr>
+        <p:spPr>
+          <a:xfrm>
+            <a:off x="519952" y="630795"/>
+            <a:ext cx="5142755" cy="646331"/>
+          </a:xfrm>
+          <a:prstGeom prst="rect">
+            <a:avLst/>
+          </a:prstGeom>
+          <a:noFill/>
+        </p:spPr>
+        <p:txBody>
+          <a:bodyPr wrap="none" rtlCol="0">
+            <a:spAutoFit/>
+          </a:bodyPr>
+          <a:lstStyle/>
+          <a:p>
+            <a:r>
+              <a:rPr lang="ko-KR" altLang="en-US" sz="1800" b="1" dirty="0" smtClean="0">
+                <a:latin typeface="+mn-ea"/>
+              </a:rPr>
+              <a:t>데이터 저장 </a:t>
+            </a:r>
+            <a:r>
+              <a:rPr lang="en-US" altLang="ko-KR" sz="1800" b="1" dirty="0" smtClean="0">
+                <a:latin typeface="+mn-ea"/>
+              </a:rPr>
+              <a:t>-</a:t>
+            </a:r>
+            <a:r>
+              <a:rPr lang="en-US" altLang="ko-KR" b="1" dirty="0" smtClean="0">
+                <a:latin typeface="+mn-ea"/>
+              </a:rPr>
+              <a:t> </a:t>
+            </a:r>
+            <a:r>
+              <a:rPr lang="ko-KR" altLang="en-US" b="1" dirty="0">
+                <a:latin typeface="+mn-ea"/>
+              </a:rPr>
+              <a:t>미세먼지와 날씨 데이터 데이터베이스 저장</a:t>
+            </a:r>
+          </a:p>
+          <a:p>
+            <a:r>
+              <a:rPr lang="en-US" altLang="ko-KR" sz="1800" b="1" dirty="0" smtClean="0">
+                <a:latin typeface="+mn-ea"/>
+              </a:rPr>
+              <a:t> </a:t>
+            </a:r>
+            <a:endParaRPr lang="ko-KR" altLang="en-US" sz="1800" b="1" dirty="0">
+              <a:latin typeface="+mn-ea"/>
+            </a:endParaRPr>
+          </a:p>
+        </p:txBody>
+      </p:sp>
+      <p:pic>
+        <p:nvPicPr>
+          <p:cNvPr id="5" name="그림 4"/>
+          <p:cNvPicPr>
+            <a:picLocks noChangeAspect="1"/>
+          </p:cNvPicPr>
+          <p:nvPr/>
+        </p:nvPicPr>
+        <p:blipFill>
+          <a:blip r:embed="rId5"/>
+          <a:stretch>
+            <a:fillRect/>
+          </a:stretch>
+        </p:blipFill>
+        <p:spPr>
+          <a:xfrm>
+            <a:off x="1443318" y="3594496"/>
+            <a:ext cx="6257364" cy="1549004"/>
+          </a:xfrm>
+          <a:prstGeom prst="rect">
+            <a:avLst/>
+          </a:prstGeom>
+        </p:spPr>
+      </p:pic>
+      <p:sp>
+        <p:nvSpPr>
+          <p:cNvPr id="11" name="TextBox 10"/>
+          <p:cNvSpPr txBox="1"/>
+          <p:nvPr/>
+        </p:nvSpPr>
+        <p:spPr>
+          <a:xfrm>
+            <a:off x="519952" y="3225164"/>
+            <a:ext cx="2425664" cy="369332"/>
+          </a:xfrm>
+          <a:prstGeom prst="rect">
+            <a:avLst/>
+          </a:prstGeom>
+          <a:noFill/>
+        </p:spPr>
+        <p:txBody>
+          <a:bodyPr wrap="none" rtlCol="0">
+            <a:spAutoFit/>
+          </a:bodyPr>
+          <a:lstStyle/>
+          <a:p>
+            <a:r>
+              <a:rPr lang="ko-KR" altLang="en-US" sz="1800" b="1" dirty="0" smtClean="0">
+                <a:latin typeface="+mn-ea"/>
+              </a:rPr>
+              <a:t>원시 데이터의 컬럼들</a:t>
+            </a:r>
+            <a:endParaRPr lang="ko-KR" altLang="en-US" sz="1800" b="1" dirty="0">
+              <a:latin typeface="+mn-ea"/>
             </a:endParaRPr>
           </a:p>
         </p:txBody>
@@ -6876,17 +7350,3209 @@
                 <a:latin typeface="+mj-ea"/>
                 <a:ea typeface="+mj-ea"/>
               </a:rPr>
-              <a:t> </a:t>
-            </a:r>
-            <a:r>
-              <a:rPr lang="ko-KR" altLang="en-US" sz="2000" dirty="0" smtClean="0">
+              <a:t> 도출 </a:t>
+            </a:r>
+            <a:r>
+              <a:rPr lang="en-US" altLang="ko-KR" sz="2000" dirty="0" smtClean="0">
                 <a:solidFill>
                   <a:schemeClr val="tx1"/>
                 </a:solidFill>
                 <a:latin typeface="+mj-ea"/>
                 <a:ea typeface="+mj-ea"/>
               </a:rPr>
-              <a:t>도출 </a:t>
+              <a:t>– </a:t>
+            </a:r>
+            <a:r>
+              <a:rPr lang="ko-KR" altLang="en-US" sz="2000" dirty="0" smtClean="0">
+                <a:solidFill>
+                  <a:schemeClr val="tx1"/>
+                </a:solidFill>
+                <a:latin typeface="+mj-ea"/>
+                <a:ea typeface="+mj-ea"/>
+              </a:rPr>
+              <a:t>승객과 날씨 데이터 </a:t>
+            </a:r>
+            <a:r>
+              <a:rPr lang="en-US" altLang="ko-KR" sz="1500" dirty="0" smtClean="0">
+                <a:solidFill>
+                  <a:schemeClr val="tx1"/>
+                </a:solidFill>
+                <a:latin typeface="+mj-ea"/>
+                <a:ea typeface="+mj-ea"/>
+              </a:rPr>
+              <a:t>(</a:t>
+            </a:r>
+            <a:r>
+              <a:rPr lang="ko-KR" altLang="en-US" sz="1500" dirty="0" smtClean="0">
+                <a:solidFill>
+                  <a:schemeClr val="tx1"/>
+                </a:solidFill>
+                <a:latin typeface="+mj-ea"/>
+                <a:ea typeface="+mj-ea"/>
+              </a:rPr>
+              <a:t>상관관계</a:t>
+            </a:r>
+            <a:r>
+              <a:rPr lang="en-US" altLang="ko-KR" sz="1500" dirty="0" smtClean="0">
+                <a:solidFill>
+                  <a:schemeClr val="tx1"/>
+                </a:solidFill>
+                <a:latin typeface="+mj-ea"/>
+                <a:ea typeface="+mj-ea"/>
+              </a:rPr>
+              <a:t>)</a:t>
+            </a:r>
+            <a:endParaRPr lang="en-US" sz="1500" dirty="0">
+              <a:solidFill>
+                <a:schemeClr val="tx1"/>
+              </a:solidFill>
+              <a:latin typeface="+mj-ea"/>
+              <a:ea typeface="+mj-ea"/>
+            </a:endParaRPr>
+          </a:p>
+        </p:txBody>
+      </p:sp>
+      <p:sp>
+        <p:nvSpPr>
+          <p:cNvPr id="11" name="TextBox 10"/>
+          <p:cNvSpPr txBox="1"/>
+          <p:nvPr/>
+        </p:nvSpPr>
+        <p:spPr>
+          <a:xfrm>
+            <a:off x="4794954" y="630795"/>
+            <a:ext cx="3661580" cy="646331"/>
+          </a:xfrm>
+          <a:prstGeom prst="rect">
+            <a:avLst/>
+          </a:prstGeom>
+          <a:noFill/>
+        </p:spPr>
+        <p:txBody>
+          <a:bodyPr wrap="none" rtlCol="0">
+            <a:spAutoFit/>
+          </a:bodyPr>
+          <a:lstStyle/>
+          <a:p>
+            <a:pPr algn="r"/>
+            <a:r>
+              <a:rPr lang="ko-KR" altLang="en-US" sz="1800" b="1" dirty="0" smtClean="0">
+                <a:latin typeface="+mn-ea"/>
+              </a:rPr>
+              <a:t>지하철 </a:t>
+            </a:r>
+            <a:r>
+              <a:rPr lang="ko-KR" altLang="en-US" sz="1800" b="1" dirty="0" err="1" smtClean="0">
+                <a:latin typeface="+mn-ea"/>
+              </a:rPr>
+              <a:t>비통근자</a:t>
+            </a:r>
+            <a:r>
+              <a:rPr lang="ko-KR" altLang="en-US" sz="1800" b="1" dirty="0" smtClean="0">
+                <a:latin typeface="+mn-ea"/>
+              </a:rPr>
+              <a:t> 수와 평균기온의</a:t>
+            </a:r>
+            <a:endParaRPr lang="en-US" altLang="ko-KR" sz="1800" b="1" dirty="0" smtClean="0">
+              <a:latin typeface="+mn-ea"/>
+            </a:endParaRPr>
+          </a:p>
+          <a:p>
+            <a:pPr algn="r"/>
+            <a:r>
+              <a:rPr lang="ko-KR" altLang="en-US" sz="1800" b="1" dirty="0" smtClean="0">
+                <a:latin typeface="+mn-ea"/>
+              </a:rPr>
+              <a:t>상관관계</a:t>
+            </a:r>
+            <a:endParaRPr lang="ko-KR" altLang="en-US" sz="1800" b="1" dirty="0">
+              <a:latin typeface="+mn-ea"/>
+            </a:endParaRPr>
+          </a:p>
+        </p:txBody>
+      </p:sp>
+      <p:sp>
+        <p:nvSpPr>
+          <p:cNvPr id="12" name="TextBox 11"/>
+          <p:cNvSpPr txBox="1"/>
+          <p:nvPr/>
+        </p:nvSpPr>
+        <p:spPr>
+          <a:xfrm>
+            <a:off x="519952" y="630795"/>
+            <a:ext cx="3512500" cy="646331"/>
+          </a:xfrm>
+          <a:prstGeom prst="rect">
+            <a:avLst/>
+          </a:prstGeom>
+          <a:noFill/>
+        </p:spPr>
+        <p:txBody>
+          <a:bodyPr wrap="none" rtlCol="0">
+            <a:spAutoFit/>
+          </a:bodyPr>
+          <a:lstStyle/>
+          <a:p>
+            <a:r>
+              <a:rPr lang="ko-KR" altLang="en-US" sz="1800" b="1" dirty="0" smtClean="0">
+                <a:latin typeface="+mn-ea"/>
+              </a:rPr>
+              <a:t>버스 </a:t>
+            </a:r>
+            <a:r>
+              <a:rPr lang="ko-KR" altLang="en-US" sz="1800" b="1" dirty="0" err="1" smtClean="0">
+                <a:latin typeface="+mn-ea"/>
+              </a:rPr>
+              <a:t>비통근자</a:t>
+            </a:r>
+            <a:r>
+              <a:rPr lang="ko-KR" altLang="en-US" sz="1800" b="1" dirty="0" smtClean="0">
+                <a:latin typeface="+mn-ea"/>
+              </a:rPr>
+              <a:t> 수와 평균기온의 </a:t>
+            </a:r>
+            <a:endParaRPr lang="en-US" altLang="ko-KR" sz="1800" b="1" dirty="0" smtClean="0">
+              <a:latin typeface="+mn-ea"/>
+            </a:endParaRPr>
+          </a:p>
+          <a:p>
+            <a:r>
+              <a:rPr lang="ko-KR" altLang="en-US" sz="1800" b="1" dirty="0" smtClean="0">
+                <a:latin typeface="+mn-ea"/>
+              </a:rPr>
+              <a:t>상관관계</a:t>
+            </a:r>
+            <a:endParaRPr lang="ko-KR" altLang="en-US" sz="1800" b="1" dirty="0">
+              <a:latin typeface="+mn-ea"/>
+            </a:endParaRPr>
+          </a:p>
+        </p:txBody>
+      </p:sp>
+      <p:pic>
+        <p:nvPicPr>
+          <p:cNvPr id="3" name="그림 2"/>
+          <p:cNvPicPr>
+            <a:picLocks noChangeAspect="1"/>
+          </p:cNvPicPr>
+          <p:nvPr/>
+        </p:nvPicPr>
+        <p:blipFill>
+          <a:blip r:embed="rId3"/>
+          <a:stretch>
+            <a:fillRect/>
+          </a:stretch>
+        </p:blipFill>
+        <p:spPr>
+          <a:xfrm>
+            <a:off x="519952" y="1331065"/>
+            <a:ext cx="3960000" cy="2584421"/>
+          </a:xfrm>
+          <a:prstGeom prst="rect">
+            <a:avLst/>
+          </a:prstGeom>
+        </p:spPr>
+      </p:pic>
+      <p:pic>
+        <p:nvPicPr>
+          <p:cNvPr id="7" name="그림 6"/>
+          <p:cNvPicPr>
+            <a:picLocks noChangeAspect="1"/>
+          </p:cNvPicPr>
+          <p:nvPr/>
+        </p:nvPicPr>
+        <p:blipFill>
+          <a:blip r:embed="rId4"/>
+          <a:stretch>
+            <a:fillRect/>
+          </a:stretch>
+        </p:blipFill>
+        <p:spPr>
+          <a:xfrm>
+            <a:off x="4496534" y="1331064"/>
+            <a:ext cx="3960000" cy="2544249"/>
+          </a:xfrm>
+          <a:prstGeom prst="rect">
+            <a:avLst/>
+          </a:prstGeom>
+        </p:spPr>
+      </p:pic>
+    </p:spTree>
+    <p:extLst>
+      <p:ext uri="{BB962C8B-B14F-4D97-AF65-F5344CB8AC3E}">
+        <p14:creationId xmlns:p14="http://schemas.microsoft.com/office/powerpoint/2010/main" val="1198695708"/>
+      </p:ext>
+    </p:extLst>
+  </p:cSld>
+  <p:clrMapOvr>
+    <a:masterClrMapping/>
+  </p:clrMapOvr>
+  <p:timing>
+    <p:tnLst>
+      <p:par>
+        <p:cTn id="1" dur="indefinite" restart="never" nodeType="tmRoot"/>
+      </p:par>
+    </p:tnLst>
+  </p:timing>
+</p:sld>
+</file>
+
+<file path=ppt/slides/slide11.xml><?xml version="1.0" encoding="utf-8"?>
+<p:sld xmlns:a="http://schemas.openxmlformats.org/drawingml/2006/main" xmlns:r="http://schemas.openxmlformats.org/officeDocument/2006/relationships" xmlns:p="http://schemas.openxmlformats.org/presentationml/2006/main">
+  <p:cSld>
+    <p:spTree>
+      <p:nvGrpSpPr>
+        <p:cNvPr id="1" name="Shape 349"/>
+        <p:cNvGrpSpPr/>
+        <p:nvPr/>
+      </p:nvGrpSpPr>
+      <p:grpSpPr>
+        <a:xfrm>
+          <a:off x="0" y="0"/>
+          <a:ext cx="0" cy="0"/>
+          <a:chOff x="0" y="0"/>
+          <a:chExt cx="0" cy="0"/>
+        </a:xfrm>
+      </p:grpSpPr>
+      <p:cxnSp>
+        <p:nvCxnSpPr>
+          <p:cNvPr id="36" name="Google Shape;264;p33"/>
+          <p:cNvCxnSpPr/>
+          <p:nvPr/>
+        </p:nvCxnSpPr>
+        <p:spPr>
+          <a:xfrm flipH="1">
+            <a:off x="416779" y="576856"/>
+            <a:ext cx="8159510" cy="0"/>
+          </a:xfrm>
+          <a:prstGeom prst="straightConnector1">
+            <a:avLst/>
+          </a:prstGeom>
+          <a:noFill/>
+          <a:ln w="9525" cap="flat" cmpd="sng">
+            <a:solidFill>
+              <a:schemeClr val="dk1"/>
+            </a:solidFill>
+            <a:prstDash val="solid"/>
+            <a:round/>
+            <a:headEnd type="none" w="med" len="med"/>
+            <a:tailEnd type="none" w="med" len="med"/>
+          </a:ln>
+        </p:spPr>
+      </p:cxnSp>
+      <p:sp>
+        <p:nvSpPr>
+          <p:cNvPr id="4" name="TextBox 3"/>
+          <p:cNvSpPr txBox="1"/>
+          <p:nvPr/>
+        </p:nvSpPr>
+        <p:spPr>
+          <a:xfrm>
+            <a:off x="519952" y="35707"/>
+            <a:ext cx="726142" cy="523220"/>
+          </a:xfrm>
+          <a:prstGeom prst="rect">
+            <a:avLst/>
+          </a:prstGeom>
+          <a:noFill/>
+        </p:spPr>
+        <p:txBody>
+          <a:bodyPr wrap="square" rtlCol="0">
+            <a:spAutoFit/>
+          </a:bodyPr>
+          <a:lstStyle/>
+          <a:p>
+            <a:r>
+              <a:rPr lang="en-US" altLang="ko-KR" sz="2800" b="1" dirty="0" smtClean="0">
+                <a:latin typeface="+mj-ea"/>
+                <a:ea typeface="+mj-ea"/>
+              </a:rPr>
+              <a:t>03</a:t>
+            </a:r>
+            <a:endParaRPr lang="ko-KR" altLang="en-US" sz="2800" b="1" dirty="0">
+              <a:latin typeface="+mj-ea"/>
+              <a:ea typeface="+mj-ea"/>
+            </a:endParaRPr>
+          </a:p>
+        </p:txBody>
+      </p:sp>
+      <p:sp>
+        <p:nvSpPr>
+          <p:cNvPr id="5" name="Google Shape;260;p33"/>
+          <p:cNvSpPr txBox="1">
+            <a:spLocks/>
+          </p:cNvSpPr>
+          <p:nvPr/>
+        </p:nvSpPr>
+        <p:spPr>
+          <a:xfrm>
+            <a:off x="1129553" y="71713"/>
+            <a:ext cx="7216588" cy="451205"/>
+          </a:xfrm>
+          <a:prstGeom prst="rect">
+            <a:avLst/>
+          </a:prstGeom>
+          <a:noFill/>
+          <a:ln>
+            <a:noFill/>
+          </a:ln>
+        </p:spPr>
+        <p:txBody>
+          <a:bodyPr spcFirstLastPara="1" wrap="square" lIns="91425" tIns="91425" rIns="91425" bIns="91425" anchor="t" anchorCtr="0">
+            <a:noAutofit/>
+          </a:bodyPr>
+          <a:lstStyle>
+            <a:defPPr marR="0" lvl="0" algn="l" rtl="0">
+              <a:lnSpc>
+                <a:spcPct val="100000"/>
+              </a:lnSpc>
+              <a:spcBef>
+                <a:spcPts val="0"/>
+              </a:spcBef>
+              <a:spcAft>
+                <a:spcPts val="0"/>
+              </a:spcAft>
+            </a:defPPr>
+            <a:lvl1pPr marR="0" lvl="0" algn="ctr" rtl="0">
+              <a:lnSpc>
+                <a:spcPct val="100000"/>
+              </a:lnSpc>
+              <a:spcBef>
+                <a:spcPts val="0"/>
+              </a:spcBef>
+              <a:spcAft>
+                <a:spcPts val="0"/>
+              </a:spcAft>
+              <a:buClr>
+                <a:schemeClr val="dk1"/>
+              </a:buClr>
+              <a:buSzPts val="9600"/>
+              <a:buFont typeface="Poppins"/>
+              <a:buNone/>
+              <a:defRPr sz="6000" b="1" i="0" u="none" strike="noStrike" cap="none">
+                <a:solidFill>
+                  <a:schemeClr val="dk2"/>
+                </a:solidFill>
+                <a:latin typeface="Poppins"/>
+                <a:ea typeface="Poppins"/>
+                <a:cs typeface="Poppins"/>
+                <a:sym typeface="Poppins"/>
+              </a:defRPr>
+            </a:lvl1pPr>
+            <a:lvl2pPr marR="0" lvl="1" algn="ctr" rtl="0">
+              <a:lnSpc>
+                <a:spcPct val="100000"/>
+              </a:lnSpc>
+              <a:spcBef>
+                <a:spcPts val="0"/>
+              </a:spcBef>
+              <a:spcAft>
+                <a:spcPts val="0"/>
+              </a:spcAft>
+              <a:buClr>
+                <a:schemeClr val="dk1"/>
+              </a:buClr>
+              <a:buSzPts val="9600"/>
+              <a:buFont typeface="Poppins"/>
+              <a:buNone/>
+              <a:defRPr sz="9600" b="1" i="0" u="none" strike="noStrike" cap="none">
+                <a:solidFill>
+                  <a:schemeClr val="dk1"/>
+                </a:solidFill>
+                <a:latin typeface="Poppins"/>
+                <a:ea typeface="Poppins"/>
+                <a:cs typeface="Poppins"/>
+                <a:sym typeface="Poppins"/>
+              </a:defRPr>
+            </a:lvl2pPr>
+            <a:lvl3pPr marR="0" lvl="2" algn="ctr" rtl="0">
+              <a:lnSpc>
+                <a:spcPct val="100000"/>
+              </a:lnSpc>
+              <a:spcBef>
+                <a:spcPts val="0"/>
+              </a:spcBef>
+              <a:spcAft>
+                <a:spcPts val="0"/>
+              </a:spcAft>
+              <a:buClr>
+                <a:schemeClr val="dk1"/>
+              </a:buClr>
+              <a:buSzPts val="9600"/>
+              <a:buFont typeface="Poppins"/>
+              <a:buNone/>
+              <a:defRPr sz="9600" b="1" i="0" u="none" strike="noStrike" cap="none">
+                <a:solidFill>
+                  <a:schemeClr val="dk1"/>
+                </a:solidFill>
+                <a:latin typeface="Poppins"/>
+                <a:ea typeface="Poppins"/>
+                <a:cs typeface="Poppins"/>
+                <a:sym typeface="Poppins"/>
+              </a:defRPr>
+            </a:lvl3pPr>
+            <a:lvl4pPr marR="0" lvl="3" algn="ctr" rtl="0">
+              <a:lnSpc>
+                <a:spcPct val="100000"/>
+              </a:lnSpc>
+              <a:spcBef>
+                <a:spcPts val="0"/>
+              </a:spcBef>
+              <a:spcAft>
+                <a:spcPts val="0"/>
+              </a:spcAft>
+              <a:buClr>
+                <a:schemeClr val="dk1"/>
+              </a:buClr>
+              <a:buSzPts val="9600"/>
+              <a:buFont typeface="Poppins"/>
+              <a:buNone/>
+              <a:defRPr sz="9600" b="1" i="0" u="none" strike="noStrike" cap="none">
+                <a:solidFill>
+                  <a:schemeClr val="dk1"/>
+                </a:solidFill>
+                <a:latin typeface="Poppins"/>
+                <a:ea typeface="Poppins"/>
+                <a:cs typeface="Poppins"/>
+                <a:sym typeface="Poppins"/>
+              </a:defRPr>
+            </a:lvl4pPr>
+            <a:lvl5pPr marR="0" lvl="4" algn="ctr" rtl="0">
+              <a:lnSpc>
+                <a:spcPct val="100000"/>
+              </a:lnSpc>
+              <a:spcBef>
+                <a:spcPts val="0"/>
+              </a:spcBef>
+              <a:spcAft>
+                <a:spcPts val="0"/>
+              </a:spcAft>
+              <a:buClr>
+                <a:schemeClr val="dk1"/>
+              </a:buClr>
+              <a:buSzPts val="9600"/>
+              <a:buFont typeface="Poppins"/>
+              <a:buNone/>
+              <a:defRPr sz="9600" b="1" i="0" u="none" strike="noStrike" cap="none">
+                <a:solidFill>
+                  <a:schemeClr val="dk1"/>
+                </a:solidFill>
+                <a:latin typeface="Poppins"/>
+                <a:ea typeface="Poppins"/>
+                <a:cs typeface="Poppins"/>
+                <a:sym typeface="Poppins"/>
+              </a:defRPr>
+            </a:lvl5pPr>
+            <a:lvl6pPr marR="0" lvl="5" algn="ctr" rtl="0">
+              <a:lnSpc>
+                <a:spcPct val="100000"/>
+              </a:lnSpc>
+              <a:spcBef>
+                <a:spcPts val="0"/>
+              </a:spcBef>
+              <a:spcAft>
+                <a:spcPts val="0"/>
+              </a:spcAft>
+              <a:buClr>
+                <a:schemeClr val="dk1"/>
+              </a:buClr>
+              <a:buSzPts val="9600"/>
+              <a:buFont typeface="Poppins"/>
+              <a:buNone/>
+              <a:defRPr sz="9600" b="1" i="0" u="none" strike="noStrike" cap="none">
+                <a:solidFill>
+                  <a:schemeClr val="dk1"/>
+                </a:solidFill>
+                <a:latin typeface="Poppins"/>
+                <a:ea typeface="Poppins"/>
+                <a:cs typeface="Poppins"/>
+                <a:sym typeface="Poppins"/>
+              </a:defRPr>
+            </a:lvl6pPr>
+            <a:lvl7pPr marR="0" lvl="6" algn="ctr" rtl="0">
+              <a:lnSpc>
+                <a:spcPct val="100000"/>
+              </a:lnSpc>
+              <a:spcBef>
+                <a:spcPts val="0"/>
+              </a:spcBef>
+              <a:spcAft>
+                <a:spcPts val="0"/>
+              </a:spcAft>
+              <a:buClr>
+                <a:schemeClr val="dk1"/>
+              </a:buClr>
+              <a:buSzPts val="9600"/>
+              <a:buFont typeface="Poppins"/>
+              <a:buNone/>
+              <a:defRPr sz="9600" b="1" i="0" u="none" strike="noStrike" cap="none">
+                <a:solidFill>
+                  <a:schemeClr val="dk1"/>
+                </a:solidFill>
+                <a:latin typeface="Poppins"/>
+                <a:ea typeface="Poppins"/>
+                <a:cs typeface="Poppins"/>
+                <a:sym typeface="Poppins"/>
+              </a:defRPr>
+            </a:lvl7pPr>
+            <a:lvl8pPr marR="0" lvl="7" algn="ctr" rtl="0">
+              <a:lnSpc>
+                <a:spcPct val="100000"/>
+              </a:lnSpc>
+              <a:spcBef>
+                <a:spcPts val="0"/>
+              </a:spcBef>
+              <a:spcAft>
+                <a:spcPts val="0"/>
+              </a:spcAft>
+              <a:buClr>
+                <a:schemeClr val="dk1"/>
+              </a:buClr>
+              <a:buSzPts val="9600"/>
+              <a:buFont typeface="Poppins"/>
+              <a:buNone/>
+              <a:defRPr sz="9600" b="1" i="0" u="none" strike="noStrike" cap="none">
+                <a:solidFill>
+                  <a:schemeClr val="dk1"/>
+                </a:solidFill>
+                <a:latin typeface="Poppins"/>
+                <a:ea typeface="Poppins"/>
+                <a:cs typeface="Poppins"/>
+                <a:sym typeface="Poppins"/>
+              </a:defRPr>
+            </a:lvl8pPr>
+            <a:lvl9pPr marR="0" lvl="8" algn="ctr" rtl="0">
+              <a:lnSpc>
+                <a:spcPct val="100000"/>
+              </a:lnSpc>
+              <a:spcBef>
+                <a:spcPts val="0"/>
+              </a:spcBef>
+              <a:spcAft>
+                <a:spcPts val="0"/>
+              </a:spcAft>
+              <a:buClr>
+                <a:schemeClr val="dk1"/>
+              </a:buClr>
+              <a:buSzPts val="9600"/>
+              <a:buFont typeface="Poppins"/>
+              <a:buNone/>
+              <a:defRPr sz="9600" b="1" i="0" u="none" strike="noStrike" cap="none">
+                <a:solidFill>
+                  <a:schemeClr val="dk1"/>
+                </a:solidFill>
+                <a:latin typeface="Poppins"/>
+                <a:ea typeface="Poppins"/>
+                <a:cs typeface="Poppins"/>
+                <a:sym typeface="Poppins"/>
+              </a:defRPr>
+            </a:lvl9pPr>
+          </a:lstStyle>
+          <a:p>
+            <a:pPr algn="l"/>
+            <a:r>
+              <a:rPr lang="ko-KR" altLang="en-US" sz="2000" dirty="0" smtClean="0">
+                <a:solidFill>
+                  <a:schemeClr val="tx1"/>
+                </a:solidFill>
+                <a:latin typeface="+mj-ea"/>
+                <a:ea typeface="+mj-ea"/>
+              </a:rPr>
+              <a:t>분석 및 </a:t>
+            </a:r>
+            <a:r>
+              <a:rPr lang="ko-KR" altLang="en-US" sz="2000" dirty="0" err="1" smtClean="0">
+                <a:solidFill>
+                  <a:schemeClr val="tx1"/>
+                </a:solidFill>
+                <a:latin typeface="+mj-ea"/>
+                <a:ea typeface="+mj-ea"/>
+              </a:rPr>
+              <a:t>인사이트</a:t>
+            </a:r>
+            <a:r>
+              <a:rPr lang="ko-KR" altLang="en-US" sz="2000" dirty="0" smtClean="0">
+                <a:solidFill>
+                  <a:schemeClr val="tx1"/>
+                </a:solidFill>
+                <a:latin typeface="+mj-ea"/>
+                <a:ea typeface="+mj-ea"/>
+              </a:rPr>
+              <a:t> 도출 </a:t>
+            </a:r>
+            <a:r>
+              <a:rPr lang="en-US" altLang="ko-KR" sz="2000" dirty="0" smtClean="0">
+                <a:solidFill>
+                  <a:schemeClr val="tx1"/>
+                </a:solidFill>
+                <a:latin typeface="+mj-ea"/>
+                <a:ea typeface="+mj-ea"/>
+              </a:rPr>
+              <a:t>– </a:t>
+            </a:r>
+            <a:r>
+              <a:rPr lang="ko-KR" altLang="en-US" sz="2000" dirty="0" smtClean="0">
+                <a:solidFill>
+                  <a:schemeClr val="tx1"/>
+                </a:solidFill>
+                <a:latin typeface="+mj-ea"/>
+                <a:ea typeface="+mj-ea"/>
+              </a:rPr>
+              <a:t>승객과 날씨 데이터 </a:t>
+            </a:r>
+            <a:r>
+              <a:rPr lang="en-US" altLang="ko-KR" sz="1500" dirty="0" smtClean="0">
+                <a:solidFill>
+                  <a:schemeClr val="tx1"/>
+                </a:solidFill>
+                <a:latin typeface="+mj-ea"/>
+                <a:ea typeface="+mj-ea"/>
+              </a:rPr>
+              <a:t>(</a:t>
+            </a:r>
+            <a:r>
+              <a:rPr lang="ko-KR" altLang="en-US" sz="1500" dirty="0" smtClean="0">
+                <a:solidFill>
+                  <a:schemeClr val="tx1"/>
+                </a:solidFill>
+                <a:latin typeface="+mj-ea"/>
+                <a:ea typeface="+mj-ea"/>
+              </a:rPr>
+              <a:t>상관관계</a:t>
+            </a:r>
+            <a:r>
+              <a:rPr lang="en-US" altLang="ko-KR" sz="1500" dirty="0" smtClean="0">
+                <a:solidFill>
+                  <a:schemeClr val="tx1"/>
+                </a:solidFill>
+                <a:latin typeface="+mj-ea"/>
+                <a:ea typeface="+mj-ea"/>
+              </a:rPr>
+              <a:t>)</a:t>
+            </a:r>
+            <a:endParaRPr lang="en-US" sz="1500" dirty="0">
+              <a:solidFill>
+                <a:schemeClr val="tx1"/>
+              </a:solidFill>
+              <a:latin typeface="+mj-ea"/>
+              <a:ea typeface="+mj-ea"/>
+            </a:endParaRPr>
+          </a:p>
+        </p:txBody>
+      </p:sp>
+      <p:pic>
+        <p:nvPicPr>
+          <p:cNvPr id="2" name="그림 1"/>
+          <p:cNvPicPr>
+            <a:picLocks noChangeAspect="1"/>
+          </p:cNvPicPr>
+          <p:nvPr/>
+        </p:nvPicPr>
+        <p:blipFill>
+          <a:blip r:embed="rId3"/>
+          <a:stretch>
+            <a:fillRect/>
+          </a:stretch>
+        </p:blipFill>
+        <p:spPr>
+          <a:xfrm>
+            <a:off x="519952" y="1331065"/>
+            <a:ext cx="3960000" cy="2822069"/>
+          </a:xfrm>
+          <a:prstGeom prst="rect">
+            <a:avLst/>
+          </a:prstGeom>
+        </p:spPr>
+      </p:pic>
+      <p:sp>
+        <p:nvSpPr>
+          <p:cNvPr id="11" name="TextBox 10"/>
+          <p:cNvSpPr txBox="1"/>
+          <p:nvPr/>
+        </p:nvSpPr>
+        <p:spPr>
+          <a:xfrm>
+            <a:off x="4713201" y="630795"/>
+            <a:ext cx="3743333" cy="646331"/>
+          </a:xfrm>
+          <a:prstGeom prst="rect">
+            <a:avLst/>
+          </a:prstGeom>
+          <a:noFill/>
+        </p:spPr>
+        <p:txBody>
+          <a:bodyPr wrap="none" rtlCol="0">
+            <a:spAutoFit/>
+          </a:bodyPr>
+          <a:lstStyle/>
+          <a:p>
+            <a:pPr algn="r"/>
+            <a:r>
+              <a:rPr lang="ko-KR" altLang="en-US" sz="1800" b="1" dirty="0" smtClean="0">
+                <a:latin typeface="+mn-ea"/>
+              </a:rPr>
+              <a:t>지하철 전체 승객 수와 미세먼지의</a:t>
+            </a:r>
+            <a:endParaRPr lang="en-US" altLang="ko-KR" sz="1800" b="1" dirty="0" smtClean="0">
+              <a:latin typeface="+mn-ea"/>
+            </a:endParaRPr>
+          </a:p>
+          <a:p>
+            <a:pPr algn="r"/>
+            <a:r>
+              <a:rPr lang="ko-KR" altLang="en-US" sz="1800" b="1" dirty="0" smtClean="0">
+                <a:latin typeface="+mn-ea"/>
+              </a:rPr>
+              <a:t>상관관계</a:t>
+            </a:r>
+            <a:endParaRPr lang="ko-KR" altLang="en-US" sz="1800" b="1" dirty="0">
+              <a:latin typeface="+mn-ea"/>
+            </a:endParaRPr>
+          </a:p>
+        </p:txBody>
+      </p:sp>
+      <p:sp>
+        <p:nvSpPr>
+          <p:cNvPr id="12" name="TextBox 11"/>
+          <p:cNvSpPr txBox="1"/>
+          <p:nvPr/>
+        </p:nvSpPr>
+        <p:spPr>
+          <a:xfrm>
+            <a:off x="519952" y="630795"/>
+            <a:ext cx="3594254" cy="646331"/>
+          </a:xfrm>
+          <a:prstGeom prst="rect">
+            <a:avLst/>
+          </a:prstGeom>
+          <a:noFill/>
+        </p:spPr>
+        <p:txBody>
+          <a:bodyPr wrap="none" rtlCol="0">
+            <a:spAutoFit/>
+          </a:bodyPr>
+          <a:lstStyle/>
+          <a:p>
+            <a:r>
+              <a:rPr lang="ko-KR" altLang="en-US" sz="1800" b="1" dirty="0" smtClean="0">
+                <a:latin typeface="+mn-ea"/>
+              </a:rPr>
+              <a:t>버스 전체 승객 수와 미세먼지의 </a:t>
+            </a:r>
+            <a:endParaRPr lang="en-US" altLang="ko-KR" sz="1800" b="1" dirty="0" smtClean="0">
+              <a:latin typeface="+mn-ea"/>
+            </a:endParaRPr>
+          </a:p>
+          <a:p>
+            <a:r>
+              <a:rPr lang="ko-KR" altLang="en-US" sz="1800" b="1" dirty="0" smtClean="0">
+                <a:latin typeface="+mn-ea"/>
+              </a:rPr>
+              <a:t>상관관계</a:t>
+            </a:r>
+            <a:endParaRPr lang="ko-KR" altLang="en-US" sz="1800" b="1" dirty="0">
+              <a:latin typeface="+mn-ea"/>
+            </a:endParaRPr>
+          </a:p>
+        </p:txBody>
+      </p:sp>
+      <p:pic>
+        <p:nvPicPr>
+          <p:cNvPr id="6" name="그림 5"/>
+          <p:cNvPicPr>
+            <a:picLocks noChangeAspect="1"/>
+          </p:cNvPicPr>
+          <p:nvPr/>
+        </p:nvPicPr>
+        <p:blipFill>
+          <a:blip r:embed="rId4"/>
+          <a:stretch>
+            <a:fillRect/>
+          </a:stretch>
+        </p:blipFill>
+        <p:spPr>
+          <a:xfrm>
+            <a:off x="4496534" y="1331065"/>
+            <a:ext cx="3960000" cy="2774237"/>
+          </a:xfrm>
+          <a:prstGeom prst="rect">
+            <a:avLst/>
+          </a:prstGeom>
+        </p:spPr>
+      </p:pic>
+    </p:spTree>
+    <p:extLst>
+      <p:ext uri="{BB962C8B-B14F-4D97-AF65-F5344CB8AC3E}">
+        <p14:creationId xmlns:p14="http://schemas.microsoft.com/office/powerpoint/2010/main" val="123301213"/>
+      </p:ext>
+    </p:extLst>
+  </p:cSld>
+  <p:clrMapOvr>
+    <a:masterClrMapping/>
+  </p:clrMapOvr>
+  <p:timing>
+    <p:tnLst>
+      <p:par>
+        <p:cTn id="1" dur="indefinite" restart="never" nodeType="tmRoot"/>
+      </p:par>
+    </p:tnLst>
+  </p:timing>
+</p:sld>
+</file>
+
+<file path=ppt/slides/slide12.xml><?xml version="1.0" encoding="utf-8"?>
+<p:sld xmlns:a="http://schemas.openxmlformats.org/drawingml/2006/main" xmlns:r="http://schemas.openxmlformats.org/officeDocument/2006/relationships" xmlns:p="http://schemas.openxmlformats.org/presentationml/2006/main">
+  <p:cSld>
+    <p:spTree>
+      <p:nvGrpSpPr>
+        <p:cNvPr id="1" name="Shape 349"/>
+        <p:cNvGrpSpPr/>
+        <p:nvPr/>
+      </p:nvGrpSpPr>
+      <p:grpSpPr>
+        <a:xfrm>
+          <a:off x="0" y="0"/>
+          <a:ext cx="0" cy="0"/>
+          <a:chOff x="0" y="0"/>
+          <a:chExt cx="0" cy="0"/>
+        </a:xfrm>
+      </p:grpSpPr>
+      <p:cxnSp>
+        <p:nvCxnSpPr>
+          <p:cNvPr id="36" name="Google Shape;264;p33"/>
+          <p:cNvCxnSpPr/>
+          <p:nvPr/>
+        </p:nvCxnSpPr>
+        <p:spPr>
+          <a:xfrm flipH="1">
+            <a:off x="416779" y="576856"/>
+            <a:ext cx="8159510" cy="0"/>
+          </a:xfrm>
+          <a:prstGeom prst="straightConnector1">
+            <a:avLst/>
+          </a:prstGeom>
+          <a:noFill/>
+          <a:ln w="9525" cap="flat" cmpd="sng">
+            <a:solidFill>
+              <a:schemeClr val="dk1"/>
+            </a:solidFill>
+            <a:prstDash val="solid"/>
+            <a:round/>
+            <a:headEnd type="none" w="med" len="med"/>
+            <a:tailEnd type="none" w="med" len="med"/>
+          </a:ln>
+        </p:spPr>
+      </p:cxnSp>
+      <p:sp>
+        <p:nvSpPr>
+          <p:cNvPr id="4" name="TextBox 3"/>
+          <p:cNvSpPr txBox="1"/>
+          <p:nvPr/>
+        </p:nvSpPr>
+        <p:spPr>
+          <a:xfrm>
+            <a:off x="519952" y="35707"/>
+            <a:ext cx="726142" cy="523220"/>
+          </a:xfrm>
+          <a:prstGeom prst="rect">
+            <a:avLst/>
+          </a:prstGeom>
+          <a:noFill/>
+        </p:spPr>
+        <p:txBody>
+          <a:bodyPr wrap="square" rtlCol="0">
+            <a:spAutoFit/>
+          </a:bodyPr>
+          <a:lstStyle/>
+          <a:p>
+            <a:r>
+              <a:rPr lang="en-US" altLang="ko-KR" sz="2800" b="1" dirty="0" smtClean="0">
+                <a:latin typeface="+mj-ea"/>
+                <a:ea typeface="+mj-ea"/>
+              </a:rPr>
+              <a:t>03</a:t>
+            </a:r>
+            <a:endParaRPr lang="ko-KR" altLang="en-US" sz="2800" b="1" dirty="0">
+              <a:latin typeface="+mj-ea"/>
+              <a:ea typeface="+mj-ea"/>
+            </a:endParaRPr>
+          </a:p>
+        </p:txBody>
+      </p:sp>
+      <p:sp>
+        <p:nvSpPr>
+          <p:cNvPr id="5" name="Google Shape;260;p33"/>
+          <p:cNvSpPr txBox="1">
+            <a:spLocks/>
+          </p:cNvSpPr>
+          <p:nvPr/>
+        </p:nvSpPr>
+        <p:spPr>
+          <a:xfrm>
+            <a:off x="1129553" y="71713"/>
+            <a:ext cx="7216588" cy="451205"/>
+          </a:xfrm>
+          <a:prstGeom prst="rect">
+            <a:avLst/>
+          </a:prstGeom>
+          <a:noFill/>
+          <a:ln>
+            <a:noFill/>
+          </a:ln>
+        </p:spPr>
+        <p:txBody>
+          <a:bodyPr spcFirstLastPara="1" wrap="square" lIns="91425" tIns="91425" rIns="91425" bIns="91425" anchor="t" anchorCtr="0">
+            <a:noAutofit/>
+          </a:bodyPr>
+          <a:lstStyle>
+            <a:defPPr marR="0" lvl="0" algn="l" rtl="0">
+              <a:lnSpc>
+                <a:spcPct val="100000"/>
+              </a:lnSpc>
+              <a:spcBef>
+                <a:spcPts val="0"/>
+              </a:spcBef>
+              <a:spcAft>
+                <a:spcPts val="0"/>
+              </a:spcAft>
+            </a:defPPr>
+            <a:lvl1pPr marR="0" lvl="0" algn="ctr" rtl="0">
+              <a:lnSpc>
+                <a:spcPct val="100000"/>
+              </a:lnSpc>
+              <a:spcBef>
+                <a:spcPts val="0"/>
+              </a:spcBef>
+              <a:spcAft>
+                <a:spcPts val="0"/>
+              </a:spcAft>
+              <a:buClr>
+                <a:schemeClr val="dk1"/>
+              </a:buClr>
+              <a:buSzPts val="9600"/>
+              <a:buFont typeface="Poppins"/>
+              <a:buNone/>
+              <a:defRPr sz="6000" b="1" i="0" u="none" strike="noStrike" cap="none">
+                <a:solidFill>
+                  <a:schemeClr val="dk2"/>
+                </a:solidFill>
+                <a:latin typeface="Poppins"/>
+                <a:ea typeface="Poppins"/>
+                <a:cs typeface="Poppins"/>
+                <a:sym typeface="Poppins"/>
+              </a:defRPr>
+            </a:lvl1pPr>
+            <a:lvl2pPr marR="0" lvl="1" algn="ctr" rtl="0">
+              <a:lnSpc>
+                <a:spcPct val="100000"/>
+              </a:lnSpc>
+              <a:spcBef>
+                <a:spcPts val="0"/>
+              </a:spcBef>
+              <a:spcAft>
+                <a:spcPts val="0"/>
+              </a:spcAft>
+              <a:buClr>
+                <a:schemeClr val="dk1"/>
+              </a:buClr>
+              <a:buSzPts val="9600"/>
+              <a:buFont typeface="Poppins"/>
+              <a:buNone/>
+              <a:defRPr sz="9600" b="1" i="0" u="none" strike="noStrike" cap="none">
+                <a:solidFill>
+                  <a:schemeClr val="dk1"/>
+                </a:solidFill>
+                <a:latin typeface="Poppins"/>
+                <a:ea typeface="Poppins"/>
+                <a:cs typeface="Poppins"/>
+                <a:sym typeface="Poppins"/>
+              </a:defRPr>
+            </a:lvl2pPr>
+            <a:lvl3pPr marR="0" lvl="2" algn="ctr" rtl="0">
+              <a:lnSpc>
+                <a:spcPct val="100000"/>
+              </a:lnSpc>
+              <a:spcBef>
+                <a:spcPts val="0"/>
+              </a:spcBef>
+              <a:spcAft>
+                <a:spcPts val="0"/>
+              </a:spcAft>
+              <a:buClr>
+                <a:schemeClr val="dk1"/>
+              </a:buClr>
+              <a:buSzPts val="9600"/>
+              <a:buFont typeface="Poppins"/>
+              <a:buNone/>
+              <a:defRPr sz="9600" b="1" i="0" u="none" strike="noStrike" cap="none">
+                <a:solidFill>
+                  <a:schemeClr val="dk1"/>
+                </a:solidFill>
+                <a:latin typeface="Poppins"/>
+                <a:ea typeface="Poppins"/>
+                <a:cs typeface="Poppins"/>
+                <a:sym typeface="Poppins"/>
+              </a:defRPr>
+            </a:lvl3pPr>
+            <a:lvl4pPr marR="0" lvl="3" algn="ctr" rtl="0">
+              <a:lnSpc>
+                <a:spcPct val="100000"/>
+              </a:lnSpc>
+              <a:spcBef>
+                <a:spcPts val="0"/>
+              </a:spcBef>
+              <a:spcAft>
+                <a:spcPts val="0"/>
+              </a:spcAft>
+              <a:buClr>
+                <a:schemeClr val="dk1"/>
+              </a:buClr>
+              <a:buSzPts val="9600"/>
+              <a:buFont typeface="Poppins"/>
+              <a:buNone/>
+              <a:defRPr sz="9600" b="1" i="0" u="none" strike="noStrike" cap="none">
+                <a:solidFill>
+                  <a:schemeClr val="dk1"/>
+                </a:solidFill>
+                <a:latin typeface="Poppins"/>
+                <a:ea typeface="Poppins"/>
+                <a:cs typeface="Poppins"/>
+                <a:sym typeface="Poppins"/>
+              </a:defRPr>
+            </a:lvl4pPr>
+            <a:lvl5pPr marR="0" lvl="4" algn="ctr" rtl="0">
+              <a:lnSpc>
+                <a:spcPct val="100000"/>
+              </a:lnSpc>
+              <a:spcBef>
+                <a:spcPts val="0"/>
+              </a:spcBef>
+              <a:spcAft>
+                <a:spcPts val="0"/>
+              </a:spcAft>
+              <a:buClr>
+                <a:schemeClr val="dk1"/>
+              </a:buClr>
+              <a:buSzPts val="9600"/>
+              <a:buFont typeface="Poppins"/>
+              <a:buNone/>
+              <a:defRPr sz="9600" b="1" i="0" u="none" strike="noStrike" cap="none">
+                <a:solidFill>
+                  <a:schemeClr val="dk1"/>
+                </a:solidFill>
+                <a:latin typeface="Poppins"/>
+                <a:ea typeface="Poppins"/>
+                <a:cs typeface="Poppins"/>
+                <a:sym typeface="Poppins"/>
+              </a:defRPr>
+            </a:lvl5pPr>
+            <a:lvl6pPr marR="0" lvl="5" algn="ctr" rtl="0">
+              <a:lnSpc>
+                <a:spcPct val="100000"/>
+              </a:lnSpc>
+              <a:spcBef>
+                <a:spcPts val="0"/>
+              </a:spcBef>
+              <a:spcAft>
+                <a:spcPts val="0"/>
+              </a:spcAft>
+              <a:buClr>
+                <a:schemeClr val="dk1"/>
+              </a:buClr>
+              <a:buSzPts val="9600"/>
+              <a:buFont typeface="Poppins"/>
+              <a:buNone/>
+              <a:defRPr sz="9600" b="1" i="0" u="none" strike="noStrike" cap="none">
+                <a:solidFill>
+                  <a:schemeClr val="dk1"/>
+                </a:solidFill>
+                <a:latin typeface="Poppins"/>
+                <a:ea typeface="Poppins"/>
+                <a:cs typeface="Poppins"/>
+                <a:sym typeface="Poppins"/>
+              </a:defRPr>
+            </a:lvl6pPr>
+            <a:lvl7pPr marR="0" lvl="6" algn="ctr" rtl="0">
+              <a:lnSpc>
+                <a:spcPct val="100000"/>
+              </a:lnSpc>
+              <a:spcBef>
+                <a:spcPts val="0"/>
+              </a:spcBef>
+              <a:spcAft>
+                <a:spcPts val="0"/>
+              </a:spcAft>
+              <a:buClr>
+                <a:schemeClr val="dk1"/>
+              </a:buClr>
+              <a:buSzPts val="9600"/>
+              <a:buFont typeface="Poppins"/>
+              <a:buNone/>
+              <a:defRPr sz="9600" b="1" i="0" u="none" strike="noStrike" cap="none">
+                <a:solidFill>
+                  <a:schemeClr val="dk1"/>
+                </a:solidFill>
+                <a:latin typeface="Poppins"/>
+                <a:ea typeface="Poppins"/>
+                <a:cs typeface="Poppins"/>
+                <a:sym typeface="Poppins"/>
+              </a:defRPr>
+            </a:lvl7pPr>
+            <a:lvl8pPr marR="0" lvl="7" algn="ctr" rtl="0">
+              <a:lnSpc>
+                <a:spcPct val="100000"/>
+              </a:lnSpc>
+              <a:spcBef>
+                <a:spcPts val="0"/>
+              </a:spcBef>
+              <a:spcAft>
+                <a:spcPts val="0"/>
+              </a:spcAft>
+              <a:buClr>
+                <a:schemeClr val="dk1"/>
+              </a:buClr>
+              <a:buSzPts val="9600"/>
+              <a:buFont typeface="Poppins"/>
+              <a:buNone/>
+              <a:defRPr sz="9600" b="1" i="0" u="none" strike="noStrike" cap="none">
+                <a:solidFill>
+                  <a:schemeClr val="dk1"/>
+                </a:solidFill>
+                <a:latin typeface="Poppins"/>
+                <a:ea typeface="Poppins"/>
+                <a:cs typeface="Poppins"/>
+                <a:sym typeface="Poppins"/>
+              </a:defRPr>
+            </a:lvl8pPr>
+            <a:lvl9pPr marR="0" lvl="8" algn="ctr" rtl="0">
+              <a:lnSpc>
+                <a:spcPct val="100000"/>
+              </a:lnSpc>
+              <a:spcBef>
+                <a:spcPts val="0"/>
+              </a:spcBef>
+              <a:spcAft>
+                <a:spcPts val="0"/>
+              </a:spcAft>
+              <a:buClr>
+                <a:schemeClr val="dk1"/>
+              </a:buClr>
+              <a:buSzPts val="9600"/>
+              <a:buFont typeface="Poppins"/>
+              <a:buNone/>
+              <a:defRPr sz="9600" b="1" i="0" u="none" strike="noStrike" cap="none">
+                <a:solidFill>
+                  <a:schemeClr val="dk1"/>
+                </a:solidFill>
+                <a:latin typeface="Poppins"/>
+                <a:ea typeface="Poppins"/>
+                <a:cs typeface="Poppins"/>
+                <a:sym typeface="Poppins"/>
+              </a:defRPr>
+            </a:lvl9pPr>
+          </a:lstStyle>
+          <a:p>
+            <a:pPr algn="l"/>
+            <a:r>
+              <a:rPr lang="ko-KR" altLang="en-US" sz="2000" dirty="0" smtClean="0">
+                <a:solidFill>
+                  <a:schemeClr val="tx1"/>
+                </a:solidFill>
+                <a:latin typeface="+mj-ea"/>
+                <a:ea typeface="+mj-ea"/>
+              </a:rPr>
+              <a:t>분석 및 </a:t>
+            </a:r>
+            <a:r>
+              <a:rPr lang="ko-KR" altLang="en-US" sz="2000" dirty="0" err="1" smtClean="0">
+                <a:solidFill>
+                  <a:schemeClr val="tx1"/>
+                </a:solidFill>
+                <a:latin typeface="+mj-ea"/>
+                <a:ea typeface="+mj-ea"/>
+              </a:rPr>
+              <a:t>인사이트</a:t>
+            </a:r>
+            <a:r>
+              <a:rPr lang="ko-KR" altLang="en-US" sz="2000" dirty="0" smtClean="0">
+                <a:solidFill>
+                  <a:schemeClr val="tx1"/>
+                </a:solidFill>
+                <a:latin typeface="+mj-ea"/>
+                <a:ea typeface="+mj-ea"/>
+              </a:rPr>
+              <a:t> 도출 </a:t>
+            </a:r>
+            <a:r>
+              <a:rPr lang="en-US" altLang="ko-KR" sz="2000" dirty="0" smtClean="0">
+                <a:solidFill>
+                  <a:schemeClr val="tx1"/>
+                </a:solidFill>
+                <a:latin typeface="+mj-ea"/>
+                <a:ea typeface="+mj-ea"/>
+              </a:rPr>
+              <a:t>– </a:t>
+            </a:r>
+            <a:r>
+              <a:rPr lang="ko-KR" altLang="en-US" sz="2000" dirty="0" smtClean="0">
+                <a:solidFill>
+                  <a:schemeClr val="tx1"/>
+                </a:solidFill>
+                <a:latin typeface="+mj-ea"/>
+                <a:ea typeface="+mj-ea"/>
+              </a:rPr>
+              <a:t>승객과 날씨 데이터 </a:t>
+            </a:r>
+            <a:r>
+              <a:rPr lang="en-US" altLang="ko-KR" sz="1500" dirty="0" smtClean="0">
+                <a:solidFill>
+                  <a:schemeClr val="tx1"/>
+                </a:solidFill>
+                <a:latin typeface="+mj-ea"/>
+                <a:ea typeface="+mj-ea"/>
+              </a:rPr>
+              <a:t>(</a:t>
+            </a:r>
+            <a:r>
+              <a:rPr lang="ko-KR" altLang="en-US" sz="1500" dirty="0" smtClean="0">
+                <a:solidFill>
+                  <a:schemeClr val="tx1"/>
+                </a:solidFill>
+                <a:latin typeface="+mj-ea"/>
+                <a:ea typeface="+mj-ea"/>
+              </a:rPr>
+              <a:t>상관관계</a:t>
+            </a:r>
+            <a:r>
+              <a:rPr lang="en-US" altLang="ko-KR" sz="1500" dirty="0" smtClean="0">
+                <a:solidFill>
+                  <a:schemeClr val="tx1"/>
+                </a:solidFill>
+                <a:latin typeface="+mj-ea"/>
+                <a:ea typeface="+mj-ea"/>
+              </a:rPr>
+              <a:t>)</a:t>
+            </a:r>
+            <a:endParaRPr lang="en-US" sz="1500" dirty="0">
+              <a:solidFill>
+                <a:schemeClr val="tx1"/>
+              </a:solidFill>
+              <a:latin typeface="+mj-ea"/>
+              <a:ea typeface="+mj-ea"/>
+            </a:endParaRPr>
+          </a:p>
+        </p:txBody>
+      </p:sp>
+      <p:sp>
+        <p:nvSpPr>
+          <p:cNvPr id="11" name="TextBox 10"/>
+          <p:cNvSpPr txBox="1"/>
+          <p:nvPr/>
+        </p:nvSpPr>
+        <p:spPr>
+          <a:xfrm>
+            <a:off x="4944033" y="630795"/>
+            <a:ext cx="3512501" cy="646331"/>
+          </a:xfrm>
+          <a:prstGeom prst="rect">
+            <a:avLst/>
+          </a:prstGeom>
+          <a:noFill/>
+        </p:spPr>
+        <p:txBody>
+          <a:bodyPr wrap="none" rtlCol="0">
+            <a:spAutoFit/>
+          </a:bodyPr>
+          <a:lstStyle/>
+          <a:p>
+            <a:pPr algn="r"/>
+            <a:r>
+              <a:rPr lang="ko-KR" altLang="en-US" sz="1800" b="1" dirty="0" smtClean="0">
+                <a:latin typeface="+mn-ea"/>
+              </a:rPr>
+              <a:t>지하철 전체 승객 수와 강수량의</a:t>
+            </a:r>
+            <a:endParaRPr lang="en-US" altLang="ko-KR" sz="1800" b="1" dirty="0" smtClean="0">
+              <a:latin typeface="+mn-ea"/>
+            </a:endParaRPr>
+          </a:p>
+          <a:p>
+            <a:pPr algn="r"/>
+            <a:r>
+              <a:rPr lang="ko-KR" altLang="en-US" sz="1800" b="1" dirty="0" smtClean="0">
+                <a:latin typeface="+mn-ea"/>
+              </a:rPr>
+              <a:t>상관관계</a:t>
+            </a:r>
+            <a:endParaRPr lang="ko-KR" altLang="en-US" sz="1800" b="1" dirty="0">
+              <a:latin typeface="+mn-ea"/>
+            </a:endParaRPr>
+          </a:p>
+        </p:txBody>
+      </p:sp>
+      <p:sp>
+        <p:nvSpPr>
+          <p:cNvPr id="12" name="TextBox 11"/>
+          <p:cNvSpPr txBox="1"/>
+          <p:nvPr/>
+        </p:nvSpPr>
+        <p:spPr>
+          <a:xfrm>
+            <a:off x="519952" y="630795"/>
+            <a:ext cx="3363421" cy="646331"/>
+          </a:xfrm>
+          <a:prstGeom prst="rect">
+            <a:avLst/>
+          </a:prstGeom>
+          <a:noFill/>
+        </p:spPr>
+        <p:txBody>
+          <a:bodyPr wrap="none" rtlCol="0">
+            <a:spAutoFit/>
+          </a:bodyPr>
+          <a:lstStyle/>
+          <a:p>
+            <a:r>
+              <a:rPr lang="ko-KR" altLang="en-US" sz="1800" b="1" dirty="0" smtClean="0">
+                <a:latin typeface="+mn-ea"/>
+              </a:rPr>
+              <a:t>버스 전체 승객 수와 강수량의 </a:t>
+            </a:r>
+            <a:endParaRPr lang="en-US" altLang="ko-KR" sz="1800" b="1" dirty="0" smtClean="0">
+              <a:latin typeface="+mn-ea"/>
+            </a:endParaRPr>
+          </a:p>
+          <a:p>
+            <a:r>
+              <a:rPr lang="ko-KR" altLang="en-US" sz="1800" b="1" dirty="0" smtClean="0">
+                <a:latin typeface="+mn-ea"/>
+              </a:rPr>
+              <a:t>상관관계</a:t>
+            </a:r>
+            <a:endParaRPr lang="ko-KR" altLang="en-US" sz="1800" b="1" dirty="0">
+              <a:latin typeface="+mn-ea"/>
+            </a:endParaRPr>
+          </a:p>
+        </p:txBody>
+      </p:sp>
+      <p:pic>
+        <p:nvPicPr>
+          <p:cNvPr id="3" name="그림 2"/>
+          <p:cNvPicPr>
+            <a:picLocks noChangeAspect="1"/>
+          </p:cNvPicPr>
+          <p:nvPr/>
+        </p:nvPicPr>
+        <p:blipFill>
+          <a:blip r:embed="rId3"/>
+          <a:stretch>
+            <a:fillRect/>
+          </a:stretch>
+        </p:blipFill>
+        <p:spPr>
+          <a:xfrm>
+            <a:off x="519952" y="1331065"/>
+            <a:ext cx="3960000" cy="2707941"/>
+          </a:xfrm>
+          <a:prstGeom prst="rect">
+            <a:avLst/>
+          </a:prstGeom>
+        </p:spPr>
+      </p:pic>
+      <p:pic>
+        <p:nvPicPr>
+          <p:cNvPr id="7" name="그림 6"/>
+          <p:cNvPicPr>
+            <a:picLocks noChangeAspect="1"/>
+          </p:cNvPicPr>
+          <p:nvPr/>
+        </p:nvPicPr>
+        <p:blipFill>
+          <a:blip r:embed="rId4"/>
+          <a:stretch>
+            <a:fillRect/>
+          </a:stretch>
+        </p:blipFill>
+        <p:spPr>
+          <a:xfrm>
+            <a:off x="4496534" y="1331065"/>
+            <a:ext cx="3960000" cy="2659061"/>
+          </a:xfrm>
+          <a:prstGeom prst="rect">
+            <a:avLst/>
+          </a:prstGeom>
+        </p:spPr>
+      </p:pic>
+    </p:spTree>
+    <p:extLst>
+      <p:ext uri="{BB962C8B-B14F-4D97-AF65-F5344CB8AC3E}">
+        <p14:creationId xmlns:p14="http://schemas.microsoft.com/office/powerpoint/2010/main" val="3716768937"/>
+      </p:ext>
+    </p:extLst>
+  </p:cSld>
+  <p:clrMapOvr>
+    <a:masterClrMapping/>
+  </p:clrMapOvr>
+  <p:timing>
+    <p:tnLst>
+      <p:par>
+        <p:cTn id="1" dur="indefinite" restart="never" nodeType="tmRoot"/>
+      </p:par>
+    </p:tnLst>
+  </p:timing>
+</p:sld>
+</file>
+
+<file path=ppt/slides/slide13.xml><?xml version="1.0" encoding="utf-8"?>
+<p:sld xmlns:a="http://schemas.openxmlformats.org/drawingml/2006/main" xmlns:r="http://schemas.openxmlformats.org/officeDocument/2006/relationships" xmlns:p="http://schemas.openxmlformats.org/presentationml/2006/main">
+  <p:cSld>
+    <p:spTree>
+      <p:nvGrpSpPr>
+        <p:cNvPr id="1" name="Shape 349"/>
+        <p:cNvGrpSpPr/>
+        <p:nvPr/>
+      </p:nvGrpSpPr>
+      <p:grpSpPr>
+        <a:xfrm>
+          <a:off x="0" y="0"/>
+          <a:ext cx="0" cy="0"/>
+          <a:chOff x="0" y="0"/>
+          <a:chExt cx="0" cy="0"/>
+        </a:xfrm>
+      </p:grpSpPr>
+      <p:cxnSp>
+        <p:nvCxnSpPr>
+          <p:cNvPr id="36" name="Google Shape;264;p33"/>
+          <p:cNvCxnSpPr/>
+          <p:nvPr/>
+        </p:nvCxnSpPr>
+        <p:spPr>
+          <a:xfrm flipH="1">
+            <a:off x="416779" y="576856"/>
+            <a:ext cx="8159510" cy="0"/>
+          </a:xfrm>
+          <a:prstGeom prst="straightConnector1">
+            <a:avLst/>
+          </a:prstGeom>
+          <a:noFill/>
+          <a:ln w="9525" cap="flat" cmpd="sng">
+            <a:solidFill>
+              <a:schemeClr val="dk1"/>
+            </a:solidFill>
+            <a:prstDash val="solid"/>
+            <a:round/>
+            <a:headEnd type="none" w="med" len="med"/>
+            <a:tailEnd type="none" w="med" len="med"/>
+          </a:ln>
+        </p:spPr>
+      </p:cxnSp>
+      <p:sp>
+        <p:nvSpPr>
+          <p:cNvPr id="4" name="TextBox 3"/>
+          <p:cNvSpPr txBox="1"/>
+          <p:nvPr/>
+        </p:nvSpPr>
+        <p:spPr>
+          <a:xfrm>
+            <a:off x="519952" y="35707"/>
+            <a:ext cx="726142" cy="523220"/>
+          </a:xfrm>
+          <a:prstGeom prst="rect">
+            <a:avLst/>
+          </a:prstGeom>
+          <a:noFill/>
+        </p:spPr>
+        <p:txBody>
+          <a:bodyPr wrap="square" rtlCol="0">
+            <a:spAutoFit/>
+          </a:bodyPr>
+          <a:lstStyle/>
+          <a:p>
+            <a:r>
+              <a:rPr lang="en-US" altLang="ko-KR" sz="2800" b="1" dirty="0" smtClean="0">
+                <a:latin typeface="+mj-ea"/>
+                <a:ea typeface="+mj-ea"/>
+              </a:rPr>
+              <a:t>03</a:t>
+            </a:r>
+            <a:endParaRPr lang="ko-KR" altLang="en-US" sz="2800" b="1" dirty="0">
+              <a:latin typeface="+mj-ea"/>
+              <a:ea typeface="+mj-ea"/>
+            </a:endParaRPr>
+          </a:p>
+        </p:txBody>
+      </p:sp>
+      <p:sp>
+        <p:nvSpPr>
+          <p:cNvPr id="5" name="Google Shape;260;p33"/>
+          <p:cNvSpPr txBox="1">
+            <a:spLocks/>
+          </p:cNvSpPr>
+          <p:nvPr/>
+        </p:nvSpPr>
+        <p:spPr>
+          <a:xfrm>
+            <a:off x="1129553" y="71713"/>
+            <a:ext cx="7216588" cy="451205"/>
+          </a:xfrm>
+          <a:prstGeom prst="rect">
+            <a:avLst/>
+          </a:prstGeom>
+          <a:noFill/>
+          <a:ln>
+            <a:noFill/>
+          </a:ln>
+        </p:spPr>
+        <p:txBody>
+          <a:bodyPr spcFirstLastPara="1" wrap="square" lIns="91425" tIns="91425" rIns="91425" bIns="91425" anchor="t" anchorCtr="0">
+            <a:noAutofit/>
+          </a:bodyPr>
+          <a:lstStyle>
+            <a:defPPr marR="0" lvl="0" algn="l" rtl="0">
+              <a:lnSpc>
+                <a:spcPct val="100000"/>
+              </a:lnSpc>
+              <a:spcBef>
+                <a:spcPts val="0"/>
+              </a:spcBef>
+              <a:spcAft>
+                <a:spcPts val="0"/>
+              </a:spcAft>
+            </a:defPPr>
+            <a:lvl1pPr marR="0" lvl="0" algn="ctr" rtl="0">
+              <a:lnSpc>
+                <a:spcPct val="100000"/>
+              </a:lnSpc>
+              <a:spcBef>
+                <a:spcPts val="0"/>
+              </a:spcBef>
+              <a:spcAft>
+                <a:spcPts val="0"/>
+              </a:spcAft>
+              <a:buClr>
+                <a:schemeClr val="dk1"/>
+              </a:buClr>
+              <a:buSzPts val="9600"/>
+              <a:buFont typeface="Poppins"/>
+              <a:buNone/>
+              <a:defRPr sz="6000" b="1" i="0" u="none" strike="noStrike" cap="none">
+                <a:solidFill>
+                  <a:schemeClr val="dk2"/>
+                </a:solidFill>
+                <a:latin typeface="Poppins"/>
+                <a:ea typeface="Poppins"/>
+                <a:cs typeface="Poppins"/>
+                <a:sym typeface="Poppins"/>
+              </a:defRPr>
+            </a:lvl1pPr>
+            <a:lvl2pPr marR="0" lvl="1" algn="ctr" rtl="0">
+              <a:lnSpc>
+                <a:spcPct val="100000"/>
+              </a:lnSpc>
+              <a:spcBef>
+                <a:spcPts val="0"/>
+              </a:spcBef>
+              <a:spcAft>
+                <a:spcPts val="0"/>
+              </a:spcAft>
+              <a:buClr>
+                <a:schemeClr val="dk1"/>
+              </a:buClr>
+              <a:buSzPts val="9600"/>
+              <a:buFont typeface="Poppins"/>
+              <a:buNone/>
+              <a:defRPr sz="9600" b="1" i="0" u="none" strike="noStrike" cap="none">
+                <a:solidFill>
+                  <a:schemeClr val="dk1"/>
+                </a:solidFill>
+                <a:latin typeface="Poppins"/>
+                <a:ea typeface="Poppins"/>
+                <a:cs typeface="Poppins"/>
+                <a:sym typeface="Poppins"/>
+              </a:defRPr>
+            </a:lvl2pPr>
+            <a:lvl3pPr marR="0" lvl="2" algn="ctr" rtl="0">
+              <a:lnSpc>
+                <a:spcPct val="100000"/>
+              </a:lnSpc>
+              <a:spcBef>
+                <a:spcPts val="0"/>
+              </a:spcBef>
+              <a:spcAft>
+                <a:spcPts val="0"/>
+              </a:spcAft>
+              <a:buClr>
+                <a:schemeClr val="dk1"/>
+              </a:buClr>
+              <a:buSzPts val="9600"/>
+              <a:buFont typeface="Poppins"/>
+              <a:buNone/>
+              <a:defRPr sz="9600" b="1" i="0" u="none" strike="noStrike" cap="none">
+                <a:solidFill>
+                  <a:schemeClr val="dk1"/>
+                </a:solidFill>
+                <a:latin typeface="Poppins"/>
+                <a:ea typeface="Poppins"/>
+                <a:cs typeface="Poppins"/>
+                <a:sym typeface="Poppins"/>
+              </a:defRPr>
+            </a:lvl3pPr>
+            <a:lvl4pPr marR="0" lvl="3" algn="ctr" rtl="0">
+              <a:lnSpc>
+                <a:spcPct val="100000"/>
+              </a:lnSpc>
+              <a:spcBef>
+                <a:spcPts val="0"/>
+              </a:spcBef>
+              <a:spcAft>
+                <a:spcPts val="0"/>
+              </a:spcAft>
+              <a:buClr>
+                <a:schemeClr val="dk1"/>
+              </a:buClr>
+              <a:buSzPts val="9600"/>
+              <a:buFont typeface="Poppins"/>
+              <a:buNone/>
+              <a:defRPr sz="9600" b="1" i="0" u="none" strike="noStrike" cap="none">
+                <a:solidFill>
+                  <a:schemeClr val="dk1"/>
+                </a:solidFill>
+                <a:latin typeface="Poppins"/>
+                <a:ea typeface="Poppins"/>
+                <a:cs typeface="Poppins"/>
+                <a:sym typeface="Poppins"/>
+              </a:defRPr>
+            </a:lvl4pPr>
+            <a:lvl5pPr marR="0" lvl="4" algn="ctr" rtl="0">
+              <a:lnSpc>
+                <a:spcPct val="100000"/>
+              </a:lnSpc>
+              <a:spcBef>
+                <a:spcPts val="0"/>
+              </a:spcBef>
+              <a:spcAft>
+                <a:spcPts val="0"/>
+              </a:spcAft>
+              <a:buClr>
+                <a:schemeClr val="dk1"/>
+              </a:buClr>
+              <a:buSzPts val="9600"/>
+              <a:buFont typeface="Poppins"/>
+              <a:buNone/>
+              <a:defRPr sz="9600" b="1" i="0" u="none" strike="noStrike" cap="none">
+                <a:solidFill>
+                  <a:schemeClr val="dk1"/>
+                </a:solidFill>
+                <a:latin typeface="Poppins"/>
+                <a:ea typeface="Poppins"/>
+                <a:cs typeface="Poppins"/>
+                <a:sym typeface="Poppins"/>
+              </a:defRPr>
+            </a:lvl5pPr>
+            <a:lvl6pPr marR="0" lvl="5" algn="ctr" rtl="0">
+              <a:lnSpc>
+                <a:spcPct val="100000"/>
+              </a:lnSpc>
+              <a:spcBef>
+                <a:spcPts val="0"/>
+              </a:spcBef>
+              <a:spcAft>
+                <a:spcPts val="0"/>
+              </a:spcAft>
+              <a:buClr>
+                <a:schemeClr val="dk1"/>
+              </a:buClr>
+              <a:buSzPts val="9600"/>
+              <a:buFont typeface="Poppins"/>
+              <a:buNone/>
+              <a:defRPr sz="9600" b="1" i="0" u="none" strike="noStrike" cap="none">
+                <a:solidFill>
+                  <a:schemeClr val="dk1"/>
+                </a:solidFill>
+                <a:latin typeface="Poppins"/>
+                <a:ea typeface="Poppins"/>
+                <a:cs typeface="Poppins"/>
+                <a:sym typeface="Poppins"/>
+              </a:defRPr>
+            </a:lvl6pPr>
+            <a:lvl7pPr marR="0" lvl="6" algn="ctr" rtl="0">
+              <a:lnSpc>
+                <a:spcPct val="100000"/>
+              </a:lnSpc>
+              <a:spcBef>
+                <a:spcPts val="0"/>
+              </a:spcBef>
+              <a:spcAft>
+                <a:spcPts val="0"/>
+              </a:spcAft>
+              <a:buClr>
+                <a:schemeClr val="dk1"/>
+              </a:buClr>
+              <a:buSzPts val="9600"/>
+              <a:buFont typeface="Poppins"/>
+              <a:buNone/>
+              <a:defRPr sz="9600" b="1" i="0" u="none" strike="noStrike" cap="none">
+                <a:solidFill>
+                  <a:schemeClr val="dk1"/>
+                </a:solidFill>
+                <a:latin typeface="Poppins"/>
+                <a:ea typeface="Poppins"/>
+                <a:cs typeface="Poppins"/>
+                <a:sym typeface="Poppins"/>
+              </a:defRPr>
+            </a:lvl7pPr>
+            <a:lvl8pPr marR="0" lvl="7" algn="ctr" rtl="0">
+              <a:lnSpc>
+                <a:spcPct val="100000"/>
+              </a:lnSpc>
+              <a:spcBef>
+                <a:spcPts val="0"/>
+              </a:spcBef>
+              <a:spcAft>
+                <a:spcPts val="0"/>
+              </a:spcAft>
+              <a:buClr>
+                <a:schemeClr val="dk1"/>
+              </a:buClr>
+              <a:buSzPts val="9600"/>
+              <a:buFont typeface="Poppins"/>
+              <a:buNone/>
+              <a:defRPr sz="9600" b="1" i="0" u="none" strike="noStrike" cap="none">
+                <a:solidFill>
+                  <a:schemeClr val="dk1"/>
+                </a:solidFill>
+                <a:latin typeface="Poppins"/>
+                <a:ea typeface="Poppins"/>
+                <a:cs typeface="Poppins"/>
+                <a:sym typeface="Poppins"/>
+              </a:defRPr>
+            </a:lvl8pPr>
+            <a:lvl9pPr marR="0" lvl="8" algn="ctr" rtl="0">
+              <a:lnSpc>
+                <a:spcPct val="100000"/>
+              </a:lnSpc>
+              <a:spcBef>
+                <a:spcPts val="0"/>
+              </a:spcBef>
+              <a:spcAft>
+                <a:spcPts val="0"/>
+              </a:spcAft>
+              <a:buClr>
+                <a:schemeClr val="dk1"/>
+              </a:buClr>
+              <a:buSzPts val="9600"/>
+              <a:buFont typeface="Poppins"/>
+              <a:buNone/>
+              <a:defRPr sz="9600" b="1" i="0" u="none" strike="noStrike" cap="none">
+                <a:solidFill>
+                  <a:schemeClr val="dk1"/>
+                </a:solidFill>
+                <a:latin typeface="Poppins"/>
+                <a:ea typeface="Poppins"/>
+                <a:cs typeface="Poppins"/>
+                <a:sym typeface="Poppins"/>
+              </a:defRPr>
+            </a:lvl9pPr>
+          </a:lstStyle>
+          <a:p>
+            <a:pPr algn="l"/>
+            <a:r>
+              <a:rPr lang="ko-KR" altLang="en-US" sz="2000" dirty="0" smtClean="0">
+                <a:solidFill>
+                  <a:schemeClr val="tx1"/>
+                </a:solidFill>
+                <a:latin typeface="+mj-ea"/>
+                <a:ea typeface="+mj-ea"/>
+              </a:rPr>
+              <a:t>분석 및 </a:t>
+            </a:r>
+            <a:r>
+              <a:rPr lang="ko-KR" altLang="en-US" sz="2000" dirty="0" err="1" smtClean="0">
+                <a:solidFill>
+                  <a:schemeClr val="tx1"/>
+                </a:solidFill>
+                <a:latin typeface="+mj-ea"/>
+                <a:ea typeface="+mj-ea"/>
+              </a:rPr>
+              <a:t>인사이트</a:t>
+            </a:r>
+            <a:r>
+              <a:rPr lang="ko-KR" altLang="en-US" sz="2000" dirty="0" smtClean="0">
+                <a:solidFill>
+                  <a:schemeClr val="tx1"/>
+                </a:solidFill>
+                <a:latin typeface="+mj-ea"/>
+                <a:ea typeface="+mj-ea"/>
+              </a:rPr>
+              <a:t> 도출 </a:t>
+            </a:r>
+            <a:r>
+              <a:rPr lang="en-US" altLang="ko-KR" sz="2000" dirty="0" smtClean="0">
+                <a:solidFill>
+                  <a:schemeClr val="tx1"/>
+                </a:solidFill>
+                <a:latin typeface="+mj-ea"/>
+                <a:ea typeface="+mj-ea"/>
+              </a:rPr>
+              <a:t>– </a:t>
+            </a:r>
+            <a:r>
+              <a:rPr lang="ko-KR" altLang="en-US" sz="2000" dirty="0" smtClean="0">
+                <a:solidFill>
+                  <a:schemeClr val="tx1"/>
+                </a:solidFill>
+                <a:latin typeface="+mj-ea"/>
+                <a:ea typeface="+mj-ea"/>
+              </a:rPr>
+              <a:t>승객과 날씨 데이터 </a:t>
+            </a:r>
+            <a:r>
+              <a:rPr lang="en-US" altLang="ko-KR" sz="1500" dirty="0" smtClean="0">
+                <a:solidFill>
+                  <a:schemeClr val="tx1"/>
+                </a:solidFill>
+                <a:latin typeface="+mj-ea"/>
+                <a:ea typeface="+mj-ea"/>
+              </a:rPr>
+              <a:t>(</a:t>
+            </a:r>
+            <a:r>
+              <a:rPr lang="ko-KR" altLang="en-US" sz="1500" dirty="0" smtClean="0">
+                <a:solidFill>
+                  <a:schemeClr val="tx1"/>
+                </a:solidFill>
+                <a:latin typeface="+mj-ea"/>
+                <a:ea typeface="+mj-ea"/>
+              </a:rPr>
+              <a:t>상관관계</a:t>
+            </a:r>
+            <a:r>
+              <a:rPr lang="en-US" altLang="ko-KR" sz="1500" dirty="0" smtClean="0">
+                <a:solidFill>
+                  <a:schemeClr val="tx1"/>
+                </a:solidFill>
+                <a:latin typeface="+mj-ea"/>
+                <a:ea typeface="+mj-ea"/>
+              </a:rPr>
+              <a:t>)</a:t>
+            </a:r>
+            <a:endParaRPr lang="en-US" sz="1500" dirty="0">
+              <a:solidFill>
+                <a:schemeClr val="tx1"/>
+              </a:solidFill>
+              <a:latin typeface="+mj-ea"/>
+              <a:ea typeface="+mj-ea"/>
+            </a:endParaRPr>
+          </a:p>
+        </p:txBody>
+      </p:sp>
+      <p:sp>
+        <p:nvSpPr>
+          <p:cNvPr id="11" name="TextBox 10"/>
+          <p:cNvSpPr txBox="1"/>
+          <p:nvPr/>
+        </p:nvSpPr>
+        <p:spPr>
+          <a:xfrm>
+            <a:off x="4944033" y="630795"/>
+            <a:ext cx="3512501" cy="646331"/>
+          </a:xfrm>
+          <a:prstGeom prst="rect">
+            <a:avLst/>
+          </a:prstGeom>
+          <a:noFill/>
+        </p:spPr>
+        <p:txBody>
+          <a:bodyPr wrap="none" rtlCol="0">
+            <a:spAutoFit/>
+          </a:bodyPr>
+          <a:lstStyle/>
+          <a:p>
+            <a:pPr algn="r"/>
+            <a:r>
+              <a:rPr lang="ko-KR" altLang="en-US" sz="1800" b="1" dirty="0" smtClean="0">
+                <a:latin typeface="+mn-ea"/>
+              </a:rPr>
+              <a:t>지하철 전체 승객 수와 적설량의</a:t>
+            </a:r>
+            <a:endParaRPr lang="en-US" altLang="ko-KR" sz="1800" b="1" dirty="0" smtClean="0">
+              <a:latin typeface="+mn-ea"/>
+            </a:endParaRPr>
+          </a:p>
+          <a:p>
+            <a:pPr algn="r"/>
+            <a:r>
+              <a:rPr lang="ko-KR" altLang="en-US" sz="1800" b="1" dirty="0" smtClean="0">
+                <a:latin typeface="+mn-ea"/>
+              </a:rPr>
+              <a:t>상관관계</a:t>
+            </a:r>
+            <a:endParaRPr lang="ko-KR" altLang="en-US" sz="1800" b="1" dirty="0">
+              <a:latin typeface="+mn-ea"/>
+            </a:endParaRPr>
+          </a:p>
+        </p:txBody>
+      </p:sp>
+      <p:sp>
+        <p:nvSpPr>
+          <p:cNvPr id="12" name="TextBox 11"/>
+          <p:cNvSpPr txBox="1"/>
+          <p:nvPr/>
+        </p:nvSpPr>
+        <p:spPr>
+          <a:xfrm>
+            <a:off x="519952" y="630795"/>
+            <a:ext cx="3363421" cy="646331"/>
+          </a:xfrm>
+          <a:prstGeom prst="rect">
+            <a:avLst/>
+          </a:prstGeom>
+          <a:noFill/>
+        </p:spPr>
+        <p:txBody>
+          <a:bodyPr wrap="none" rtlCol="0">
+            <a:spAutoFit/>
+          </a:bodyPr>
+          <a:lstStyle/>
+          <a:p>
+            <a:r>
+              <a:rPr lang="ko-KR" altLang="en-US" sz="1800" b="1" dirty="0" smtClean="0">
+                <a:latin typeface="+mn-ea"/>
+              </a:rPr>
+              <a:t>버스 전체 승객 수와 적설량의 </a:t>
+            </a:r>
+            <a:endParaRPr lang="en-US" altLang="ko-KR" sz="1800" b="1" dirty="0" smtClean="0">
+              <a:latin typeface="+mn-ea"/>
+            </a:endParaRPr>
+          </a:p>
+          <a:p>
+            <a:r>
+              <a:rPr lang="ko-KR" altLang="en-US" sz="1800" b="1" dirty="0" smtClean="0">
+                <a:latin typeface="+mn-ea"/>
+              </a:rPr>
+              <a:t>상관관계</a:t>
+            </a:r>
+            <a:endParaRPr lang="ko-KR" altLang="en-US" sz="1800" b="1" dirty="0">
+              <a:latin typeface="+mn-ea"/>
+            </a:endParaRPr>
+          </a:p>
+        </p:txBody>
+      </p:sp>
+      <p:pic>
+        <p:nvPicPr>
+          <p:cNvPr id="6" name="그림 5"/>
+          <p:cNvPicPr>
+            <a:picLocks noChangeAspect="1"/>
+          </p:cNvPicPr>
+          <p:nvPr/>
+        </p:nvPicPr>
+        <p:blipFill>
+          <a:blip r:embed="rId3"/>
+          <a:stretch>
+            <a:fillRect/>
+          </a:stretch>
+        </p:blipFill>
+        <p:spPr>
+          <a:xfrm>
+            <a:off x="4496534" y="1331065"/>
+            <a:ext cx="3960000" cy="2668696"/>
+          </a:xfrm>
+          <a:prstGeom prst="rect">
+            <a:avLst/>
+          </a:prstGeom>
+        </p:spPr>
+      </p:pic>
+      <p:pic>
+        <p:nvPicPr>
+          <p:cNvPr id="2" name="그림 1"/>
+          <p:cNvPicPr>
+            <a:picLocks noChangeAspect="1"/>
+          </p:cNvPicPr>
+          <p:nvPr/>
+        </p:nvPicPr>
+        <p:blipFill>
+          <a:blip r:embed="rId4"/>
+          <a:stretch>
+            <a:fillRect/>
+          </a:stretch>
+        </p:blipFill>
+        <p:spPr>
+          <a:xfrm>
+            <a:off x="519952" y="1331065"/>
+            <a:ext cx="3960000" cy="2712928"/>
+          </a:xfrm>
+          <a:prstGeom prst="rect">
+            <a:avLst/>
+          </a:prstGeom>
+        </p:spPr>
+      </p:pic>
+    </p:spTree>
+    <p:extLst>
+      <p:ext uri="{BB962C8B-B14F-4D97-AF65-F5344CB8AC3E}">
+        <p14:creationId xmlns:p14="http://schemas.microsoft.com/office/powerpoint/2010/main" val="2991774292"/>
+      </p:ext>
+    </p:extLst>
+  </p:cSld>
+  <p:clrMapOvr>
+    <a:masterClrMapping/>
+  </p:clrMapOvr>
+  <p:timing>
+    <p:tnLst>
+      <p:par>
+        <p:cTn id="1" dur="indefinite" restart="never" nodeType="tmRoot"/>
+      </p:par>
+    </p:tnLst>
+  </p:timing>
+</p:sld>
+</file>
+
+<file path=ppt/slides/slide14.xml><?xml version="1.0" encoding="utf-8"?>
+<p:sld xmlns:a="http://schemas.openxmlformats.org/drawingml/2006/main" xmlns:r="http://schemas.openxmlformats.org/officeDocument/2006/relationships" xmlns:p="http://schemas.openxmlformats.org/presentationml/2006/main">
+  <p:cSld>
+    <p:spTree>
+      <p:nvGrpSpPr>
+        <p:cNvPr id="1" name="Shape 349"/>
+        <p:cNvGrpSpPr/>
+        <p:nvPr/>
+      </p:nvGrpSpPr>
+      <p:grpSpPr>
+        <a:xfrm>
+          <a:off x="0" y="0"/>
+          <a:ext cx="0" cy="0"/>
+          <a:chOff x="0" y="0"/>
+          <a:chExt cx="0" cy="0"/>
+        </a:xfrm>
+      </p:grpSpPr>
+      <p:cxnSp>
+        <p:nvCxnSpPr>
+          <p:cNvPr id="36" name="Google Shape;264;p33"/>
+          <p:cNvCxnSpPr/>
+          <p:nvPr/>
+        </p:nvCxnSpPr>
+        <p:spPr>
+          <a:xfrm flipH="1">
+            <a:off x="416779" y="576856"/>
+            <a:ext cx="8159510" cy="0"/>
+          </a:xfrm>
+          <a:prstGeom prst="straightConnector1">
+            <a:avLst/>
+          </a:prstGeom>
+          <a:noFill/>
+          <a:ln w="9525" cap="flat" cmpd="sng">
+            <a:solidFill>
+              <a:schemeClr val="dk1"/>
+            </a:solidFill>
+            <a:prstDash val="solid"/>
+            <a:round/>
+            <a:headEnd type="none" w="med" len="med"/>
+            <a:tailEnd type="none" w="med" len="med"/>
+          </a:ln>
+        </p:spPr>
+      </p:cxnSp>
+      <p:sp>
+        <p:nvSpPr>
+          <p:cNvPr id="4" name="TextBox 3"/>
+          <p:cNvSpPr txBox="1"/>
+          <p:nvPr/>
+        </p:nvSpPr>
+        <p:spPr>
+          <a:xfrm>
+            <a:off x="519952" y="35707"/>
+            <a:ext cx="726142" cy="523220"/>
+          </a:xfrm>
+          <a:prstGeom prst="rect">
+            <a:avLst/>
+          </a:prstGeom>
+          <a:noFill/>
+        </p:spPr>
+        <p:txBody>
+          <a:bodyPr wrap="square" rtlCol="0">
+            <a:spAutoFit/>
+          </a:bodyPr>
+          <a:lstStyle/>
+          <a:p>
+            <a:r>
+              <a:rPr lang="en-US" altLang="ko-KR" sz="2800" b="1" dirty="0" smtClean="0">
+                <a:latin typeface="+mj-ea"/>
+                <a:ea typeface="+mj-ea"/>
+              </a:rPr>
+              <a:t>03</a:t>
+            </a:r>
+            <a:endParaRPr lang="ko-KR" altLang="en-US" sz="2800" b="1" dirty="0">
+              <a:latin typeface="+mj-ea"/>
+              <a:ea typeface="+mj-ea"/>
+            </a:endParaRPr>
+          </a:p>
+        </p:txBody>
+      </p:sp>
+      <p:sp>
+        <p:nvSpPr>
+          <p:cNvPr id="5" name="Google Shape;260;p33"/>
+          <p:cNvSpPr txBox="1">
+            <a:spLocks/>
+          </p:cNvSpPr>
+          <p:nvPr/>
+        </p:nvSpPr>
+        <p:spPr>
+          <a:xfrm>
+            <a:off x="1129553" y="71713"/>
+            <a:ext cx="7216588" cy="451205"/>
+          </a:xfrm>
+          <a:prstGeom prst="rect">
+            <a:avLst/>
+          </a:prstGeom>
+          <a:noFill/>
+          <a:ln>
+            <a:noFill/>
+          </a:ln>
+        </p:spPr>
+        <p:txBody>
+          <a:bodyPr spcFirstLastPara="1" wrap="square" lIns="91425" tIns="91425" rIns="91425" bIns="91425" anchor="t" anchorCtr="0">
+            <a:noAutofit/>
+          </a:bodyPr>
+          <a:lstStyle>
+            <a:defPPr marR="0" lvl="0" algn="l" rtl="0">
+              <a:lnSpc>
+                <a:spcPct val="100000"/>
+              </a:lnSpc>
+              <a:spcBef>
+                <a:spcPts val="0"/>
+              </a:spcBef>
+              <a:spcAft>
+                <a:spcPts val="0"/>
+              </a:spcAft>
+            </a:defPPr>
+            <a:lvl1pPr marR="0" lvl="0" algn="ctr" rtl="0">
+              <a:lnSpc>
+                <a:spcPct val="100000"/>
+              </a:lnSpc>
+              <a:spcBef>
+                <a:spcPts val="0"/>
+              </a:spcBef>
+              <a:spcAft>
+                <a:spcPts val="0"/>
+              </a:spcAft>
+              <a:buClr>
+                <a:schemeClr val="dk1"/>
+              </a:buClr>
+              <a:buSzPts val="9600"/>
+              <a:buFont typeface="Poppins"/>
+              <a:buNone/>
+              <a:defRPr sz="6000" b="1" i="0" u="none" strike="noStrike" cap="none">
+                <a:solidFill>
+                  <a:schemeClr val="dk2"/>
+                </a:solidFill>
+                <a:latin typeface="Poppins"/>
+                <a:ea typeface="Poppins"/>
+                <a:cs typeface="Poppins"/>
+                <a:sym typeface="Poppins"/>
+              </a:defRPr>
+            </a:lvl1pPr>
+            <a:lvl2pPr marR="0" lvl="1" algn="ctr" rtl="0">
+              <a:lnSpc>
+                <a:spcPct val="100000"/>
+              </a:lnSpc>
+              <a:spcBef>
+                <a:spcPts val="0"/>
+              </a:spcBef>
+              <a:spcAft>
+                <a:spcPts val="0"/>
+              </a:spcAft>
+              <a:buClr>
+                <a:schemeClr val="dk1"/>
+              </a:buClr>
+              <a:buSzPts val="9600"/>
+              <a:buFont typeface="Poppins"/>
+              <a:buNone/>
+              <a:defRPr sz="9600" b="1" i="0" u="none" strike="noStrike" cap="none">
+                <a:solidFill>
+                  <a:schemeClr val="dk1"/>
+                </a:solidFill>
+                <a:latin typeface="Poppins"/>
+                <a:ea typeface="Poppins"/>
+                <a:cs typeface="Poppins"/>
+                <a:sym typeface="Poppins"/>
+              </a:defRPr>
+            </a:lvl2pPr>
+            <a:lvl3pPr marR="0" lvl="2" algn="ctr" rtl="0">
+              <a:lnSpc>
+                <a:spcPct val="100000"/>
+              </a:lnSpc>
+              <a:spcBef>
+                <a:spcPts val="0"/>
+              </a:spcBef>
+              <a:spcAft>
+                <a:spcPts val="0"/>
+              </a:spcAft>
+              <a:buClr>
+                <a:schemeClr val="dk1"/>
+              </a:buClr>
+              <a:buSzPts val="9600"/>
+              <a:buFont typeface="Poppins"/>
+              <a:buNone/>
+              <a:defRPr sz="9600" b="1" i="0" u="none" strike="noStrike" cap="none">
+                <a:solidFill>
+                  <a:schemeClr val="dk1"/>
+                </a:solidFill>
+                <a:latin typeface="Poppins"/>
+                <a:ea typeface="Poppins"/>
+                <a:cs typeface="Poppins"/>
+                <a:sym typeface="Poppins"/>
+              </a:defRPr>
+            </a:lvl3pPr>
+            <a:lvl4pPr marR="0" lvl="3" algn="ctr" rtl="0">
+              <a:lnSpc>
+                <a:spcPct val="100000"/>
+              </a:lnSpc>
+              <a:spcBef>
+                <a:spcPts val="0"/>
+              </a:spcBef>
+              <a:spcAft>
+                <a:spcPts val="0"/>
+              </a:spcAft>
+              <a:buClr>
+                <a:schemeClr val="dk1"/>
+              </a:buClr>
+              <a:buSzPts val="9600"/>
+              <a:buFont typeface="Poppins"/>
+              <a:buNone/>
+              <a:defRPr sz="9600" b="1" i="0" u="none" strike="noStrike" cap="none">
+                <a:solidFill>
+                  <a:schemeClr val="dk1"/>
+                </a:solidFill>
+                <a:latin typeface="Poppins"/>
+                <a:ea typeface="Poppins"/>
+                <a:cs typeface="Poppins"/>
+                <a:sym typeface="Poppins"/>
+              </a:defRPr>
+            </a:lvl4pPr>
+            <a:lvl5pPr marR="0" lvl="4" algn="ctr" rtl="0">
+              <a:lnSpc>
+                <a:spcPct val="100000"/>
+              </a:lnSpc>
+              <a:spcBef>
+                <a:spcPts val="0"/>
+              </a:spcBef>
+              <a:spcAft>
+                <a:spcPts val="0"/>
+              </a:spcAft>
+              <a:buClr>
+                <a:schemeClr val="dk1"/>
+              </a:buClr>
+              <a:buSzPts val="9600"/>
+              <a:buFont typeface="Poppins"/>
+              <a:buNone/>
+              <a:defRPr sz="9600" b="1" i="0" u="none" strike="noStrike" cap="none">
+                <a:solidFill>
+                  <a:schemeClr val="dk1"/>
+                </a:solidFill>
+                <a:latin typeface="Poppins"/>
+                <a:ea typeface="Poppins"/>
+                <a:cs typeface="Poppins"/>
+                <a:sym typeface="Poppins"/>
+              </a:defRPr>
+            </a:lvl5pPr>
+            <a:lvl6pPr marR="0" lvl="5" algn="ctr" rtl="0">
+              <a:lnSpc>
+                <a:spcPct val="100000"/>
+              </a:lnSpc>
+              <a:spcBef>
+                <a:spcPts val="0"/>
+              </a:spcBef>
+              <a:spcAft>
+                <a:spcPts val="0"/>
+              </a:spcAft>
+              <a:buClr>
+                <a:schemeClr val="dk1"/>
+              </a:buClr>
+              <a:buSzPts val="9600"/>
+              <a:buFont typeface="Poppins"/>
+              <a:buNone/>
+              <a:defRPr sz="9600" b="1" i="0" u="none" strike="noStrike" cap="none">
+                <a:solidFill>
+                  <a:schemeClr val="dk1"/>
+                </a:solidFill>
+                <a:latin typeface="Poppins"/>
+                <a:ea typeface="Poppins"/>
+                <a:cs typeface="Poppins"/>
+                <a:sym typeface="Poppins"/>
+              </a:defRPr>
+            </a:lvl6pPr>
+            <a:lvl7pPr marR="0" lvl="6" algn="ctr" rtl="0">
+              <a:lnSpc>
+                <a:spcPct val="100000"/>
+              </a:lnSpc>
+              <a:spcBef>
+                <a:spcPts val="0"/>
+              </a:spcBef>
+              <a:spcAft>
+                <a:spcPts val="0"/>
+              </a:spcAft>
+              <a:buClr>
+                <a:schemeClr val="dk1"/>
+              </a:buClr>
+              <a:buSzPts val="9600"/>
+              <a:buFont typeface="Poppins"/>
+              <a:buNone/>
+              <a:defRPr sz="9600" b="1" i="0" u="none" strike="noStrike" cap="none">
+                <a:solidFill>
+                  <a:schemeClr val="dk1"/>
+                </a:solidFill>
+                <a:latin typeface="Poppins"/>
+                <a:ea typeface="Poppins"/>
+                <a:cs typeface="Poppins"/>
+                <a:sym typeface="Poppins"/>
+              </a:defRPr>
+            </a:lvl7pPr>
+            <a:lvl8pPr marR="0" lvl="7" algn="ctr" rtl="0">
+              <a:lnSpc>
+                <a:spcPct val="100000"/>
+              </a:lnSpc>
+              <a:spcBef>
+                <a:spcPts val="0"/>
+              </a:spcBef>
+              <a:spcAft>
+                <a:spcPts val="0"/>
+              </a:spcAft>
+              <a:buClr>
+                <a:schemeClr val="dk1"/>
+              </a:buClr>
+              <a:buSzPts val="9600"/>
+              <a:buFont typeface="Poppins"/>
+              <a:buNone/>
+              <a:defRPr sz="9600" b="1" i="0" u="none" strike="noStrike" cap="none">
+                <a:solidFill>
+                  <a:schemeClr val="dk1"/>
+                </a:solidFill>
+                <a:latin typeface="Poppins"/>
+                <a:ea typeface="Poppins"/>
+                <a:cs typeface="Poppins"/>
+                <a:sym typeface="Poppins"/>
+              </a:defRPr>
+            </a:lvl8pPr>
+            <a:lvl9pPr marR="0" lvl="8" algn="ctr" rtl="0">
+              <a:lnSpc>
+                <a:spcPct val="100000"/>
+              </a:lnSpc>
+              <a:spcBef>
+                <a:spcPts val="0"/>
+              </a:spcBef>
+              <a:spcAft>
+                <a:spcPts val="0"/>
+              </a:spcAft>
+              <a:buClr>
+                <a:schemeClr val="dk1"/>
+              </a:buClr>
+              <a:buSzPts val="9600"/>
+              <a:buFont typeface="Poppins"/>
+              <a:buNone/>
+              <a:defRPr sz="9600" b="1" i="0" u="none" strike="noStrike" cap="none">
+                <a:solidFill>
+                  <a:schemeClr val="dk1"/>
+                </a:solidFill>
+                <a:latin typeface="Poppins"/>
+                <a:ea typeface="Poppins"/>
+                <a:cs typeface="Poppins"/>
+                <a:sym typeface="Poppins"/>
+              </a:defRPr>
+            </a:lvl9pPr>
+          </a:lstStyle>
+          <a:p>
+            <a:pPr algn="l"/>
+            <a:r>
+              <a:rPr lang="ko-KR" altLang="en-US" sz="2000" dirty="0" smtClean="0">
+                <a:solidFill>
+                  <a:schemeClr val="tx1"/>
+                </a:solidFill>
+                <a:latin typeface="+mj-ea"/>
+                <a:ea typeface="+mj-ea"/>
+              </a:rPr>
+              <a:t>분석 및 </a:t>
+            </a:r>
+            <a:r>
+              <a:rPr lang="ko-KR" altLang="en-US" sz="2000" dirty="0" err="1" smtClean="0">
+                <a:solidFill>
+                  <a:schemeClr val="tx1"/>
+                </a:solidFill>
+                <a:latin typeface="+mj-ea"/>
+                <a:ea typeface="+mj-ea"/>
+              </a:rPr>
+              <a:t>인사이트</a:t>
+            </a:r>
+            <a:r>
+              <a:rPr lang="ko-KR" altLang="en-US" sz="2000" dirty="0" smtClean="0">
+                <a:solidFill>
+                  <a:schemeClr val="tx1"/>
+                </a:solidFill>
+                <a:latin typeface="+mj-ea"/>
+                <a:ea typeface="+mj-ea"/>
+              </a:rPr>
+              <a:t> 도출 </a:t>
+            </a:r>
+            <a:r>
+              <a:rPr lang="en-US" altLang="ko-KR" sz="2000" dirty="0" smtClean="0">
+                <a:solidFill>
+                  <a:schemeClr val="tx1"/>
+                </a:solidFill>
+                <a:latin typeface="+mj-ea"/>
+                <a:ea typeface="+mj-ea"/>
+              </a:rPr>
+              <a:t>– </a:t>
+            </a:r>
+            <a:r>
+              <a:rPr lang="ko-KR" altLang="en-US" sz="2000" dirty="0" smtClean="0">
+                <a:solidFill>
+                  <a:schemeClr val="tx1"/>
+                </a:solidFill>
+                <a:latin typeface="+mj-ea"/>
+                <a:ea typeface="+mj-ea"/>
+              </a:rPr>
+              <a:t>승객과 날씨 데이터 분석 </a:t>
+            </a:r>
+            <a:r>
+              <a:rPr lang="en-US" altLang="ko-KR" sz="1500" dirty="0" smtClean="0">
+                <a:solidFill>
+                  <a:schemeClr val="tx1"/>
+                </a:solidFill>
+                <a:latin typeface="+mj-ea"/>
+                <a:ea typeface="+mj-ea"/>
+              </a:rPr>
+              <a:t>(</a:t>
+            </a:r>
+            <a:r>
+              <a:rPr lang="ko-KR" altLang="en-US" sz="1500" dirty="0" err="1" smtClean="0">
+                <a:solidFill>
+                  <a:schemeClr val="tx1"/>
+                </a:solidFill>
+                <a:latin typeface="+mj-ea"/>
+                <a:ea typeface="+mj-ea"/>
+              </a:rPr>
+              <a:t>카이제곱검정</a:t>
+            </a:r>
+            <a:r>
+              <a:rPr lang="en-US" altLang="ko-KR" sz="1500" dirty="0" smtClean="0">
+                <a:solidFill>
+                  <a:schemeClr val="tx1"/>
+                </a:solidFill>
+                <a:latin typeface="+mj-ea"/>
+                <a:ea typeface="+mj-ea"/>
+              </a:rPr>
+              <a:t>)</a:t>
+            </a:r>
+            <a:endParaRPr lang="en-US" sz="1500" dirty="0">
+              <a:solidFill>
+                <a:schemeClr val="tx1"/>
+              </a:solidFill>
+              <a:latin typeface="+mj-ea"/>
+              <a:ea typeface="+mj-ea"/>
+            </a:endParaRPr>
+          </a:p>
+        </p:txBody>
+      </p:sp>
+      <p:sp>
+        <p:nvSpPr>
+          <p:cNvPr id="7" name="TextBox 6"/>
+          <p:cNvSpPr txBox="1"/>
+          <p:nvPr/>
+        </p:nvSpPr>
+        <p:spPr>
+          <a:xfrm>
+            <a:off x="5734863" y="630795"/>
+            <a:ext cx="2255746" cy="369332"/>
+          </a:xfrm>
+          <a:prstGeom prst="rect">
+            <a:avLst/>
+          </a:prstGeom>
+          <a:noFill/>
+        </p:spPr>
+        <p:txBody>
+          <a:bodyPr wrap="none" rtlCol="0">
+            <a:spAutoFit/>
+          </a:bodyPr>
+          <a:lstStyle/>
+          <a:p>
+            <a:r>
+              <a:rPr lang="ko-KR" altLang="en-US" sz="1800" b="1" dirty="0" err="1" smtClean="0">
+                <a:latin typeface="+mn-ea"/>
+              </a:rPr>
+              <a:t>비통근</a:t>
+            </a:r>
+            <a:r>
+              <a:rPr lang="ko-KR" altLang="en-US" sz="1800" b="1" dirty="0" smtClean="0">
+                <a:latin typeface="+mn-ea"/>
+              </a:rPr>
+              <a:t> 승객과 계절</a:t>
+            </a:r>
+            <a:r>
+              <a:rPr lang="en-US" altLang="ko-KR" sz="1800" b="1" dirty="0" smtClean="0">
+                <a:latin typeface="+mn-ea"/>
+              </a:rPr>
+              <a:t>:</a:t>
+            </a:r>
+            <a:endParaRPr lang="ko-KR" altLang="en-US" sz="1800" b="1" dirty="0">
+              <a:latin typeface="+mn-ea"/>
+            </a:endParaRPr>
+          </a:p>
+        </p:txBody>
+      </p:sp>
+      <p:pic>
+        <p:nvPicPr>
+          <p:cNvPr id="2" name="그림 1"/>
+          <p:cNvPicPr>
+            <a:picLocks noChangeAspect="1"/>
+          </p:cNvPicPr>
+          <p:nvPr/>
+        </p:nvPicPr>
+        <p:blipFill>
+          <a:blip r:embed="rId3"/>
+          <a:stretch>
+            <a:fillRect/>
+          </a:stretch>
+        </p:blipFill>
+        <p:spPr>
+          <a:xfrm>
+            <a:off x="5892363" y="1000127"/>
+            <a:ext cx="2340000" cy="4014782"/>
+          </a:xfrm>
+          <a:prstGeom prst="rect">
+            <a:avLst/>
+          </a:prstGeom>
+        </p:spPr>
+      </p:pic>
+      <p:sp>
+        <p:nvSpPr>
+          <p:cNvPr id="11" name="TextBox 10"/>
+          <p:cNvSpPr txBox="1"/>
+          <p:nvPr/>
+        </p:nvSpPr>
+        <p:spPr>
+          <a:xfrm>
+            <a:off x="677452" y="2415877"/>
+            <a:ext cx="2717411" cy="369332"/>
+          </a:xfrm>
+          <a:prstGeom prst="rect">
+            <a:avLst/>
+          </a:prstGeom>
+          <a:noFill/>
+        </p:spPr>
+        <p:txBody>
+          <a:bodyPr wrap="none" rtlCol="0">
+            <a:spAutoFit/>
+          </a:bodyPr>
+          <a:lstStyle/>
+          <a:p>
+            <a:pPr algn="r"/>
+            <a:r>
+              <a:rPr lang="ko-KR" altLang="en-US" sz="1800" b="1" dirty="0" err="1" smtClean="0">
+                <a:latin typeface="+mn-ea"/>
+              </a:rPr>
+              <a:t>비통근</a:t>
+            </a:r>
+            <a:r>
+              <a:rPr lang="ko-KR" altLang="en-US" sz="1800" b="1" dirty="0" smtClean="0">
+                <a:latin typeface="+mn-ea"/>
+              </a:rPr>
+              <a:t> 승객과 평균기온</a:t>
+            </a:r>
+            <a:r>
+              <a:rPr lang="en-US" altLang="ko-KR" sz="1800" b="1" dirty="0" smtClean="0">
+                <a:latin typeface="+mn-ea"/>
+              </a:rPr>
+              <a:t>:</a:t>
+            </a:r>
+            <a:endParaRPr lang="ko-KR" altLang="en-US" sz="1800" b="1" dirty="0">
+              <a:latin typeface="+mn-ea"/>
+            </a:endParaRPr>
+          </a:p>
+        </p:txBody>
+      </p:sp>
+      <p:pic>
+        <p:nvPicPr>
+          <p:cNvPr id="8" name="그림 7"/>
+          <p:cNvPicPr>
+            <a:picLocks noChangeAspect="1"/>
+          </p:cNvPicPr>
+          <p:nvPr/>
+        </p:nvPicPr>
+        <p:blipFill>
+          <a:blip r:embed="rId4"/>
+          <a:stretch>
+            <a:fillRect/>
+          </a:stretch>
+        </p:blipFill>
+        <p:spPr>
+          <a:xfrm>
+            <a:off x="3394863" y="630795"/>
+            <a:ext cx="2340000" cy="2154414"/>
+          </a:xfrm>
+          <a:prstGeom prst="rect">
+            <a:avLst/>
+          </a:prstGeom>
+        </p:spPr>
+      </p:pic>
+      <p:pic>
+        <p:nvPicPr>
+          <p:cNvPr id="10" name="그림 9"/>
+          <p:cNvPicPr>
+            <a:picLocks noChangeAspect="1"/>
+          </p:cNvPicPr>
+          <p:nvPr/>
+        </p:nvPicPr>
+        <p:blipFill>
+          <a:blip r:embed="rId5"/>
+          <a:stretch>
+            <a:fillRect/>
+          </a:stretch>
+        </p:blipFill>
+        <p:spPr>
+          <a:xfrm>
+            <a:off x="3394863" y="2954067"/>
+            <a:ext cx="2340000" cy="2060842"/>
+          </a:xfrm>
+          <a:prstGeom prst="rect">
+            <a:avLst/>
+          </a:prstGeom>
+        </p:spPr>
+      </p:pic>
+      <p:sp>
+        <p:nvSpPr>
+          <p:cNvPr id="15" name="TextBox 14"/>
+          <p:cNvSpPr txBox="1"/>
+          <p:nvPr/>
+        </p:nvSpPr>
+        <p:spPr>
+          <a:xfrm>
+            <a:off x="908285" y="4645577"/>
+            <a:ext cx="2486578" cy="369332"/>
+          </a:xfrm>
+          <a:prstGeom prst="rect">
+            <a:avLst/>
+          </a:prstGeom>
+          <a:noFill/>
+        </p:spPr>
+        <p:txBody>
+          <a:bodyPr wrap="none" rtlCol="0">
+            <a:spAutoFit/>
+          </a:bodyPr>
+          <a:lstStyle/>
+          <a:p>
+            <a:pPr algn="r"/>
+            <a:r>
+              <a:rPr lang="ko-KR" altLang="en-US" sz="1800" b="1" dirty="0" err="1" smtClean="0">
+                <a:latin typeface="+mn-ea"/>
+              </a:rPr>
+              <a:t>비통근</a:t>
+            </a:r>
+            <a:r>
+              <a:rPr lang="ko-KR" altLang="en-US" sz="1800" b="1" dirty="0" smtClean="0">
+                <a:latin typeface="+mn-ea"/>
+              </a:rPr>
+              <a:t> 승객과 강수량</a:t>
+            </a:r>
+            <a:r>
+              <a:rPr lang="en-US" altLang="ko-KR" sz="1800" b="1" dirty="0" smtClean="0">
+                <a:latin typeface="+mn-ea"/>
+              </a:rPr>
+              <a:t>:</a:t>
+            </a:r>
+            <a:endParaRPr lang="ko-KR" altLang="en-US" sz="1800" b="1" dirty="0">
+              <a:latin typeface="+mn-ea"/>
+            </a:endParaRPr>
+          </a:p>
+        </p:txBody>
+      </p:sp>
+      <p:sp>
+        <p:nvSpPr>
+          <p:cNvPr id="20" name="TextBox 19"/>
+          <p:cNvSpPr txBox="1"/>
+          <p:nvPr/>
+        </p:nvSpPr>
+        <p:spPr>
+          <a:xfrm>
+            <a:off x="519952" y="630795"/>
+            <a:ext cx="2413247" cy="1200329"/>
+          </a:xfrm>
+          <a:prstGeom prst="rect">
+            <a:avLst/>
+          </a:prstGeom>
+          <a:noFill/>
+        </p:spPr>
+        <p:txBody>
+          <a:bodyPr wrap="square" rtlCol="0">
+            <a:spAutoFit/>
+          </a:bodyPr>
+          <a:lstStyle/>
+          <a:p>
+            <a:r>
+              <a:rPr lang="ko-KR" altLang="en-US" sz="1800" b="1" dirty="0" err="1" smtClean="0">
+                <a:latin typeface="+mn-ea"/>
+              </a:rPr>
+              <a:t>카이제곱검정을</a:t>
+            </a:r>
+            <a:r>
+              <a:rPr lang="ko-KR" altLang="en-US" sz="1800" b="1" dirty="0" smtClean="0">
+                <a:latin typeface="+mn-ea"/>
+              </a:rPr>
+              <a:t> 위해</a:t>
+            </a:r>
+            <a:endParaRPr lang="en-US" altLang="ko-KR" sz="1800" b="1" dirty="0" smtClean="0">
+              <a:latin typeface="+mn-ea"/>
+            </a:endParaRPr>
+          </a:p>
+          <a:p>
+            <a:r>
+              <a:rPr lang="ko-KR" altLang="en-US" sz="1800" b="1" dirty="0" smtClean="0">
+                <a:latin typeface="+mn-ea"/>
+              </a:rPr>
+              <a:t>대중교통 </a:t>
+            </a:r>
+            <a:r>
+              <a:rPr lang="ko-KR" altLang="en-US" sz="1800" b="1" dirty="0" smtClean="0">
+                <a:solidFill>
+                  <a:srgbClr val="FF0000"/>
+                </a:solidFill>
+                <a:latin typeface="+mn-ea"/>
+              </a:rPr>
+              <a:t>승객 수</a:t>
+            </a:r>
+            <a:r>
+              <a:rPr lang="ko-KR" altLang="en-US" sz="1800" b="1" dirty="0" smtClean="0">
+                <a:latin typeface="+mn-ea"/>
+              </a:rPr>
+              <a:t>를 </a:t>
+            </a:r>
+            <a:endParaRPr lang="en-US" altLang="ko-KR" sz="1800" b="1" dirty="0" smtClean="0">
+              <a:latin typeface="+mn-ea"/>
+            </a:endParaRPr>
+          </a:p>
+          <a:p>
+            <a:r>
+              <a:rPr lang="en-US" altLang="ko-KR" sz="1800" b="1" dirty="0" smtClean="0">
+                <a:latin typeface="+mn-ea"/>
+              </a:rPr>
+              <a:t>Low, Medium, High</a:t>
+            </a:r>
+          </a:p>
+          <a:p>
+            <a:r>
+              <a:rPr lang="ko-KR" altLang="en-US" sz="1800" b="1" dirty="0" smtClean="0">
+                <a:solidFill>
+                  <a:srgbClr val="FF0000"/>
+                </a:solidFill>
+                <a:latin typeface="+mn-ea"/>
+              </a:rPr>
+              <a:t>범주화</a:t>
+            </a:r>
+            <a:endParaRPr lang="ko-KR" altLang="en-US" sz="1800" b="1" dirty="0">
+              <a:solidFill>
+                <a:srgbClr val="FF0000"/>
+              </a:solidFill>
+              <a:latin typeface="+mn-ea"/>
+            </a:endParaRPr>
+          </a:p>
+        </p:txBody>
+      </p:sp>
+    </p:spTree>
+    <p:extLst>
+      <p:ext uri="{BB962C8B-B14F-4D97-AF65-F5344CB8AC3E}">
+        <p14:creationId xmlns:p14="http://schemas.microsoft.com/office/powerpoint/2010/main" val="1404571373"/>
+      </p:ext>
+    </p:extLst>
+  </p:cSld>
+  <p:clrMapOvr>
+    <a:masterClrMapping/>
+  </p:clrMapOvr>
+  <p:timing>
+    <p:tnLst>
+      <p:par>
+        <p:cTn id="1" dur="indefinite" restart="never" nodeType="tmRoot"/>
+      </p:par>
+    </p:tnLst>
+  </p:timing>
+</p:sld>
+</file>
+
+<file path=ppt/slides/slide15.xml><?xml version="1.0" encoding="utf-8"?>
+<p:sld xmlns:a="http://schemas.openxmlformats.org/drawingml/2006/main" xmlns:r="http://schemas.openxmlformats.org/officeDocument/2006/relationships" xmlns:p="http://schemas.openxmlformats.org/presentationml/2006/main">
+  <p:cSld>
+    <p:spTree>
+      <p:nvGrpSpPr>
+        <p:cNvPr id="1" name="Shape 349"/>
+        <p:cNvGrpSpPr/>
+        <p:nvPr/>
+      </p:nvGrpSpPr>
+      <p:grpSpPr>
+        <a:xfrm>
+          <a:off x="0" y="0"/>
+          <a:ext cx="0" cy="0"/>
+          <a:chOff x="0" y="0"/>
+          <a:chExt cx="0" cy="0"/>
+        </a:xfrm>
+      </p:grpSpPr>
+      <p:cxnSp>
+        <p:nvCxnSpPr>
+          <p:cNvPr id="36" name="Google Shape;264;p33"/>
+          <p:cNvCxnSpPr/>
+          <p:nvPr/>
+        </p:nvCxnSpPr>
+        <p:spPr>
+          <a:xfrm flipH="1">
+            <a:off x="416779" y="576856"/>
+            <a:ext cx="8159510" cy="0"/>
+          </a:xfrm>
+          <a:prstGeom prst="straightConnector1">
+            <a:avLst/>
+          </a:prstGeom>
+          <a:noFill/>
+          <a:ln w="9525" cap="flat" cmpd="sng">
+            <a:solidFill>
+              <a:schemeClr val="dk1"/>
+            </a:solidFill>
+            <a:prstDash val="solid"/>
+            <a:round/>
+            <a:headEnd type="none" w="med" len="med"/>
+            <a:tailEnd type="none" w="med" len="med"/>
+          </a:ln>
+        </p:spPr>
+      </p:cxnSp>
+      <p:sp>
+        <p:nvSpPr>
+          <p:cNvPr id="4" name="TextBox 3"/>
+          <p:cNvSpPr txBox="1"/>
+          <p:nvPr/>
+        </p:nvSpPr>
+        <p:spPr>
+          <a:xfrm>
+            <a:off x="519952" y="35707"/>
+            <a:ext cx="726142" cy="523220"/>
+          </a:xfrm>
+          <a:prstGeom prst="rect">
+            <a:avLst/>
+          </a:prstGeom>
+          <a:noFill/>
+        </p:spPr>
+        <p:txBody>
+          <a:bodyPr wrap="square" rtlCol="0">
+            <a:spAutoFit/>
+          </a:bodyPr>
+          <a:lstStyle/>
+          <a:p>
+            <a:r>
+              <a:rPr lang="en-US" altLang="ko-KR" sz="2800" b="1" dirty="0" smtClean="0">
+                <a:latin typeface="+mj-ea"/>
+                <a:ea typeface="+mj-ea"/>
+              </a:rPr>
+              <a:t>03</a:t>
+            </a:r>
+            <a:endParaRPr lang="ko-KR" altLang="en-US" sz="2800" b="1" dirty="0">
+              <a:latin typeface="+mj-ea"/>
+              <a:ea typeface="+mj-ea"/>
+            </a:endParaRPr>
+          </a:p>
+        </p:txBody>
+      </p:sp>
+      <p:sp>
+        <p:nvSpPr>
+          <p:cNvPr id="5" name="Google Shape;260;p33"/>
+          <p:cNvSpPr txBox="1">
+            <a:spLocks/>
+          </p:cNvSpPr>
+          <p:nvPr/>
+        </p:nvSpPr>
+        <p:spPr>
+          <a:xfrm>
+            <a:off x="1129553" y="71713"/>
+            <a:ext cx="7216588" cy="451205"/>
+          </a:xfrm>
+          <a:prstGeom prst="rect">
+            <a:avLst/>
+          </a:prstGeom>
+          <a:noFill/>
+          <a:ln>
+            <a:noFill/>
+          </a:ln>
+        </p:spPr>
+        <p:txBody>
+          <a:bodyPr spcFirstLastPara="1" wrap="square" lIns="91425" tIns="91425" rIns="91425" bIns="91425" anchor="t" anchorCtr="0">
+            <a:noAutofit/>
+          </a:bodyPr>
+          <a:lstStyle>
+            <a:defPPr marR="0" lvl="0" algn="l" rtl="0">
+              <a:lnSpc>
+                <a:spcPct val="100000"/>
+              </a:lnSpc>
+              <a:spcBef>
+                <a:spcPts val="0"/>
+              </a:spcBef>
+              <a:spcAft>
+                <a:spcPts val="0"/>
+              </a:spcAft>
+            </a:defPPr>
+            <a:lvl1pPr marR="0" lvl="0" algn="ctr" rtl="0">
+              <a:lnSpc>
+                <a:spcPct val="100000"/>
+              </a:lnSpc>
+              <a:spcBef>
+                <a:spcPts val="0"/>
+              </a:spcBef>
+              <a:spcAft>
+                <a:spcPts val="0"/>
+              </a:spcAft>
+              <a:buClr>
+                <a:schemeClr val="dk1"/>
+              </a:buClr>
+              <a:buSzPts val="9600"/>
+              <a:buFont typeface="Poppins"/>
+              <a:buNone/>
+              <a:defRPr sz="6000" b="1" i="0" u="none" strike="noStrike" cap="none">
+                <a:solidFill>
+                  <a:schemeClr val="dk2"/>
+                </a:solidFill>
+                <a:latin typeface="Poppins"/>
+                <a:ea typeface="Poppins"/>
+                <a:cs typeface="Poppins"/>
+                <a:sym typeface="Poppins"/>
+              </a:defRPr>
+            </a:lvl1pPr>
+            <a:lvl2pPr marR="0" lvl="1" algn="ctr" rtl="0">
+              <a:lnSpc>
+                <a:spcPct val="100000"/>
+              </a:lnSpc>
+              <a:spcBef>
+                <a:spcPts val="0"/>
+              </a:spcBef>
+              <a:spcAft>
+                <a:spcPts val="0"/>
+              </a:spcAft>
+              <a:buClr>
+                <a:schemeClr val="dk1"/>
+              </a:buClr>
+              <a:buSzPts val="9600"/>
+              <a:buFont typeface="Poppins"/>
+              <a:buNone/>
+              <a:defRPr sz="9600" b="1" i="0" u="none" strike="noStrike" cap="none">
+                <a:solidFill>
+                  <a:schemeClr val="dk1"/>
+                </a:solidFill>
+                <a:latin typeface="Poppins"/>
+                <a:ea typeface="Poppins"/>
+                <a:cs typeface="Poppins"/>
+                <a:sym typeface="Poppins"/>
+              </a:defRPr>
+            </a:lvl2pPr>
+            <a:lvl3pPr marR="0" lvl="2" algn="ctr" rtl="0">
+              <a:lnSpc>
+                <a:spcPct val="100000"/>
+              </a:lnSpc>
+              <a:spcBef>
+                <a:spcPts val="0"/>
+              </a:spcBef>
+              <a:spcAft>
+                <a:spcPts val="0"/>
+              </a:spcAft>
+              <a:buClr>
+                <a:schemeClr val="dk1"/>
+              </a:buClr>
+              <a:buSzPts val="9600"/>
+              <a:buFont typeface="Poppins"/>
+              <a:buNone/>
+              <a:defRPr sz="9600" b="1" i="0" u="none" strike="noStrike" cap="none">
+                <a:solidFill>
+                  <a:schemeClr val="dk1"/>
+                </a:solidFill>
+                <a:latin typeface="Poppins"/>
+                <a:ea typeface="Poppins"/>
+                <a:cs typeface="Poppins"/>
+                <a:sym typeface="Poppins"/>
+              </a:defRPr>
+            </a:lvl3pPr>
+            <a:lvl4pPr marR="0" lvl="3" algn="ctr" rtl="0">
+              <a:lnSpc>
+                <a:spcPct val="100000"/>
+              </a:lnSpc>
+              <a:spcBef>
+                <a:spcPts val="0"/>
+              </a:spcBef>
+              <a:spcAft>
+                <a:spcPts val="0"/>
+              </a:spcAft>
+              <a:buClr>
+                <a:schemeClr val="dk1"/>
+              </a:buClr>
+              <a:buSzPts val="9600"/>
+              <a:buFont typeface="Poppins"/>
+              <a:buNone/>
+              <a:defRPr sz="9600" b="1" i="0" u="none" strike="noStrike" cap="none">
+                <a:solidFill>
+                  <a:schemeClr val="dk1"/>
+                </a:solidFill>
+                <a:latin typeface="Poppins"/>
+                <a:ea typeface="Poppins"/>
+                <a:cs typeface="Poppins"/>
+                <a:sym typeface="Poppins"/>
+              </a:defRPr>
+            </a:lvl4pPr>
+            <a:lvl5pPr marR="0" lvl="4" algn="ctr" rtl="0">
+              <a:lnSpc>
+                <a:spcPct val="100000"/>
+              </a:lnSpc>
+              <a:spcBef>
+                <a:spcPts val="0"/>
+              </a:spcBef>
+              <a:spcAft>
+                <a:spcPts val="0"/>
+              </a:spcAft>
+              <a:buClr>
+                <a:schemeClr val="dk1"/>
+              </a:buClr>
+              <a:buSzPts val="9600"/>
+              <a:buFont typeface="Poppins"/>
+              <a:buNone/>
+              <a:defRPr sz="9600" b="1" i="0" u="none" strike="noStrike" cap="none">
+                <a:solidFill>
+                  <a:schemeClr val="dk1"/>
+                </a:solidFill>
+                <a:latin typeface="Poppins"/>
+                <a:ea typeface="Poppins"/>
+                <a:cs typeface="Poppins"/>
+                <a:sym typeface="Poppins"/>
+              </a:defRPr>
+            </a:lvl5pPr>
+            <a:lvl6pPr marR="0" lvl="5" algn="ctr" rtl="0">
+              <a:lnSpc>
+                <a:spcPct val="100000"/>
+              </a:lnSpc>
+              <a:spcBef>
+                <a:spcPts val="0"/>
+              </a:spcBef>
+              <a:spcAft>
+                <a:spcPts val="0"/>
+              </a:spcAft>
+              <a:buClr>
+                <a:schemeClr val="dk1"/>
+              </a:buClr>
+              <a:buSzPts val="9600"/>
+              <a:buFont typeface="Poppins"/>
+              <a:buNone/>
+              <a:defRPr sz="9600" b="1" i="0" u="none" strike="noStrike" cap="none">
+                <a:solidFill>
+                  <a:schemeClr val="dk1"/>
+                </a:solidFill>
+                <a:latin typeface="Poppins"/>
+                <a:ea typeface="Poppins"/>
+                <a:cs typeface="Poppins"/>
+                <a:sym typeface="Poppins"/>
+              </a:defRPr>
+            </a:lvl6pPr>
+            <a:lvl7pPr marR="0" lvl="6" algn="ctr" rtl="0">
+              <a:lnSpc>
+                <a:spcPct val="100000"/>
+              </a:lnSpc>
+              <a:spcBef>
+                <a:spcPts val="0"/>
+              </a:spcBef>
+              <a:spcAft>
+                <a:spcPts val="0"/>
+              </a:spcAft>
+              <a:buClr>
+                <a:schemeClr val="dk1"/>
+              </a:buClr>
+              <a:buSzPts val="9600"/>
+              <a:buFont typeface="Poppins"/>
+              <a:buNone/>
+              <a:defRPr sz="9600" b="1" i="0" u="none" strike="noStrike" cap="none">
+                <a:solidFill>
+                  <a:schemeClr val="dk1"/>
+                </a:solidFill>
+                <a:latin typeface="Poppins"/>
+                <a:ea typeface="Poppins"/>
+                <a:cs typeface="Poppins"/>
+                <a:sym typeface="Poppins"/>
+              </a:defRPr>
+            </a:lvl7pPr>
+            <a:lvl8pPr marR="0" lvl="7" algn="ctr" rtl="0">
+              <a:lnSpc>
+                <a:spcPct val="100000"/>
+              </a:lnSpc>
+              <a:spcBef>
+                <a:spcPts val="0"/>
+              </a:spcBef>
+              <a:spcAft>
+                <a:spcPts val="0"/>
+              </a:spcAft>
+              <a:buClr>
+                <a:schemeClr val="dk1"/>
+              </a:buClr>
+              <a:buSzPts val="9600"/>
+              <a:buFont typeface="Poppins"/>
+              <a:buNone/>
+              <a:defRPr sz="9600" b="1" i="0" u="none" strike="noStrike" cap="none">
+                <a:solidFill>
+                  <a:schemeClr val="dk1"/>
+                </a:solidFill>
+                <a:latin typeface="Poppins"/>
+                <a:ea typeface="Poppins"/>
+                <a:cs typeface="Poppins"/>
+                <a:sym typeface="Poppins"/>
+              </a:defRPr>
+            </a:lvl8pPr>
+            <a:lvl9pPr marR="0" lvl="8" algn="ctr" rtl="0">
+              <a:lnSpc>
+                <a:spcPct val="100000"/>
+              </a:lnSpc>
+              <a:spcBef>
+                <a:spcPts val="0"/>
+              </a:spcBef>
+              <a:spcAft>
+                <a:spcPts val="0"/>
+              </a:spcAft>
+              <a:buClr>
+                <a:schemeClr val="dk1"/>
+              </a:buClr>
+              <a:buSzPts val="9600"/>
+              <a:buFont typeface="Poppins"/>
+              <a:buNone/>
+              <a:defRPr sz="9600" b="1" i="0" u="none" strike="noStrike" cap="none">
+                <a:solidFill>
+                  <a:schemeClr val="dk1"/>
+                </a:solidFill>
+                <a:latin typeface="Poppins"/>
+                <a:ea typeface="Poppins"/>
+                <a:cs typeface="Poppins"/>
+                <a:sym typeface="Poppins"/>
+              </a:defRPr>
+            </a:lvl9pPr>
+          </a:lstStyle>
+          <a:p>
+            <a:pPr algn="l"/>
+            <a:r>
+              <a:rPr lang="ko-KR" altLang="en-US" sz="2000" dirty="0" smtClean="0">
+                <a:solidFill>
+                  <a:schemeClr val="tx1"/>
+                </a:solidFill>
+                <a:latin typeface="+mj-ea"/>
+                <a:ea typeface="+mj-ea"/>
+              </a:rPr>
+              <a:t>분석 및 </a:t>
+            </a:r>
+            <a:r>
+              <a:rPr lang="ko-KR" altLang="en-US" sz="2000" dirty="0" err="1" smtClean="0">
+                <a:solidFill>
+                  <a:schemeClr val="tx1"/>
+                </a:solidFill>
+                <a:latin typeface="+mj-ea"/>
+                <a:ea typeface="+mj-ea"/>
+              </a:rPr>
+              <a:t>인사이트</a:t>
+            </a:r>
+            <a:r>
+              <a:rPr lang="ko-KR" altLang="en-US" sz="2000" dirty="0" smtClean="0">
+                <a:solidFill>
+                  <a:schemeClr val="tx1"/>
+                </a:solidFill>
+                <a:latin typeface="+mj-ea"/>
+                <a:ea typeface="+mj-ea"/>
+              </a:rPr>
+              <a:t> 도출 </a:t>
             </a:r>
             <a:r>
               <a:rPr lang="en-US" altLang="ko-KR" sz="2000" dirty="0" smtClean="0">
@@ -7255,7 +10921,7 @@
 </p:sld>
 </file>
 
-<file path=ppt/slides/slide11.xml><?xml version="1.0" encoding="utf-8"?>
+<file path=ppt/slides/slide16.xml><?xml version="1.0" encoding="utf-8"?>
 <p:sld xmlns:a="http://schemas.openxmlformats.org/drawingml/2006/main" xmlns:r="http://schemas.openxmlformats.org/officeDocument/2006/relationships" xmlns:p="http://schemas.openxmlformats.org/presentationml/2006/main">
   <p:cSld>
     <p:spTree>
@@ -7636,17 +11302,7 @@
                 <a:latin typeface="+mj-ea"/>
                 <a:ea typeface="+mj-ea"/>
               </a:rPr>
-              <a:t> </a:t>
-            </a:r>
-            <a:r>
-              <a:rPr lang="ko-KR" altLang="en-US" sz="2000" dirty="0" smtClean="0">
-                <a:solidFill>
-                  <a:schemeClr val="tx1"/>
-                </a:solidFill>
-                <a:latin typeface="+mj-ea"/>
-                <a:ea typeface="+mj-ea"/>
-              </a:rPr>
-              <a:t>도출 </a:t>
+              <a:t> 도출 </a:t>
             </a:r>
             <a:r>
               <a:rPr lang="en-US" altLang="ko-KR" sz="2000" dirty="0" smtClean="0">
@@ -7791,7 +11447,7 @@
         </p:blipFill>
         <p:spPr>
           <a:xfrm>
-            <a:off x="3237182" y="988577"/>
+            <a:off x="3320592" y="988577"/>
             <a:ext cx="2340000" cy="2109966"/>
           </a:xfrm>
           <a:prstGeom prst="rect">
@@ -8109,7 +11765,7 @@
 </p:sld>
 </file>
 
-<file path=ppt/slides/slide12.xml><?xml version="1.0" encoding="utf-8"?>
+<file path=ppt/slides/slide17.xml><?xml version="1.0" encoding="utf-8"?>
 <p:sld xmlns:a="http://schemas.openxmlformats.org/drawingml/2006/main" xmlns:r="http://schemas.openxmlformats.org/officeDocument/2006/relationships" xmlns:p="http://schemas.openxmlformats.org/presentationml/2006/main">
   <p:cSld>
     <p:spTree>
@@ -8514,17 +12170,7 @@
                 <a:latin typeface="+mj-ea"/>
                 <a:ea typeface="+mj-ea"/>
               </a:rPr>
-              <a:t> </a:t>
-            </a:r>
-            <a:r>
-              <a:rPr lang="ko-KR" altLang="en-US" sz="2000" dirty="0" smtClean="0">
-                <a:solidFill>
-                  <a:schemeClr val="tx1"/>
-                </a:solidFill>
-                <a:latin typeface="+mj-ea"/>
-                <a:ea typeface="+mj-ea"/>
-              </a:rPr>
-              <a:t>도출 </a:t>
+              <a:t> 도출 </a:t>
             </a:r>
             <a:r>
               <a:rPr lang="en-US" altLang="ko-KR" sz="2000" dirty="0" smtClean="0">
@@ -10113,32 +13759,6 @@
           <a:chExt cx="0" cy="0"/>
         </a:xfrm>
       </p:grpSpPr>
-      <p:cxnSp>
-        <p:nvCxnSpPr>
-          <p:cNvPr id="36" name="Google Shape;264;p33"/>
-          <p:cNvCxnSpPr/>
-          <p:nvPr/>
-        </p:nvCxnSpPr>
-        <p:spPr>
-          <a:xfrm flipH="1">
-            <a:off x="416779" y="576856"/>
-            <a:ext cx="8159510" cy="0"/>
-          </a:xfrm>
-          <a:prstGeom prst="straightConnector1">
-            <a:avLst/>
-          </a:prstGeom>
-          <a:noFill/>
-          <a:ln w="9525" cap="flat" cmpd="sng">
-            <a:solidFill>
-              <a:schemeClr val="dk1"/>
-            </a:solidFill>
-            <a:prstDash val="solid"/>
-            <a:round/>
-            <a:headEnd type="none" w="med" len="med"/>
-            <a:tailEnd type="none" w="med" len="med"/>
-          </a:ln>
-        </p:spPr>
-      </p:cxnSp>
       <p:sp>
         <p:nvSpPr>
           <p:cNvPr id="17" name="TextBox 16"/>
@@ -10147,8 +13767,8 @@
         </p:nvSpPr>
         <p:spPr>
           <a:xfrm>
-            <a:off x="883023" y="1260104"/>
-            <a:ext cx="7530353" cy="2800767"/>
+            <a:off x="883023" y="1000127"/>
+            <a:ext cx="7530353" cy="4062651"/>
           </a:xfrm>
           <a:prstGeom prst="rect">
             <a:avLst/>
@@ -10201,20 +13821,17 @@
               <a:buFont typeface="Arial" panose="020B0604020202020204" pitchFamily="34" charset="0"/>
               <a:buChar char="•"/>
             </a:pPr>
-            <a:endParaRPr lang="en-US" altLang="ko-KR" b="1" dirty="0">
-              <a:latin typeface="+mn-ea"/>
-            </a:endParaRPr>
-          </a:p>
-          <a:p>
-            <a:pPr marL="285750" indent="-285750">
-              <a:buFont typeface="Arial" panose="020B0604020202020204" pitchFamily="34" charset="0"/>
-              <a:buChar char="•"/>
-            </a:pPr>
+            <a:r>
+              <a:rPr lang="ko-KR" altLang="en-US" b="1" dirty="0" smtClean="0">
+                <a:latin typeface="+mn-ea"/>
+              </a:rPr>
+              <a:t>날씨 </a:t>
+            </a:r>
             <a:r>
               <a:rPr lang="ko-KR" altLang="en-US" b="1" dirty="0">
                 <a:latin typeface="+mn-ea"/>
               </a:rPr>
-              <a:t>날씨 데이터와 동일하게 등급을 메기고</a:t>
+              <a:t>데이터와 동일하게 등급을 메기고</a:t>
             </a:r>
             <a:r>
               <a:rPr lang="en-US" altLang="ko-KR" b="1" dirty="0">
@@ -10223,16 +13840,16 @@
               <a:t>, </a:t>
             </a:r>
             <a:r>
-              <a:rPr lang="ko-KR" altLang="en-US" b="1" dirty="0" err="1">
-                <a:latin typeface="+mn-ea"/>
-              </a:rPr>
-              <a:t>순서있는</a:t>
+              <a:rPr lang="ko-KR" altLang="en-US" b="1" dirty="0" smtClean="0">
+                <a:latin typeface="+mn-ea"/>
+              </a:rPr>
+              <a:t>순서 있는 </a:t>
             </a:r>
             <a:r>
               <a:rPr lang="ko-KR" altLang="en-US" b="1" dirty="0">
                 <a:latin typeface="+mn-ea"/>
               </a:rPr>
-              <a:t> 범주화</a:t>
+              <a:t>범주화</a:t>
             </a:r>
             <a:endParaRPr lang="en-US" altLang="ko-KR" b="1" dirty="0">
               <a:latin typeface="+mn-ea"/>
@@ -10252,7 +13869,52 @@
               <a:buFont typeface="Arial" panose="020B0604020202020204" pitchFamily="34" charset="0"/>
               <a:buChar char="•"/>
             </a:pPr>
-            <a:endParaRPr lang="en-US" altLang="ko-KR" b="1" dirty="0">
+            <a:r>
+              <a:rPr lang="ko-KR" altLang="en-US" b="1" dirty="0" err="1" smtClean="0">
+                <a:latin typeface="+mn-ea"/>
+              </a:rPr>
+              <a:t>결측치</a:t>
+            </a:r>
+            <a:r>
+              <a:rPr lang="en-US" altLang="ko-KR" b="1" dirty="0" smtClean="0">
+                <a:latin typeface="+mn-ea"/>
+              </a:rPr>
+              <a:t> </a:t>
+            </a:r>
+            <a:r>
+              <a:rPr lang="en-US" altLang="ko-KR" sz="1200" b="1" dirty="0" smtClean="0">
+                <a:latin typeface="+mn-ea"/>
+              </a:rPr>
+              <a:t>- </a:t>
+            </a:r>
+            <a:r>
+              <a:rPr lang="ko-KR" altLang="en-US" sz="1200" b="1" dirty="0">
+                <a:latin typeface="+mn-ea"/>
+              </a:rPr>
+              <a:t>행을 </a:t>
+            </a:r>
+            <a:r>
+              <a:rPr lang="ko-KR" altLang="en-US" sz="1200" b="1" dirty="0" smtClean="0">
+                <a:latin typeface="+mn-ea"/>
+              </a:rPr>
+              <a:t>삭제</a:t>
+            </a:r>
+            <a:endParaRPr lang="en-US" altLang="ko-KR" sz="1200" b="1" dirty="0" smtClean="0">
+              <a:latin typeface="+mn-ea"/>
+            </a:endParaRPr>
+          </a:p>
+          <a:p>
+            <a:endParaRPr lang="en-US" altLang="ko-KR" sz="1200" b="1" dirty="0" smtClean="0">
+              <a:latin typeface="+mn-ea"/>
+            </a:endParaRPr>
+          </a:p>
+          <a:p>
+            <a:endParaRPr lang="en-US" altLang="ko-KR" sz="1200" b="1" dirty="0">
+              <a:latin typeface="+mn-ea"/>
+            </a:endParaRPr>
+          </a:p>
+          <a:p>
+            <a:endParaRPr lang="en-US" altLang="ko-KR" sz="1200" b="1" dirty="0" smtClean="0">
               <a:latin typeface="+mn-ea"/>
             </a:endParaRPr>
           </a:p>
@@ -10261,35 +13923,7 @@
               <a:buFont typeface="Arial" panose="020B0604020202020204" pitchFamily="34" charset="0"/>
               <a:buChar char="•"/>
             </a:pPr>
-            <a:r>
-              <a:rPr lang="ko-KR" altLang="en-US" b="1" dirty="0" err="1">
-                <a:latin typeface="+mn-ea"/>
-              </a:rPr>
-              <a:t>결측치</a:t>
-            </a:r>
-            <a:endParaRPr lang="en-US" altLang="ko-KR" b="1" dirty="0">
-              <a:latin typeface="+mn-ea"/>
-            </a:endParaRPr>
-          </a:p>
-          <a:p>
-            <a:r>
-              <a:rPr lang="en-US" altLang="ko-KR" sz="1200" b="1" dirty="0">
-                <a:latin typeface="+mn-ea"/>
-              </a:rPr>
-              <a:t>	- </a:t>
-            </a:r>
-            <a:r>
-              <a:rPr lang="ko-KR" altLang="en-US" sz="1200" b="1" dirty="0">
-                <a:latin typeface="+mn-ea"/>
-              </a:rPr>
-              <a:t>행을 삭제</a:t>
-            </a:r>
-            <a:endParaRPr lang="en-US" altLang="ko-KR" sz="1200" b="1" dirty="0">
-              <a:latin typeface="+mn-ea"/>
-            </a:endParaRPr>
-          </a:p>
-          <a:p>
-            <a:endParaRPr lang="en-US" altLang="ko-KR" sz="1200" b="1" dirty="0">
+            <a:endParaRPr lang="en-US" altLang="ko-KR" b="1" dirty="0" smtClean="0">
               <a:latin typeface="+mn-ea"/>
             </a:endParaRPr>
           </a:p>
@@ -10307,162 +13941,343 @@
               <a:buFont typeface="Arial" panose="020B0604020202020204" pitchFamily="34" charset="0"/>
               <a:buChar char="•"/>
             </a:pPr>
-            <a:r>
-              <a:rPr lang="ko-KR" altLang="en-US" b="1" dirty="0">
-                <a:latin typeface="+mn-ea"/>
-              </a:rPr>
-              <a:t>대중교통의 모든 컬럼의 승객 수</a:t>
-            </a:r>
-            <a:r>
-              <a:rPr lang="en-US" altLang="ko-KR" b="1" dirty="0">
-                <a:latin typeface="+mn-ea"/>
-              </a:rPr>
-              <a:t>, </a:t>
-            </a:r>
-            <a:r>
-              <a:rPr lang="ko-KR" altLang="en-US" b="1" dirty="0">
-                <a:latin typeface="+mn-ea"/>
-              </a:rPr>
-              <a:t>미세먼지 농고</a:t>
-            </a:r>
-            <a:r>
-              <a:rPr lang="en-US" altLang="ko-KR" b="1" dirty="0">
-                <a:latin typeface="+mn-ea"/>
-              </a:rPr>
-              <a:t>, </a:t>
-            </a:r>
-            <a:r>
-              <a:rPr lang="ko-KR" altLang="en-US" b="1" dirty="0">
-                <a:latin typeface="+mn-ea"/>
-              </a:rPr>
-              <a:t>강수량</a:t>
-            </a:r>
-            <a:r>
-              <a:rPr lang="en-US" altLang="ko-KR" b="1" dirty="0">
-                <a:latin typeface="+mn-ea"/>
-              </a:rPr>
-              <a:t>, </a:t>
-            </a:r>
-            <a:r>
-              <a:rPr lang="ko-KR" altLang="en-US" b="1" dirty="0">
-                <a:latin typeface="+mn-ea"/>
-              </a:rPr>
-              <a:t>적설량</a:t>
-            </a:r>
-            <a:r>
-              <a:rPr lang="en-US" altLang="ko-KR" b="1" dirty="0">
-                <a:latin typeface="+mn-ea"/>
-              </a:rPr>
-              <a:t> </a:t>
-            </a:r>
-            <a:r>
-              <a:rPr lang="ko-KR" altLang="en-US" b="1" dirty="0">
-                <a:latin typeface="+mn-ea"/>
-              </a:rPr>
-              <a:t>최소</a:t>
-            </a:r>
-            <a:r>
-              <a:rPr lang="en-US" altLang="ko-KR" b="1" dirty="0">
-                <a:latin typeface="+mn-ea"/>
-              </a:rPr>
-              <a:t>-</a:t>
-            </a:r>
-            <a:r>
-              <a:rPr lang="ko-KR" altLang="en-US" b="1" dirty="0">
-                <a:latin typeface="+mn-ea"/>
-              </a:rPr>
-              <a:t>최대 정규화</a:t>
-            </a:r>
+            <a:endParaRPr lang="en-US" altLang="ko-KR" b="1" dirty="0" smtClean="0">
+              <a:latin typeface="+mn-ea"/>
+            </a:endParaRPr>
+          </a:p>
+          <a:p>
+            <a:pPr marL="285750" indent="-285750">
+              <a:buFont typeface="Arial" panose="020B0604020202020204" pitchFamily="34" charset="0"/>
+              <a:buChar char="•"/>
+            </a:pPr>
             <a:endParaRPr lang="en-US" altLang="ko-KR" b="1" dirty="0">
               <a:latin typeface="+mn-ea"/>
             </a:endParaRPr>
           </a:p>
           <a:p>
-            <a:pPr lvl="1"/>
-            <a:r>
-              <a:rPr lang="en-US" altLang="ko-KR" sz="1200" b="1" dirty="0">
-                <a:latin typeface="+mn-ea"/>
-              </a:rPr>
-              <a:t>	-  </a:t>
-            </a:r>
-            <a:r>
-              <a:rPr lang="ko-KR" altLang="en-US" sz="1200" b="1" dirty="0">
-                <a:latin typeface="+mn-ea"/>
-              </a:rPr>
-              <a:t>기온이 보통 </a:t>
-            </a:r>
-            <a:r>
-              <a:rPr lang="en-US" altLang="ko-KR" sz="1200" b="1" dirty="0">
-                <a:latin typeface="+mn-ea"/>
-              </a:rPr>
-              <a:t>-15 ~ 35</a:t>
-            </a:r>
-            <a:r>
-              <a:rPr lang="ko-KR" altLang="en-US" sz="1200" b="1" dirty="0">
-                <a:latin typeface="+mn-ea"/>
-              </a:rPr>
-              <a:t>사이이므로</a:t>
-            </a:r>
-            <a:r>
-              <a:rPr lang="en-US" altLang="ko-KR" sz="1200" b="1" dirty="0">
+            <a:pPr marL="285750" indent="-285750">
+              <a:buFont typeface="Arial" panose="020B0604020202020204" pitchFamily="34" charset="0"/>
+              <a:buChar char="•"/>
+            </a:pPr>
+            <a:endParaRPr lang="en-US" altLang="ko-KR" b="1" dirty="0" smtClean="0">
+              <a:latin typeface="+mn-ea"/>
+            </a:endParaRPr>
+          </a:p>
+          <a:p>
+            <a:pPr marL="285750" indent="-285750">
+              <a:buFont typeface="Arial" panose="020B0604020202020204" pitchFamily="34" charset="0"/>
+              <a:buChar char="•"/>
+            </a:pPr>
+            <a:endParaRPr lang="en-US" altLang="ko-KR" b="1" dirty="0">
+              <a:latin typeface="+mn-ea"/>
+            </a:endParaRPr>
+          </a:p>
+          <a:p>
+            <a:pPr marL="285750" indent="-285750">
+              <a:buFont typeface="Arial" panose="020B0604020202020204" pitchFamily="34" charset="0"/>
+              <a:buChar char="•"/>
+            </a:pPr>
+            <a:endParaRPr lang="en-US" altLang="ko-KR" b="1" dirty="0" smtClean="0">
+              <a:latin typeface="+mn-ea"/>
+            </a:endParaRPr>
+          </a:p>
+          <a:p>
+            <a:pPr marL="285750" indent="-285750">
+              <a:buFont typeface="Arial" panose="020B0604020202020204" pitchFamily="34" charset="0"/>
+              <a:buChar char="•"/>
+            </a:pPr>
+            <a:r>
+              <a:rPr lang="ko-KR" altLang="en-US" b="1" dirty="0" smtClean="0">
+                <a:latin typeface="+mn-ea"/>
+              </a:rPr>
+              <a:t>대중교통 승객과 날씨 데이터가 </a:t>
+            </a:r>
+            <a:r>
+              <a:rPr lang="ko-KR" altLang="en-US" b="1" dirty="0" err="1" smtClean="0">
+                <a:latin typeface="+mn-ea"/>
+              </a:rPr>
+              <a:t>정규분포가</a:t>
+            </a:r>
+            <a:r>
+              <a:rPr lang="ko-KR" altLang="en-US" b="1" dirty="0" smtClean="0">
+                <a:latin typeface="+mn-ea"/>
+              </a:rPr>
+              <a:t> 아니라고 판단</a:t>
+            </a:r>
+            <a:endParaRPr lang="en-US" altLang="ko-KR" b="1" dirty="0" smtClean="0">
+              <a:latin typeface="+mn-ea"/>
+            </a:endParaRPr>
+          </a:p>
+          <a:p>
+            <a:pPr marL="285750" indent="-285750">
+              <a:buFont typeface="Arial" panose="020B0604020202020204" pitchFamily="34" charset="0"/>
+              <a:buChar char="•"/>
+            </a:pPr>
+            <a:endParaRPr lang="en-US" altLang="ko-KR" b="1" dirty="0" smtClean="0">
+              <a:latin typeface="+mn-ea"/>
+            </a:endParaRPr>
+          </a:p>
+          <a:p>
+            <a:pPr marL="285750" indent="-285750">
+              <a:buFont typeface="Arial" panose="020B0604020202020204" pitchFamily="34" charset="0"/>
+              <a:buChar char="•"/>
+            </a:pPr>
+            <a:r>
+              <a:rPr lang="ko-KR" altLang="en-US" b="1" dirty="0" smtClean="0">
+                <a:latin typeface="+mn-ea"/>
+              </a:rPr>
+              <a:t>대중교통의 모든 컬럼의 승객 수</a:t>
+            </a:r>
+            <a:r>
+              <a:rPr lang="en-US" altLang="ko-KR" b="1" dirty="0" smtClean="0">
                 <a:latin typeface="+mn-ea"/>
               </a:rPr>
               <a:t>, </a:t>
             </a:r>
             <a:r>
-              <a:rPr lang="ko-KR" altLang="en-US" sz="1200" b="1" dirty="0">
+              <a:rPr lang="ko-KR" altLang="en-US" b="1" dirty="0" smtClean="0">
+                <a:latin typeface="+mn-ea"/>
+              </a:rPr>
+              <a:t>미세먼지 농고</a:t>
+            </a:r>
+            <a:r>
+              <a:rPr lang="en-US" altLang="ko-KR" b="1" dirty="0" smtClean="0">
+                <a:latin typeface="+mn-ea"/>
+              </a:rPr>
+              <a:t>, </a:t>
+            </a:r>
+            <a:r>
+              <a:rPr lang="ko-KR" altLang="en-US" b="1" dirty="0" smtClean="0">
+                <a:latin typeface="+mn-ea"/>
+              </a:rPr>
+              <a:t>강수량</a:t>
+            </a:r>
+            <a:r>
+              <a:rPr lang="en-US" altLang="ko-KR" b="1" dirty="0" smtClean="0">
+                <a:latin typeface="+mn-ea"/>
+              </a:rPr>
+              <a:t>, </a:t>
+            </a:r>
+            <a:r>
+              <a:rPr lang="ko-KR" altLang="en-US" b="1" dirty="0" smtClean="0">
+                <a:latin typeface="+mn-ea"/>
+              </a:rPr>
+              <a:t>적설량</a:t>
+            </a:r>
+            <a:r>
+              <a:rPr lang="en-US" altLang="ko-KR" b="1" dirty="0" smtClean="0">
+                <a:latin typeface="+mn-ea"/>
+              </a:rPr>
+              <a:t> </a:t>
+            </a:r>
+            <a:r>
+              <a:rPr lang="ko-KR" altLang="en-US" b="1" dirty="0" smtClean="0">
                 <a:latin typeface="+mn-ea"/>
               </a:rPr>
               <a:t>최소</a:t>
             </a:r>
             <a:r>
-              <a:rPr lang="en-US" altLang="ko-KR" sz="1200" b="1" dirty="0">
+              <a:rPr lang="en-US" altLang="ko-KR" b="1" dirty="0" smtClean="0">
                 <a:latin typeface="+mn-ea"/>
               </a:rPr>
               <a:t>-</a:t>
             </a:r>
             <a:r>
-              <a:rPr lang="ko-KR" altLang="en-US" sz="1200" b="1" dirty="0">
-                <a:latin typeface="+mn-ea"/>
-              </a:rPr>
-              <a:t>최대 정규화 시 </a:t>
-            </a:r>
-            <a:r>
-              <a:rPr lang="en-US" altLang="ko-KR" sz="1200" b="1" dirty="0">
-                <a:latin typeface="+mn-ea"/>
-              </a:rPr>
-              <a:t>0~1 </a:t>
-            </a:r>
-            <a:r>
-              <a:rPr lang="ko-KR" altLang="en-US" sz="1200" b="1" dirty="0">
-                <a:latin typeface="+mn-ea"/>
-              </a:rPr>
-              <a:t>대신 </a:t>
-            </a:r>
-            <a:r>
-              <a:rPr lang="en-US" altLang="ko-KR" sz="1200" b="1" dirty="0">
-                <a:latin typeface="+mn-ea"/>
-              </a:rPr>
-              <a:t>0 ~ 50</a:t>
-            </a:r>
-            <a:r>
-              <a:rPr lang="ko-KR" altLang="en-US" sz="1200" b="1" dirty="0">
-                <a:latin typeface="+mn-ea"/>
-              </a:rPr>
-              <a:t>으로 함</a:t>
-            </a:r>
-            <a:endParaRPr lang="en-US" altLang="ko-KR" sz="1200" b="1" dirty="0">
+              <a:rPr lang="ko-KR" altLang="en-US" b="1" dirty="0" smtClean="0">
+                <a:latin typeface="+mn-ea"/>
+              </a:rPr>
+              <a:t>최대 정규화</a:t>
+            </a:r>
+            <a:endParaRPr lang="en-US" altLang="ko-KR" b="1" dirty="0" smtClean="0">
               <a:latin typeface="+mn-ea"/>
             </a:endParaRPr>
           </a:p>
           <a:p>
             <a:pPr lvl="1"/>
+            <a:r>
+              <a:rPr lang="en-US" altLang="ko-KR" sz="1200" b="1" dirty="0" smtClean="0">
+                <a:latin typeface="+mn-ea"/>
+              </a:rPr>
+              <a:t>	-  </a:t>
+            </a:r>
+            <a:r>
+              <a:rPr lang="ko-KR" altLang="en-US" sz="1200" b="1" dirty="0" smtClean="0">
+                <a:latin typeface="+mn-ea"/>
+              </a:rPr>
+              <a:t>기온이 보통 </a:t>
+            </a:r>
+            <a:r>
+              <a:rPr lang="en-US" altLang="ko-KR" sz="1200" b="1" dirty="0" smtClean="0">
+                <a:latin typeface="+mn-ea"/>
+              </a:rPr>
+              <a:t>-15 ~ 35</a:t>
+            </a:r>
+            <a:r>
+              <a:rPr lang="ko-KR" altLang="en-US" sz="1200" b="1" dirty="0" smtClean="0">
+                <a:latin typeface="+mn-ea"/>
+              </a:rPr>
+              <a:t>사이이므로</a:t>
+            </a:r>
+            <a:r>
+              <a:rPr lang="en-US" altLang="ko-KR" sz="1200" b="1" dirty="0" smtClean="0">
+                <a:latin typeface="+mn-ea"/>
+              </a:rPr>
+              <a:t>, </a:t>
+            </a:r>
+            <a:r>
+              <a:rPr lang="ko-KR" altLang="en-US" sz="1200" b="1" dirty="0" smtClean="0">
+                <a:latin typeface="+mn-ea"/>
+              </a:rPr>
+              <a:t>최소</a:t>
+            </a:r>
+            <a:r>
+              <a:rPr lang="en-US" altLang="ko-KR" sz="1200" b="1" dirty="0" smtClean="0">
+                <a:latin typeface="+mn-ea"/>
+              </a:rPr>
+              <a:t>-</a:t>
+            </a:r>
+            <a:r>
+              <a:rPr lang="ko-KR" altLang="en-US" sz="1200" b="1" dirty="0" smtClean="0">
+                <a:latin typeface="+mn-ea"/>
+              </a:rPr>
+              <a:t>최대 정규화 시 </a:t>
+            </a:r>
+            <a:r>
+              <a:rPr lang="en-US" altLang="ko-KR" sz="1200" b="1" dirty="0" smtClean="0">
+                <a:latin typeface="+mn-ea"/>
+              </a:rPr>
+              <a:t>0~1 </a:t>
+            </a:r>
+            <a:r>
+              <a:rPr lang="ko-KR" altLang="en-US" sz="1200" b="1" dirty="0" smtClean="0">
+                <a:latin typeface="+mn-ea"/>
+              </a:rPr>
+              <a:t>대신 </a:t>
+            </a:r>
+            <a:r>
+              <a:rPr lang="en-US" altLang="ko-KR" sz="1200" b="1" dirty="0" smtClean="0">
+                <a:latin typeface="+mn-ea"/>
+              </a:rPr>
+              <a:t>0 ~ 50</a:t>
+            </a:r>
+            <a:r>
+              <a:rPr lang="ko-KR" altLang="en-US" sz="1200" b="1" dirty="0" smtClean="0">
+                <a:latin typeface="+mn-ea"/>
+              </a:rPr>
+              <a:t>으로 함</a:t>
+            </a:r>
             <a:endParaRPr lang="ko-KR" altLang="en-US" b="1" dirty="0">
               <a:latin typeface="+mn-ea"/>
             </a:endParaRPr>
           </a:p>
         </p:txBody>
       </p:sp>
+      <p:sp>
+        <p:nvSpPr>
+          <p:cNvPr id="5" name="오른쪽 화살표 4"/>
+          <p:cNvSpPr/>
+          <p:nvPr/>
+        </p:nvSpPr>
+        <p:spPr>
+          <a:xfrm>
+            <a:off x="3483166" y="2938135"/>
+            <a:ext cx="2469917" cy="970952"/>
+          </a:xfrm>
+          <a:prstGeom prst="rightArrow">
+            <a:avLst/>
+          </a:prstGeom>
+        </p:spPr>
+        <p:style>
+          <a:lnRef idx="2">
+            <a:schemeClr val="accent1">
+              <a:shade val="50000"/>
+            </a:schemeClr>
+          </a:lnRef>
+          <a:fillRef idx="1">
+            <a:schemeClr val="accent1"/>
+          </a:fillRef>
+          <a:effectRef idx="0">
+            <a:schemeClr val="accent1"/>
+          </a:effectRef>
+          <a:fontRef idx="minor">
+            <a:schemeClr val="lt1"/>
+          </a:fontRef>
+        </p:style>
+        <p:txBody>
+          <a:bodyPr rtlCol="0" anchor="ctr"/>
+          <a:lstStyle/>
+          <a:p>
+            <a:pPr algn="ctr"/>
+            <a:endParaRPr lang="ko-KR" altLang="en-US"/>
+          </a:p>
+        </p:txBody>
+      </p:sp>
+      <p:sp>
+        <p:nvSpPr>
+          <p:cNvPr id="18" name="오른쪽 화살표 17"/>
+          <p:cNvSpPr/>
+          <p:nvPr/>
+        </p:nvSpPr>
+        <p:spPr>
+          <a:xfrm rot="10800000">
+            <a:off x="3232892" y="2090471"/>
+            <a:ext cx="2540378" cy="970952"/>
+          </a:xfrm>
+          <a:prstGeom prst="rightArrow">
+            <a:avLst/>
+          </a:prstGeom>
+        </p:spPr>
+        <p:style>
+          <a:lnRef idx="2">
+            <a:schemeClr val="accent1">
+              <a:shade val="50000"/>
+            </a:schemeClr>
+          </a:lnRef>
+          <a:fillRef idx="1">
+            <a:schemeClr val="accent1"/>
+          </a:fillRef>
+          <a:effectRef idx="0">
+            <a:schemeClr val="accent1"/>
+          </a:effectRef>
+          <a:fontRef idx="minor">
+            <a:schemeClr val="lt1"/>
+          </a:fontRef>
+        </p:style>
+        <p:txBody>
+          <a:bodyPr rtlCol="0" anchor="ctr"/>
+          <a:lstStyle/>
+          <a:p>
+            <a:pPr algn="ctr"/>
+            <a:endParaRPr lang="ko-KR" altLang="en-US"/>
+          </a:p>
+        </p:txBody>
+      </p:sp>
+      <p:cxnSp>
+        <p:nvCxnSpPr>
+          <p:cNvPr id="36" name="Google Shape;264;p33"/>
+          <p:cNvCxnSpPr/>
+          <p:nvPr/>
+        </p:nvCxnSpPr>
+        <p:spPr>
+          <a:xfrm flipH="1">
+            <a:off x="416779" y="576856"/>
+            <a:ext cx="8159510" cy="0"/>
+          </a:xfrm>
+          <a:prstGeom prst="straightConnector1">
+            <a:avLst/>
+          </a:prstGeom>
+          <a:noFill/>
+          <a:ln w="9525" cap="flat" cmpd="sng">
+            <a:solidFill>
+              <a:schemeClr val="dk1"/>
+            </a:solidFill>
+            <a:prstDash val="solid"/>
+            <a:round/>
+            <a:headEnd type="none" w="med" len="med"/>
+            <a:tailEnd type="none" w="med" len="med"/>
+          </a:ln>
+        </p:spPr>
+      </p:cxnSp>
       <p:sp>
         <p:nvSpPr>
           <p:cNvPr id="20" name="TextBox 19"/>
@@ -10828,6 +14643,170 @@
               <a:t>:</a:t>
             </a:r>
             <a:endParaRPr lang="ko-KR" altLang="en-US" sz="1800" b="1" dirty="0">
+              <a:latin typeface="+mn-ea"/>
+            </a:endParaRPr>
+          </a:p>
+        </p:txBody>
+      </p:sp>
+      <p:pic>
+        <p:nvPicPr>
+          <p:cNvPr id="2" name="그림 1"/>
+          <p:cNvPicPr>
+            <a:picLocks noChangeAspect="1"/>
+          </p:cNvPicPr>
+          <p:nvPr/>
+        </p:nvPicPr>
+        <p:blipFill>
+          <a:blip r:embed="rId3"/>
+          <a:stretch>
+            <a:fillRect/>
+          </a:stretch>
+        </p:blipFill>
+        <p:spPr>
+          <a:xfrm>
+            <a:off x="883023" y="2172434"/>
+            <a:ext cx="2232809" cy="1800000"/>
+          </a:xfrm>
+          <a:prstGeom prst="rect">
+            <a:avLst/>
+          </a:prstGeom>
+        </p:spPr>
+      </p:pic>
+      <p:pic>
+        <p:nvPicPr>
+          <p:cNvPr id="3" name="그림 2"/>
+          <p:cNvPicPr>
+            <a:picLocks noChangeAspect="1"/>
+          </p:cNvPicPr>
+          <p:nvPr/>
+        </p:nvPicPr>
+        <p:blipFill>
+          <a:blip r:embed="rId4"/>
+          <a:stretch>
+            <a:fillRect/>
+          </a:stretch>
+        </p:blipFill>
+        <p:spPr>
+          <a:xfrm>
+            <a:off x="6032866" y="2172434"/>
+            <a:ext cx="2380510" cy="1800000"/>
+          </a:xfrm>
+          <a:prstGeom prst="rect">
+            <a:avLst/>
+          </a:prstGeom>
+        </p:spPr>
+      </p:pic>
+      <p:sp>
+        <p:nvSpPr>
+          <p:cNvPr id="10" name="TextBox 9"/>
+          <p:cNvSpPr txBox="1"/>
+          <p:nvPr/>
+        </p:nvSpPr>
+        <p:spPr>
+          <a:xfrm>
+            <a:off x="3214254" y="2314337"/>
+            <a:ext cx="2720193" cy="523220"/>
+          </a:xfrm>
+          <a:prstGeom prst="rect">
+            <a:avLst/>
+          </a:prstGeom>
+          <a:noFill/>
+        </p:spPr>
+        <p:txBody>
+          <a:bodyPr wrap="square" rtlCol="0">
+            <a:spAutoFit/>
+          </a:bodyPr>
+          <a:lstStyle/>
+          <a:p>
+            <a:r>
+              <a:rPr lang="ko-KR" altLang="en-US" b="1" dirty="0" smtClean="0">
+                <a:latin typeface="+mn-ea"/>
+              </a:rPr>
+              <a:t>대중교통 이용객의</a:t>
+            </a:r>
+            <a:endParaRPr lang="en-US" altLang="ko-KR" b="1" dirty="0" smtClean="0">
+              <a:latin typeface="+mn-ea"/>
+            </a:endParaRPr>
+          </a:p>
+          <a:p>
+            <a:r>
+              <a:rPr lang="ko-KR" altLang="en-US" b="1" dirty="0" smtClean="0">
+                <a:latin typeface="+mn-ea"/>
+              </a:rPr>
+              <a:t>밀도추정그래프 </a:t>
+            </a:r>
+            <a:endParaRPr lang="ko-KR" altLang="en-US" b="1" dirty="0">
+              <a:latin typeface="+mn-ea"/>
+            </a:endParaRPr>
+          </a:p>
+        </p:txBody>
+      </p:sp>
+      <p:sp>
+        <p:nvSpPr>
+          <p:cNvPr id="11" name="TextBox 10"/>
+          <p:cNvSpPr txBox="1"/>
+          <p:nvPr/>
+        </p:nvSpPr>
+        <p:spPr>
+          <a:xfrm>
+            <a:off x="3214252" y="3162001"/>
+            <a:ext cx="2720193" cy="523220"/>
+          </a:xfrm>
+          <a:prstGeom prst="rect">
+            <a:avLst/>
+          </a:prstGeom>
+          <a:noFill/>
+        </p:spPr>
+        <p:txBody>
+          <a:bodyPr wrap="square" rtlCol="0">
+            <a:spAutoFit/>
+          </a:bodyPr>
+          <a:lstStyle/>
+          <a:p>
+            <a:pPr algn="r"/>
+            <a:r>
+              <a:rPr lang="ko-KR" altLang="en-US" b="1" dirty="0" smtClean="0">
+                <a:latin typeface="+mn-ea"/>
+              </a:rPr>
+              <a:t>미세먼지농도</a:t>
+            </a:r>
+            <a:r>
+              <a:rPr lang="en-US" altLang="ko-KR" b="1" dirty="0" smtClean="0">
+                <a:latin typeface="+mn-ea"/>
+              </a:rPr>
+              <a:t>, </a:t>
+            </a:r>
+            <a:r>
+              <a:rPr lang="ko-KR" altLang="en-US" b="1" dirty="0" smtClean="0">
+                <a:latin typeface="+mn-ea"/>
+              </a:rPr>
+              <a:t>강수량</a:t>
+            </a:r>
+            <a:r>
+              <a:rPr lang="en-US" altLang="ko-KR" b="1" dirty="0" smtClean="0">
+                <a:latin typeface="+mn-ea"/>
+              </a:rPr>
+              <a:t>, </a:t>
+            </a:r>
+            <a:r>
+              <a:rPr lang="ko-KR" altLang="en-US" b="1" dirty="0" smtClean="0">
+                <a:latin typeface="+mn-ea"/>
+              </a:rPr>
+              <a:t>적설량의</a:t>
+            </a:r>
+            <a:endParaRPr lang="en-US" altLang="ko-KR" b="1" dirty="0" smtClean="0">
+              <a:latin typeface="+mn-ea"/>
+            </a:endParaRPr>
+          </a:p>
+          <a:p>
+            <a:pPr algn="r"/>
+            <a:r>
+              <a:rPr lang="ko-KR" altLang="en-US" b="1" dirty="0" smtClean="0">
+                <a:latin typeface="+mn-ea"/>
+              </a:rPr>
+              <a:t>밀도추정그래프</a:t>
+            </a:r>
+            <a:endParaRPr lang="ko-KR" altLang="en-US" b="1" dirty="0">
               <a:latin typeface="+mn-ea"/>
             </a:endParaRPr>
           </a:p>
@@ -11553,17 +15532,7 @@
                 <a:latin typeface="+mj-ea"/>
                 <a:ea typeface="+mj-ea"/>
               </a:rPr>
-              <a:t> </a:t>
-            </a:r>
-            <a:r>
-              <a:rPr lang="ko-KR" altLang="en-US" sz="2000" dirty="0" smtClean="0">
-                <a:solidFill>
-                  <a:schemeClr val="tx1"/>
-                </a:solidFill>
-                <a:latin typeface="+mj-ea"/>
-                <a:ea typeface="+mj-ea"/>
-              </a:rPr>
-              <a:t>도출 </a:t>
+              <a:t> 도출 </a:t>
             </a:r>
             <a:r>
               <a:rPr lang="en-US" altLang="ko-KR" sz="2000" dirty="0" smtClean="0">
@@ -12186,17 +16155,7 @@
                 <a:latin typeface="+mj-ea"/>
                 <a:ea typeface="+mj-ea"/>
               </a:rPr>
-              <a:t> </a:t>
-            </a:r>
-            <a:r>
-              <a:rPr lang="ko-KR" altLang="en-US" sz="2000" dirty="0" smtClean="0">
-                <a:solidFill>
-                  <a:schemeClr val="tx1"/>
-                </a:solidFill>
-                <a:latin typeface="+mj-ea"/>
-                <a:ea typeface="+mj-ea"/>
-              </a:rPr>
-              <a:t>도출 </a:t>
+              <a:t> 도출 </a:t>
             </a:r>
             <a:r>
               <a:rPr lang="en-US" altLang="ko-KR" sz="2000" dirty="0" smtClean="0">
@@ -12564,6 +16523,13 @@
               <a:buChar char="•"/>
             </a:pPr>
             <a:r>
+              <a:rPr lang="ko-KR" altLang="en-US" b="1" dirty="0" smtClean="0">
+                <a:latin typeface="+mn-ea"/>
+                <a:ea typeface="+mn-ea"/>
+              </a:rPr>
+              <a:t>두 개 이상의 </a:t>
+            </a:r>
+            <a:r>
               <a:rPr lang="ko-KR" altLang="en-US" b="1" dirty="0" err="1" smtClean="0">
                 <a:latin typeface="+mn-ea"/>
                 <a:ea typeface="+mn-ea"/>
@@ -12996,17 +16962,7 @@
                 <a:latin typeface="+mj-ea"/>
                 <a:ea typeface="+mj-ea"/>
               </a:rPr>
-              <a:t> </a:t>
-            </a:r>
-            <a:r>
-              <a:rPr lang="ko-KR" altLang="en-US" sz="2000" dirty="0" smtClean="0">
-                <a:solidFill>
-                  <a:schemeClr val="tx1"/>
-                </a:solidFill>
-                <a:latin typeface="+mj-ea"/>
-                <a:ea typeface="+mj-ea"/>
-              </a:rPr>
-              <a:t>도출 </a:t>
+              <a:t> 도출 </a:t>
             </a:r>
             <a:r>
               <a:rPr lang="en-US" altLang="ko-KR" sz="2000" dirty="0" smtClean="0">
@@ -13439,17 +17395,7 @@
                 <a:latin typeface="+mj-ea"/>
                 <a:ea typeface="+mj-ea"/>
               </a:rPr>
-              <a:t> </a:t>
-            </a:r>
-            <a:r>
-              <a:rPr lang="ko-KR" altLang="en-US" sz="2000" dirty="0" smtClean="0">
-                <a:solidFill>
-                  <a:schemeClr val="tx1"/>
-                </a:solidFill>
-                <a:latin typeface="+mj-ea"/>
-                <a:ea typeface="+mj-ea"/>
-              </a:rPr>
-              <a:t>도출 </a:t>
+              <a:t> 도출 </a:t>
             </a:r>
             <a:r>
               <a:rPr lang="en-US" altLang="ko-KR" sz="2000" dirty="0" smtClean="0">
@@ -14085,17 +18031,7 @@
                 <a:latin typeface="+mj-ea"/>
                 <a:ea typeface="+mj-ea"/>
               </a:rPr>
-              <a:t> </a:t>
-            </a:r>
-            <a:r>
-              <a:rPr lang="ko-KR" altLang="en-US" sz="2000" dirty="0" smtClean="0">
-                <a:solidFill>
-                  <a:schemeClr val="tx1"/>
-                </a:solidFill>
-                <a:latin typeface="+mj-ea"/>
-                <a:ea typeface="+mj-ea"/>
-              </a:rPr>
-              <a:t>도출 </a:t>
+              <a:t> 도출 </a:t>
             </a:r>
             <a:r>
               <a:rPr lang="en-US" altLang="ko-KR" sz="2000" dirty="0" smtClean="0">
@@ -14737,57 +18673,47 @@
                 <a:latin typeface="+mj-ea"/>
                 <a:ea typeface="+mj-ea"/>
               </a:rPr>
-              <a:t> </a:t>
-            </a:r>
-            <a:r>
-              <a:rPr lang="ko-KR" altLang="en-US" sz="2000" dirty="0" smtClean="0">
+              <a:t> 도출 </a:t>
+            </a:r>
+            <a:r>
+              <a:rPr lang="en-US" altLang="ko-KR" sz="2000" dirty="0" smtClean="0">
                 <a:solidFill>
                   <a:schemeClr val="tx1"/>
                 </a:solidFill>
                 <a:latin typeface="+mj-ea"/>
                 <a:ea typeface="+mj-ea"/>
               </a:rPr>
-              <a:t>도출 </a:t>
-            </a:r>
-            <a:r>
-              <a:rPr lang="en-US" altLang="ko-KR" sz="2000" dirty="0" smtClean="0">
+              <a:t>– </a:t>
+            </a:r>
+            <a:r>
+              <a:rPr lang="ko-KR" altLang="en-US" sz="2000" dirty="0" smtClean="0">
                 <a:solidFill>
                   <a:schemeClr val="tx1"/>
                 </a:solidFill>
                 <a:latin typeface="+mj-ea"/>
                 <a:ea typeface="+mj-ea"/>
               </a:rPr>
-              <a:t>– </a:t>
-            </a:r>
-            <a:r>
-              <a:rPr lang="ko-KR" altLang="en-US" sz="2000" dirty="0" smtClean="0">
+              <a:t>승객과 날씨 데이터 </a:t>
+            </a:r>
+            <a:r>
+              <a:rPr lang="en-US" altLang="ko-KR" sz="1500" dirty="0" smtClean="0">
                 <a:solidFill>
                   <a:schemeClr val="tx1"/>
                 </a:solidFill>
                 <a:latin typeface="+mj-ea"/>
                 <a:ea typeface="+mj-ea"/>
               </a:rPr>
-              <a:t>승객과 날씨 데이터 분석 </a:t>
-            </a:r>
-            <a:r>
-              <a:rPr lang="en-US" altLang="ko-KR" sz="1500" dirty="0" smtClean="0">
+              <a:t>(</a:t>
+            </a:r>
+            <a:r>
+              <a:rPr lang="ko-KR" altLang="en-US" sz="1500" dirty="0" smtClean="0">
                 <a:solidFill>
                   <a:schemeClr val="tx1"/>
                 </a:solidFill>
                 <a:latin typeface="+mj-ea"/>
                 <a:ea typeface="+mj-ea"/>
               </a:rPr>
-              <a:t>(</a:t>
-            </a:r>
-            <a:r>
-              <a:rPr lang="ko-KR" altLang="en-US" sz="1500" dirty="0" err="1" smtClean="0">
-                <a:solidFill>
-                  <a:schemeClr val="tx1"/>
-                </a:solidFill>
-                <a:latin typeface="+mj-ea"/>
-                <a:ea typeface="+mj-ea"/>
-              </a:rPr>
-              <a:t>카이제곱검정</a:t>
+              <a:t>상관관계</a:t>
             </a:r>
             <a:r>
               <a:rPr lang="en-US" altLang="ko-KR" sz="1500" dirty="0" smtClean="0">
@@ -14809,258 +18735,40 @@
           </a:p>
         </p:txBody>
       </p:sp>
-      <p:grpSp>
-        <p:nvGrpSpPr>
-          <p:cNvPr id="13" name="그룹 12"/>
-          <p:cNvGrpSpPr/>
+      <p:pic>
+        <p:nvPicPr>
+          <p:cNvPr id="2" name="그림 1"/>
+          <p:cNvPicPr>
+            <a:picLocks noChangeAspect="1"/>
+          </p:cNvPicPr>
           <p:nvPr/>
-        </p:nvGrpSpPr>
-        <p:grpSpPr>
+        </p:nvPicPr>
+        <p:blipFill>
+          <a:blip r:embed="rId3"/>
+          <a:stretch>
+            <a:fillRect/>
+          </a:stretch>
+        </p:blipFill>
+        <p:spPr>
           <a:xfrm>
-            <a:off x="5734863" y="630795"/>
-            <a:ext cx="2497500" cy="4384114"/>
-            <a:chOff x="519952" y="630795"/>
-            <a:chExt cx="2497500" cy="4384114"/>
-          </a:xfrm>
-        </p:grpSpPr>
-        <p:sp>
-          <p:nvSpPr>
-            <p:cNvPr id="7" name="TextBox 6"/>
-            <p:cNvSpPr txBox="1"/>
-            <p:nvPr/>
-          </p:nvSpPr>
-          <p:spPr>
-            <a:xfrm>
-              <a:off x="519952" y="630795"/>
-              <a:ext cx="2255746" cy="369332"/>
-            </a:xfrm>
-            <a:prstGeom prst="rect">
-              <a:avLst/>
-            </a:prstGeom>
-            <a:noFill/>
-          </p:spPr>
-          <p:txBody>
-            <a:bodyPr wrap="none" rtlCol="0">
-              <a:spAutoFit/>
-            </a:bodyPr>
-            <a:lstStyle/>
-            <a:p>
-              <a:r>
-                <a:rPr lang="ko-KR" altLang="en-US" sz="1800" b="1" dirty="0" err="1" smtClean="0">
-                  <a:latin typeface="+mn-ea"/>
-                </a:rPr>
-                <a:t>비통근</a:t>
-              </a:r>
-              <a:r>
-                <a:rPr lang="ko-KR" altLang="en-US" sz="1800" b="1" dirty="0" smtClean="0">
-                  <a:latin typeface="+mn-ea"/>
-                </a:rPr>
-                <a:t> 승객과 계절</a:t>
-              </a:r>
-              <a:r>
-                <a:rPr lang="en-US" altLang="ko-KR" sz="1800" b="1" dirty="0" smtClean="0">
-                  <a:latin typeface="+mn-ea"/>
-                </a:rPr>
-                <a:t>:</a:t>
-              </a:r>
-              <a:endParaRPr lang="ko-KR" altLang="en-US" sz="1800" b="1" dirty="0">
-                <a:latin typeface="+mn-ea"/>
-              </a:endParaRPr>
-            </a:p>
-          </p:txBody>
-        </p:sp>
-        <p:pic>
-          <p:nvPicPr>
-            <p:cNvPr id="2" name="그림 1"/>
-            <p:cNvPicPr>
-              <a:picLocks noChangeAspect="1"/>
-            </p:cNvPicPr>
-            <p:nvPr/>
-          </p:nvPicPr>
-          <p:blipFill>
-            <a:blip r:embed="rId3"/>
-            <a:stretch>
-              <a:fillRect/>
-            </a:stretch>
-          </p:blipFill>
-          <p:spPr>
-            <a:xfrm>
-              <a:off x="677452" y="1000127"/>
-              <a:ext cx="2340000" cy="4014782"/>
-            </a:xfrm>
-            <a:prstGeom prst="rect">
-              <a:avLst/>
-            </a:prstGeom>
-          </p:spPr>
-        </p:pic>
-      </p:grpSp>
-      <p:grpSp>
-        <p:nvGrpSpPr>
-          <p:cNvPr id="18" name="그룹 17"/>
-          <p:cNvGrpSpPr/>
-          <p:nvPr/>
-        </p:nvGrpSpPr>
-        <p:grpSpPr>
-          <a:xfrm>
-            <a:off x="677452" y="630795"/>
-            <a:ext cx="5057411" cy="4384114"/>
-            <a:chOff x="3174952" y="630795"/>
-            <a:chExt cx="5057411" cy="4384114"/>
-          </a:xfrm>
-        </p:grpSpPr>
-        <p:sp>
-          <p:nvSpPr>
-            <p:cNvPr id="11" name="TextBox 10"/>
-            <p:cNvSpPr txBox="1"/>
-            <p:nvPr/>
-          </p:nvSpPr>
-          <p:spPr>
-            <a:xfrm>
-              <a:off x="3174952" y="2415877"/>
-              <a:ext cx="2717411" cy="369332"/>
-            </a:xfrm>
-            <a:prstGeom prst="rect">
-              <a:avLst/>
-            </a:prstGeom>
-            <a:noFill/>
-          </p:spPr>
-          <p:txBody>
-            <a:bodyPr wrap="none" rtlCol="0">
-              <a:spAutoFit/>
-            </a:bodyPr>
-            <a:lstStyle/>
-            <a:p>
-              <a:pPr algn="r"/>
-              <a:r>
-                <a:rPr lang="ko-KR" altLang="en-US" sz="1800" b="1" dirty="0" err="1" smtClean="0">
-                  <a:latin typeface="+mn-ea"/>
-                </a:rPr>
-                <a:t>비통근</a:t>
-              </a:r>
-              <a:r>
-                <a:rPr lang="ko-KR" altLang="en-US" sz="1800" b="1" dirty="0" smtClean="0">
-                  <a:latin typeface="+mn-ea"/>
-                </a:rPr>
-                <a:t> 승객과 평균기온</a:t>
-              </a:r>
-              <a:r>
-                <a:rPr lang="en-US" altLang="ko-KR" sz="1800" b="1" dirty="0" smtClean="0">
-                  <a:latin typeface="+mn-ea"/>
-                </a:rPr>
-                <a:t>:</a:t>
-              </a:r>
-              <a:endParaRPr lang="ko-KR" altLang="en-US" sz="1800" b="1" dirty="0">
-                <a:latin typeface="+mn-ea"/>
-              </a:endParaRPr>
-            </a:p>
-          </p:txBody>
-        </p:sp>
-        <p:pic>
-          <p:nvPicPr>
-            <p:cNvPr id="8" name="그림 7"/>
-            <p:cNvPicPr>
-              <a:picLocks noChangeAspect="1"/>
-            </p:cNvPicPr>
-            <p:nvPr/>
-          </p:nvPicPr>
-          <p:blipFill>
-            <a:blip r:embed="rId4"/>
-            <a:stretch>
-              <a:fillRect/>
-            </a:stretch>
-          </p:blipFill>
-          <p:spPr>
-            <a:xfrm>
-              <a:off x="5892363" y="630795"/>
-              <a:ext cx="2340000" cy="2154414"/>
-            </a:xfrm>
-            <a:prstGeom prst="rect">
-              <a:avLst/>
-            </a:prstGeom>
-          </p:spPr>
-        </p:pic>
-        <p:pic>
-          <p:nvPicPr>
-            <p:cNvPr id="10" name="그림 9"/>
-            <p:cNvPicPr>
-              <a:picLocks noChangeAspect="1"/>
-            </p:cNvPicPr>
-            <p:nvPr/>
-          </p:nvPicPr>
-          <p:blipFill>
-            <a:blip r:embed="rId5"/>
-            <a:stretch>
-              <a:fillRect/>
-            </a:stretch>
-          </p:blipFill>
-          <p:spPr>
-            <a:xfrm>
-              <a:off x="5892363" y="2954067"/>
-              <a:ext cx="2340000" cy="2060842"/>
-            </a:xfrm>
-            <a:prstGeom prst="rect">
-              <a:avLst/>
-            </a:prstGeom>
-          </p:spPr>
-        </p:pic>
-        <p:sp>
-          <p:nvSpPr>
-            <p:cNvPr id="15" name="TextBox 14"/>
-            <p:cNvSpPr txBox="1"/>
-            <p:nvPr/>
-          </p:nvSpPr>
-          <p:spPr>
-            <a:xfrm>
-              <a:off x="3405785" y="4645577"/>
-              <a:ext cx="2486578" cy="369332"/>
-            </a:xfrm>
-            <a:prstGeom prst="rect">
-              <a:avLst/>
-            </a:prstGeom>
-            <a:noFill/>
-          </p:spPr>
-          <p:txBody>
-            <a:bodyPr wrap="none" rtlCol="0">
-              <a:spAutoFit/>
-            </a:bodyPr>
-            <a:lstStyle/>
-            <a:p>
-              <a:pPr algn="r"/>
-              <a:r>
-                <a:rPr lang="ko-KR" altLang="en-US" sz="1800" b="1" dirty="0" err="1" smtClean="0">
-                  <a:latin typeface="+mn-ea"/>
-                </a:rPr>
-                <a:t>비통근</a:t>
-              </a:r>
-              <a:r>
-                <a:rPr lang="ko-KR" altLang="en-US" sz="1800" b="1" dirty="0" smtClean="0">
-                  <a:latin typeface="+mn-ea"/>
-                </a:rPr>
-                <a:t> 승객과 강수량</a:t>
-              </a:r>
-              <a:r>
-                <a:rPr lang="en-US" altLang="ko-KR" sz="1800" b="1" dirty="0" smtClean="0">
-                  <a:latin typeface="+mn-ea"/>
-                </a:rPr>
-                <a:t>:</a:t>
-              </a:r>
-              <a:endParaRPr lang="ko-KR" altLang="en-US" sz="1800" b="1" dirty="0">
-                <a:latin typeface="+mn-ea"/>
-              </a:endParaRPr>
-            </a:p>
-          </p:txBody>
-        </p:sp>
-      </p:grpSp>
+            <a:off x="519952" y="1331064"/>
+            <a:ext cx="3960000" cy="2561947"/>
+          </a:xfrm>
+          <a:prstGeom prst="rect">
+            <a:avLst/>
+          </a:prstGeom>
+        </p:spPr>
+      </p:pic>
       <p:sp>
         <p:nvSpPr>
-          <p:cNvPr id="20" name="TextBox 19"/>
+          <p:cNvPr id="11" name="TextBox 10"/>
           <p:cNvSpPr txBox="1"/>
           <p:nvPr/>
         </p:nvSpPr>
         <p:spPr>
           <a:xfrm>
-            <a:off x="519952" y="630795"/>
-            <a:ext cx="2413247" cy="1200329"/>
+            <a:off x="5256619" y="630795"/>
+            <a:ext cx="3199915" cy="646331"/>
           </a:xfrm>
           <a:prstGeom prst="rect">
             <a:avLst/>
@@ -15068,48 +18776,87 @@
           <a:noFill/>
         </p:spPr>
         <p:txBody>
-          <a:bodyPr wrap="square" rtlCol="0">
+          <a:bodyPr wrap="none" rtlCol="0">
             <a:spAutoFit/>
           </a:bodyPr>
           <a:lstStyle/>
           <a:p>
+            <a:pPr algn="r"/>
+            <a:r>
+              <a:rPr lang="ko-KR" altLang="en-US" sz="1800" b="1" dirty="0" smtClean="0">
+                <a:latin typeface="+mn-ea"/>
+              </a:rPr>
+              <a:t>버스 </a:t>
+            </a:r>
             <a:r>
               <a:rPr lang="ko-KR" altLang="en-US" sz="1800" b="1" dirty="0" err="1" smtClean="0">
                 <a:latin typeface="+mn-ea"/>
               </a:rPr>
-              <a:t>카이제곱검정을</a:t>
+              <a:t>통근자</a:t>
             </a:r>
             <a:r>
               <a:rPr lang="ko-KR" altLang="en-US" sz="1800" b="1" dirty="0" smtClean="0">
                 <a:latin typeface="+mn-ea"/>
               </a:rPr>
-              <a:t> 위해</a:t>
+              <a:t> 수와 평균기온의</a:t>
             </a:r>
             <a:endParaRPr lang="en-US" altLang="ko-KR" sz="1800" b="1" dirty="0" smtClean="0">
               <a:latin typeface="+mn-ea"/>
             </a:endParaRPr>
           </a:p>
           <a:p>
+            <a:pPr algn="r"/>
             <a:r>
               <a:rPr lang="ko-KR" altLang="en-US" sz="1800" b="1" dirty="0" smtClean="0">
                 <a:latin typeface="+mn-ea"/>
               </a:rPr>
-              <a:t>대중교통 </a:t>
-            </a:r>
+              <a:t>상관관계</a:t>
+            </a:r>
+            <a:endParaRPr lang="ko-KR" altLang="en-US" sz="1800" b="1" dirty="0">
+              <a:latin typeface="+mn-ea"/>
+            </a:endParaRPr>
+          </a:p>
+        </p:txBody>
+      </p:sp>
+      <p:sp>
+        <p:nvSpPr>
+          <p:cNvPr id="12" name="TextBox 11"/>
+          <p:cNvSpPr txBox="1"/>
+          <p:nvPr/>
+        </p:nvSpPr>
+        <p:spPr>
+          <a:xfrm>
+            <a:off x="519952" y="630795"/>
+            <a:ext cx="3281668" cy="646331"/>
+          </a:xfrm>
+          <a:prstGeom prst="rect">
+            <a:avLst/>
+          </a:prstGeom>
+          <a:noFill/>
+        </p:spPr>
+        <p:txBody>
+          <a:bodyPr wrap="none" rtlCol="0">
+            <a:spAutoFit/>
+          </a:bodyPr>
+          <a:lstStyle/>
+          <a:p>
             <a:r>
               <a:rPr lang="ko-KR" altLang="en-US" sz="1800" b="1" dirty="0" smtClean="0">
-                <a:solidFill>
-                  <a:srgbClr val="FF0000"/>
-                </a:solidFill>
-                <a:latin typeface="+mn-ea"/>
-              </a:rPr>
-              <a:t>승객 수</a:t>
+                <a:latin typeface="+mn-ea"/>
+              </a:rPr>
+              <a:t>버스 </a:t>
+            </a:r>
+            <a:r>
+              <a:rPr lang="ko-KR" altLang="en-US" sz="1800" b="1" dirty="0" err="1" smtClean="0">
+                <a:latin typeface="+mn-ea"/>
+              </a:rPr>
+              <a:t>통근자</a:t>
             </a:r>
             <a:r>
               <a:rPr lang="ko-KR" altLang="en-US" sz="1800" b="1" dirty="0" smtClean="0">
                 <a:latin typeface="+mn-ea"/>
               </a:rPr>
-              <a:t>를 </a:t>
+              <a:t> 수와 평균기온의 </a:t>
             </a:r>
             <a:endParaRPr lang="en-US" altLang="ko-KR" sz="1800" b="1" dirty="0" smtClean="0">
               <a:latin typeface="+mn-ea"/>
@@ -15117,35 +18864,45 @@
           </a:p>
           <a:p>
             <a:r>
-              <a:rPr lang="en-US" altLang="ko-KR" sz="1800" b="1" dirty="0" smtClean="0">
-                <a:latin typeface="+mn-ea"/>
-              </a:rPr>
-              <a:t>Low, Medium, High</a:t>
-            </a:r>
-          </a:p>
-          <a:p>
-            <a:r>
               <a:rPr lang="ko-KR" altLang="en-US" sz="1800" b="1" dirty="0" smtClean="0">
-                <a:solidFill>
-                  <a:srgbClr val="FF0000"/>
-                </a:solidFill>
-                <a:latin typeface="+mn-ea"/>
-              </a:rPr>
-              <a:t>범주화</a:t>
+                <a:latin typeface="+mn-ea"/>
+              </a:rPr>
+              <a:t>상관관계</a:t>
             </a:r>
             <a:endParaRPr lang="ko-KR" altLang="en-US" sz="1800" b="1" dirty="0">
-              <a:solidFill>
-                <a:srgbClr val="FF0000"/>
-              </a:solidFill>
               <a:latin typeface="+mn-ea"/>
             </a:endParaRPr>
           </a:p>
         </p:txBody>
       </p:sp>
+      <p:pic>
+        <p:nvPicPr>
+          <p:cNvPr id="6" name="그림 5"/>
+          <p:cNvPicPr>
+            <a:picLocks noChangeAspect="1"/>
+          </p:cNvPicPr>
+          <p:nvPr/>
+        </p:nvPicPr>
+        <p:blipFill>
+          <a:blip r:embed="rId4"/>
+          <a:stretch>
+            <a:fillRect/>
+          </a:stretch>
+        </p:blipFill>
+        <p:spPr>
+          <a:xfrm>
+            <a:off x="4496534" y="1331064"/>
+            <a:ext cx="3960000" cy="2522466"/>
+          </a:xfrm>
+          <a:prstGeom prst="rect">
+            <a:avLst/>
+          </a:prstGeom>
+        </p:spPr>
+      </p:pic>
     </p:spTree>
     <p:extLst>
       <p:ext uri="{BB962C8B-B14F-4D97-AF65-F5344CB8AC3E}">
-        <p14:creationId xmlns:p14="http://schemas.microsoft.com/office/powerpoint/2010/main" val="1404571373"/>
+        <p14:creationId xmlns:p14="http://schemas.microsoft.com/office/powerpoint/2010/main" val="1337332183"/>
       </p:ext>
     </p:extLst>
   </p:cSld>
